--- a/docs/scherer-rotation-summary/scherer-rotation-summary.pptx
+++ b/docs/scherer-rotation-summary/scherer-rotation-summary.pptx
@@ -5,13 +5,14 @@
     <p:sldMasterId id="2147483648" r:id="rId1"/>
   </p:sldMasterIdLst>
   <p:notesMasterIdLst>
-    <p:notesMasterId r:id="rId6"/>
+    <p:notesMasterId r:id="rId7"/>
   </p:notesMasterIdLst>
   <p:sldIdLst>
     <p:sldId id="263" r:id="rId2"/>
-    <p:sldId id="258" r:id="rId3"/>
-    <p:sldId id="264" r:id="rId4"/>
-    <p:sldId id="265" r:id="rId5"/>
+    <p:sldId id="256" r:id="rId3"/>
+    <p:sldId id="258" r:id="rId4"/>
+    <p:sldId id="264" r:id="rId5"/>
+    <p:sldId id="265" r:id="rId6"/>
   </p:sldIdLst>
   <p:sldSz cx="12192000" cy="6858000"/>
   <p:notesSz cx="6858000" cy="9144000"/>
@@ -200,7 +201,7 @@
           <a:p>
             <a:fld id="{DC0002B7-1C1B-C844-9503-1FA71720EC5A}" type="datetimeFigureOut">
               <a:rPr lang="en-US" smtClean="0"/>
-              <a:t>3/7/21</a:t>
+              <a:t>3/8/21</a:t>
             </a:fld>
             <a:endParaRPr lang="en-US"/>
           </a:p>
@@ -467,6 +468,144 @@
 </p:notesMaster>
 </file>
 
+<file path=ppt/notesSlides/notesSlide1.xml><?xml version="1.0" encoding="utf-8"?>
+<p:notes xmlns:a="http://schemas.openxmlformats.org/drawingml/2006/main" xmlns:r="http://schemas.openxmlformats.org/officeDocument/2006/relationships" xmlns:p="http://schemas.openxmlformats.org/presentationml/2006/main">
+  <p:cSld>
+    <p:spTree>
+      <p:nvGrpSpPr>
+        <p:cNvPr id="1" name=""/>
+        <p:cNvGrpSpPr/>
+        <p:nvPr/>
+      </p:nvGrpSpPr>
+      <p:grpSpPr>
+        <a:xfrm>
+          <a:off x="0" y="0"/>
+          <a:ext cx="0" cy="0"/>
+          <a:chOff x="0" y="0"/>
+          <a:chExt cx="0" cy="0"/>
+        </a:xfrm>
+      </p:grpSpPr>
+      <p:sp>
+        <p:nvSpPr>
+          <p:cNvPr id="139" name="PlaceHolder 1"/>
+          <p:cNvSpPr>
+            <a:spLocks noGrp="1" noRot="1" noChangeAspect="1"/>
+          </p:cNvSpPr>
+          <p:nvPr>
+            <p:ph type="sldImg"/>
+          </p:nvPr>
+        </p:nvSpPr>
+        <p:spPr>
+          <a:xfrm>
+            <a:off x="685800" y="1143000"/>
+            <a:ext cx="5484813" cy="3084513"/>
+          </a:xfrm>
+          <a:prstGeom prst="rect">
+            <a:avLst/>
+          </a:prstGeom>
+        </p:spPr>
+      </p:sp>
+      <p:sp>
+        <p:nvSpPr>
+          <p:cNvPr id="140" name="PlaceHolder 2"/>
+          <p:cNvSpPr>
+            <a:spLocks noGrp="1"/>
+          </p:cNvSpPr>
+          <p:nvPr>
+            <p:ph type="body"/>
+          </p:nvPr>
+        </p:nvSpPr>
+        <p:spPr>
+          <a:xfrm>
+            <a:off x="685800" y="4400640"/>
+            <a:ext cx="5485320" cy="3599280"/>
+          </a:xfrm>
+          <a:prstGeom prst="rect">
+            <a:avLst/>
+          </a:prstGeom>
+        </p:spPr>
+        <p:txBody>
+          <a:bodyPr lIns="0" tIns="0" rIns="0" bIns="0">
+            <a:noAutofit/>
+          </a:bodyPr>
+          <a:lstStyle/>
+          <a:p>
+            <a:endParaRPr lang="en-US" sz="2000" b="0" strike="noStrike" spc="-1">
+              <a:latin typeface="Arial"/>
+            </a:endParaRPr>
+          </a:p>
+        </p:txBody>
+      </p:sp>
+      <p:sp>
+        <p:nvSpPr>
+          <p:cNvPr id="141" name="CustomShape 3"/>
+          <p:cNvSpPr/>
+          <p:nvPr/>
+        </p:nvSpPr>
+        <p:spPr>
+          <a:xfrm>
+            <a:off x="3884760" y="8685360"/>
+            <a:ext cx="2970720" cy="457560"/>
+          </a:xfrm>
+          <a:prstGeom prst="rect">
+            <a:avLst/>
+          </a:prstGeom>
+          <a:noFill/>
+          <a:ln>
+            <a:noFill/>
+          </a:ln>
+        </p:spPr>
+        <p:style>
+          <a:lnRef idx="0">
+            <a:scrgbClr r="0" g="0" b="0"/>
+          </a:lnRef>
+          <a:fillRef idx="0">
+            <a:scrgbClr r="0" g="0" b="0"/>
+          </a:fillRef>
+          <a:effectRef idx="0">
+            <a:scrgbClr r="0" g="0" b="0"/>
+          </a:effectRef>
+          <a:fontRef idx="minor"/>
+        </p:style>
+        <p:txBody>
+          <a:bodyPr lIns="90000" tIns="45000" rIns="90000" bIns="45000" anchor="b">
+            <a:noAutofit/>
+          </a:bodyPr>
+          <a:lstStyle/>
+          <a:p>
+            <a:pPr algn="r">
+              <a:lnSpc>
+                <a:spcPct val="100000"/>
+              </a:lnSpc>
+            </a:pPr>
+            <a:fld id="{8F167C77-C7EA-4477-82EB-E77950315A76}" type="slidenum">
+              <a:rPr lang="en-US" sz="1200" b="0" strike="noStrike" spc="-1">
+                <a:solidFill>
+                  <a:srgbClr val="000000"/>
+                </a:solidFill>
+                <a:latin typeface="Times New Roman"/>
+              </a:rPr>
+              <a:t>2</a:t>
+            </a:fld>
+            <a:endParaRPr lang="en-US" sz="1200" b="0" strike="noStrike" spc="-1">
+              <a:latin typeface="Arial"/>
+            </a:endParaRPr>
+          </a:p>
+        </p:txBody>
+      </p:sp>
+    </p:spTree>
+    <p:extLst>
+      <p:ext uri="{BB962C8B-B14F-4D97-AF65-F5344CB8AC3E}">
+        <p14:creationId xmlns:p14="http://schemas.microsoft.com/office/powerpoint/2010/main" val="1812787716"/>
+      </p:ext>
+    </p:extLst>
+  </p:cSld>
+  <p:clrMapOvr>
+    <a:masterClrMapping/>
+  </p:clrMapOvr>
+</p:notes>
+</file>
+
 <file path=ppt/slideLayouts/slideLayout1.xml><?xml version="1.0" encoding="utf-8"?>
 <p:sldLayout xmlns:a="http://schemas.openxmlformats.org/drawingml/2006/main" xmlns:r="http://schemas.openxmlformats.org/officeDocument/2006/relationships" xmlns:p="http://schemas.openxmlformats.org/presentationml/2006/main" type="title" preserve="1">
   <p:cSld name="Title Slide">
@@ -614,7 +753,7 @@
           <a:p>
             <a:fld id="{6B8A667D-7F7D-1948-B76E-0A1AF9F7FBE5}" type="datetimeFigureOut">
               <a:rPr lang="en-US" smtClean="0"/>
-              <a:t>3/7/21</a:t>
+              <a:t>3/8/21</a:t>
             </a:fld>
             <a:endParaRPr lang="en-US"/>
           </a:p>
@@ -812,7 +951,7 @@
           <a:p>
             <a:fld id="{6B8A667D-7F7D-1948-B76E-0A1AF9F7FBE5}" type="datetimeFigureOut">
               <a:rPr lang="en-US" smtClean="0"/>
-              <a:t>3/7/21</a:t>
+              <a:t>3/8/21</a:t>
             </a:fld>
             <a:endParaRPr lang="en-US"/>
           </a:p>
@@ -1020,7 +1159,7 @@
           <a:p>
             <a:fld id="{6B8A667D-7F7D-1948-B76E-0A1AF9F7FBE5}" type="datetimeFigureOut">
               <a:rPr lang="en-US" smtClean="0"/>
-              <a:t>3/7/21</a:t>
+              <a:t>3/8/21</a:t>
             </a:fld>
             <a:endParaRPr lang="en-US"/>
           </a:p>
@@ -1218,7 +1357,7 @@
           <a:p>
             <a:fld id="{6B8A667D-7F7D-1948-B76E-0A1AF9F7FBE5}" type="datetimeFigureOut">
               <a:rPr lang="en-US" smtClean="0"/>
-              <a:t>3/7/21</a:t>
+              <a:t>3/8/21</a:t>
             </a:fld>
             <a:endParaRPr lang="en-US"/>
           </a:p>
@@ -1493,7 +1632,7 @@
           <a:p>
             <a:fld id="{6B8A667D-7F7D-1948-B76E-0A1AF9F7FBE5}" type="datetimeFigureOut">
               <a:rPr lang="en-US" smtClean="0"/>
-              <a:t>3/7/21</a:t>
+              <a:t>3/8/21</a:t>
             </a:fld>
             <a:endParaRPr lang="en-US"/>
           </a:p>
@@ -1758,7 +1897,7 @@
           <a:p>
             <a:fld id="{6B8A667D-7F7D-1948-B76E-0A1AF9F7FBE5}" type="datetimeFigureOut">
               <a:rPr lang="en-US" smtClean="0"/>
-              <a:t>3/7/21</a:t>
+              <a:t>3/8/21</a:t>
             </a:fld>
             <a:endParaRPr lang="en-US"/>
           </a:p>
@@ -2170,7 +2309,7 @@
           <a:p>
             <a:fld id="{6B8A667D-7F7D-1948-B76E-0A1AF9F7FBE5}" type="datetimeFigureOut">
               <a:rPr lang="en-US" smtClean="0"/>
-              <a:t>3/7/21</a:t>
+              <a:t>3/8/21</a:t>
             </a:fld>
             <a:endParaRPr lang="en-US"/>
           </a:p>
@@ -2311,7 +2450,7 @@
           <a:p>
             <a:fld id="{6B8A667D-7F7D-1948-B76E-0A1AF9F7FBE5}" type="datetimeFigureOut">
               <a:rPr lang="en-US" smtClean="0"/>
-              <a:t>3/7/21</a:t>
+              <a:t>3/8/21</a:t>
             </a:fld>
             <a:endParaRPr lang="en-US"/>
           </a:p>
@@ -2424,7 +2563,7 @@
           <a:p>
             <a:fld id="{6B8A667D-7F7D-1948-B76E-0A1AF9F7FBE5}" type="datetimeFigureOut">
               <a:rPr lang="en-US" smtClean="0"/>
-              <a:t>3/7/21</a:t>
+              <a:t>3/8/21</a:t>
             </a:fld>
             <a:endParaRPr lang="en-US"/>
           </a:p>
@@ -2735,7 +2874,7 @@
           <a:p>
             <a:fld id="{6B8A667D-7F7D-1948-B76E-0A1AF9F7FBE5}" type="datetimeFigureOut">
               <a:rPr lang="en-US" smtClean="0"/>
-              <a:t>3/7/21</a:t>
+              <a:t>3/8/21</a:t>
             </a:fld>
             <a:endParaRPr lang="en-US"/>
           </a:p>
@@ -3023,7 +3162,7 @@
           <a:p>
             <a:fld id="{6B8A667D-7F7D-1948-B76E-0A1AF9F7FBE5}" type="datetimeFigureOut">
               <a:rPr lang="en-US" smtClean="0"/>
-              <a:t>3/7/21</a:t>
+              <a:t>3/8/21</a:t>
             </a:fld>
             <a:endParaRPr lang="en-US"/>
           </a:p>
@@ -3264,7 +3403,7 @@
           <a:p>
             <a:fld id="{6B8A667D-7F7D-1948-B76E-0A1AF9F7FBE5}" type="datetimeFigureOut">
               <a:rPr lang="en-US" smtClean="0"/>
-              <a:t>3/7/21</a:t>
+              <a:t>3/8/21</a:t>
             </a:fld>
             <a:endParaRPr lang="en-US"/>
           </a:p>
@@ -3683,6 +3822,36 @@
       </p:grpSpPr>
       <p:pic>
         <p:nvPicPr>
+          <p:cNvPr id="6" name="Picture 11" descr="A picture containing diagram&#10;&#10;Description automatically generated">
+            <a:extLst>
+              <a:ext uri="{FF2B5EF4-FFF2-40B4-BE49-F238E27FC236}">
+                <a16:creationId xmlns:a16="http://schemas.microsoft.com/office/drawing/2014/main" id="{136023BF-9B65-3E4B-B4FC-4799AECB6352}"/>
+              </a:ext>
+            </a:extLst>
+          </p:cNvPr>
+          <p:cNvPicPr/>
+          <p:nvPr/>
+        </p:nvPicPr>
+        <p:blipFill>
+          <a:blip r:embed="rId2"/>
+          <a:srcRect l="3089" r="4145"/>
+          <a:stretch/>
+        </p:blipFill>
+        <p:spPr>
+          <a:xfrm>
+            <a:off x="2215245" y="5165472"/>
+            <a:ext cx="3948840" cy="1549440"/>
+          </a:xfrm>
+          <a:prstGeom prst="rect">
+            <a:avLst/>
+          </a:prstGeom>
+          <a:ln>
+            <a:noFill/>
+          </a:ln>
+        </p:spPr>
+      </p:pic>
+      <p:pic>
+        <p:nvPicPr>
           <p:cNvPr id="1026" name="Picture 2">
             <a:extLst>
               <a:ext uri="{FF2B5EF4-FFF2-40B4-BE49-F238E27FC236}">
@@ -3696,7 +3865,7 @@
           <p:nvPr/>
         </p:nvPicPr>
         <p:blipFill>
-          <a:blip r:embed="rId2">
+          <a:blip r:embed="rId3">
             <a:extLst>
               <a:ext uri="{28A0092B-C50C-407E-A947-70E740481C1C}">
                 <a14:useLocalDpi xmlns:a14="http://schemas.microsoft.com/office/drawing/2010/main" val="0"/>
@@ -3710,8 +3879,8 @@
         </p:blipFill>
         <p:spPr bwMode="auto">
           <a:xfrm>
-            <a:off x="2266951" y="267091"/>
-            <a:ext cx="8472383" cy="5954486"/>
+            <a:off x="4793834" y="316227"/>
+            <a:ext cx="7132043" cy="5012480"/>
           </a:xfrm>
           <a:prstGeom prst="rect">
             <a:avLst/>
@@ -3742,8 +3911,8 @@
         </p:nvSpPr>
         <p:spPr>
           <a:xfrm>
-            <a:off x="336057" y="82425"/>
-            <a:ext cx="3205942" cy="369332"/>
+            <a:off x="227200" y="136854"/>
+            <a:ext cx="6579045" cy="369332"/>
           </a:xfrm>
           <a:prstGeom prst="rect">
             <a:avLst/>
@@ -3757,8 +3926,25 @@
           <a:lstStyle/>
           <a:p>
             <a:r>
-              <a:rPr lang="en-US" b="1" dirty="0"/>
-              <a:t>The Beta-Cell Surface Proteome</a:t>
+              <a:rPr lang="en-US" b="1" dirty="0">
+                <a:latin typeface="Arial" panose="020B0604020202020204" pitchFamily="34" charset="0"/>
+                <a:cs typeface="Arial" panose="020B0604020202020204" pitchFamily="34" charset="0"/>
+              </a:rPr>
+              <a:t>Intracellular Ca</a:t>
+            </a:r>
+            <a:r>
+              <a:rPr lang="en-US" b="1" baseline="30000" dirty="0">
+                <a:latin typeface="Arial" panose="020B0604020202020204" pitchFamily="34" charset="0"/>
+                <a:cs typeface="Arial" panose="020B0604020202020204" pitchFamily="34" charset="0"/>
+              </a:rPr>
+              <a:t>2+</a:t>
+            </a:r>
+            <a:r>
+              <a:rPr lang="en-US" b="1" dirty="0">
+                <a:latin typeface="Arial" panose="020B0604020202020204" pitchFamily="34" charset="0"/>
+                <a:cs typeface="Arial" panose="020B0604020202020204" pitchFamily="34" charset="0"/>
+              </a:rPr>
+              <a:t> is involved in Insulin Granule Exocytosis</a:t>
             </a:r>
           </a:p>
         </p:txBody>
@@ -3816,8 +4002,9 @@
                 <a:solidFill>
                   <a:srgbClr val="000000"/>
                 </a:solidFill>
-                <a:latin typeface="Arial"/>
+                <a:latin typeface="Arial" panose="020B0604020202020204" pitchFamily="34" charset="0"/>
                 <a:ea typeface="DejaVu Sans"/>
+                <a:cs typeface="Arial" panose="020B0604020202020204" pitchFamily="34" charset="0"/>
               </a:rPr>
               <a:t>The pancreatic beta cell surface proteome. </a:t>
             </a:r>
@@ -3826,14 +4013,146 @@
                 <a:solidFill>
                   <a:srgbClr val="000000"/>
                 </a:solidFill>
-                <a:latin typeface="Arial"/>
+                <a:latin typeface="Arial" panose="020B0604020202020204" pitchFamily="34" charset="0"/>
                 <a:ea typeface="DejaVu Sans"/>
+                <a:cs typeface="Arial" panose="020B0604020202020204" pitchFamily="34" charset="0"/>
               </a:rPr>
               <a:t>Diebetologia. 2012</a:t>
             </a:r>
             <a:endParaRPr lang="en-US" sz="1400" b="0" strike="noStrike" spc="-1" dirty="0">
-              <a:latin typeface="Arial"/>
+              <a:latin typeface="Arial" panose="020B0604020202020204" pitchFamily="34" charset="0"/>
+              <a:cs typeface="Arial" panose="020B0604020202020204" pitchFamily="34" charset="0"/>
             </a:endParaRPr>
+          </a:p>
+        </p:txBody>
+      </p:sp>
+      <p:sp>
+        <p:nvSpPr>
+          <p:cNvPr id="3" name="TextBox 2">
+            <a:extLst>
+              <a:ext uri="{FF2B5EF4-FFF2-40B4-BE49-F238E27FC236}">
+                <a16:creationId xmlns:a16="http://schemas.microsoft.com/office/drawing/2014/main" id="{A2EA9F95-3663-C64C-86FE-C170F6F96AA7}"/>
+              </a:ext>
+            </a:extLst>
+          </p:cNvPr>
+          <p:cNvSpPr txBox="1"/>
+          <p:nvPr/>
+        </p:nvSpPr>
+        <p:spPr>
+          <a:xfrm>
+            <a:off x="511631" y="1305341"/>
+            <a:ext cx="3407228" cy="3970318"/>
+          </a:xfrm>
+          <a:prstGeom prst="rect">
+            <a:avLst/>
+          </a:prstGeom>
+          <a:noFill/>
+        </p:spPr>
+        <p:txBody>
+          <a:bodyPr wrap="square" rtlCol="0">
+            <a:spAutoFit/>
+          </a:bodyPr>
+          <a:lstStyle/>
+          <a:p>
+            <a:pPr marL="285750" indent="-285750">
+              <a:buFont typeface="Arial" panose="020B0604020202020204" pitchFamily="34" charset="0"/>
+              <a:buChar char="•"/>
+            </a:pPr>
+            <a:r>
+              <a:rPr lang="en-US" dirty="0">
+                <a:latin typeface="Arial" panose="020B0604020202020204" pitchFamily="34" charset="0"/>
+                <a:cs typeface="Arial" panose="020B0604020202020204" pitchFamily="34" charset="0"/>
+              </a:rPr>
+              <a:t>ATP-sensitive K</a:t>
+            </a:r>
+            <a:r>
+              <a:rPr lang="en-US" baseline="30000" dirty="0">
+                <a:latin typeface="Arial" panose="020B0604020202020204" pitchFamily="34" charset="0"/>
+                <a:cs typeface="Arial" panose="020B0604020202020204" pitchFamily="34" charset="0"/>
+              </a:rPr>
+              <a:t>+</a:t>
+            </a:r>
+            <a:r>
+              <a:rPr lang="en-US" dirty="0">
+                <a:latin typeface="Arial" panose="020B0604020202020204" pitchFamily="34" charset="0"/>
+                <a:cs typeface="Arial" panose="020B0604020202020204" pitchFamily="34" charset="0"/>
+              </a:rPr>
+              <a:t> channels open and depolarize the cell in response to the availability of glucose</a:t>
+            </a:r>
+          </a:p>
+          <a:p>
+            <a:pPr marL="285750" indent="-285750">
+              <a:buFont typeface="Arial" panose="020B0604020202020204" pitchFamily="34" charset="0"/>
+              <a:buChar char="•"/>
+            </a:pPr>
+            <a:endParaRPr lang="en-US" dirty="0">
+              <a:latin typeface="Arial" panose="020B0604020202020204" pitchFamily="34" charset="0"/>
+              <a:cs typeface="Arial" panose="020B0604020202020204" pitchFamily="34" charset="0"/>
+            </a:endParaRPr>
+          </a:p>
+          <a:p>
+            <a:pPr marL="285750" indent="-285750">
+              <a:buFont typeface="Arial" panose="020B0604020202020204" pitchFamily="34" charset="0"/>
+              <a:buChar char="•"/>
+            </a:pPr>
+            <a:r>
+              <a:rPr lang="en-US" dirty="0">
+                <a:latin typeface="Arial" panose="020B0604020202020204" pitchFamily="34" charset="0"/>
+                <a:cs typeface="Arial" panose="020B0604020202020204" pitchFamily="34" charset="0"/>
+              </a:rPr>
+              <a:t>Voltage-gated Ca</a:t>
+            </a:r>
+            <a:r>
+              <a:rPr lang="en-US" baseline="30000" dirty="0">
+                <a:latin typeface="Arial" panose="020B0604020202020204" pitchFamily="34" charset="0"/>
+                <a:cs typeface="Arial" panose="020B0604020202020204" pitchFamily="34" charset="0"/>
+              </a:rPr>
+              <a:t>2+</a:t>
+            </a:r>
+            <a:r>
+              <a:rPr lang="en-US" dirty="0">
+                <a:latin typeface="Arial" panose="020B0604020202020204" pitchFamily="34" charset="0"/>
+                <a:cs typeface="Arial" panose="020B0604020202020204" pitchFamily="34" charset="0"/>
+              </a:rPr>
+              <a:t> open and increase in [Ca</a:t>
+            </a:r>
+            <a:r>
+              <a:rPr lang="en-US" baseline="30000" dirty="0">
+                <a:latin typeface="Arial" panose="020B0604020202020204" pitchFamily="34" charset="0"/>
+                <a:cs typeface="Arial" panose="020B0604020202020204" pitchFamily="34" charset="0"/>
+              </a:rPr>
+              <a:t>2+</a:t>
+            </a:r>
+            <a:r>
+              <a:rPr lang="en-US" dirty="0">
+                <a:latin typeface="Arial" panose="020B0604020202020204" pitchFamily="34" charset="0"/>
+                <a:cs typeface="Arial" panose="020B0604020202020204" pitchFamily="34" charset="0"/>
+              </a:rPr>
+              <a:t>] triggers insulin granule exocytosis</a:t>
+            </a:r>
+          </a:p>
+          <a:p>
+            <a:pPr marL="285750" indent="-285750">
+              <a:buFont typeface="Arial" panose="020B0604020202020204" pitchFamily="34" charset="0"/>
+              <a:buChar char="•"/>
+            </a:pPr>
+            <a:endParaRPr lang="en-US" dirty="0">
+              <a:latin typeface="Arial" panose="020B0604020202020204" pitchFamily="34" charset="0"/>
+              <a:cs typeface="Arial" panose="020B0604020202020204" pitchFamily="34" charset="0"/>
+            </a:endParaRPr>
+          </a:p>
+          <a:p>
+            <a:pPr marL="285750" indent="-285750">
+              <a:buFont typeface="Arial" panose="020B0604020202020204" pitchFamily="34" charset="0"/>
+              <a:buChar char="•"/>
+            </a:pPr>
+            <a:r>
+              <a:rPr lang="en-US" dirty="0">
+                <a:latin typeface="Arial" panose="020B0604020202020204" pitchFamily="34" charset="0"/>
+                <a:cs typeface="Arial" panose="020B0604020202020204" pitchFamily="34" charset="0"/>
+              </a:rPr>
+              <a:t>Gap junctions allow communication of glucose stimuli to neighboring beta cells</a:t>
+            </a:r>
           </a:p>
         </p:txBody>
       </p:sp>
@@ -3867,6 +4186,603 @@
           <a:chExt cx="0" cy="0"/>
         </a:xfrm>
       </p:grpSpPr>
+      <p:pic>
+        <p:nvPicPr>
+          <p:cNvPr id="44" name="Picture 4" descr="Text, letter&#10;&#10;Description automatically generated"/>
+          <p:cNvPicPr/>
+          <p:nvPr/>
+        </p:nvPicPr>
+        <p:blipFill>
+          <a:blip r:embed="rId3"/>
+          <a:stretch/>
+        </p:blipFill>
+        <p:spPr>
+          <a:xfrm>
+            <a:off x="368906" y="2310616"/>
+            <a:ext cx="5737980" cy="3915720"/>
+          </a:xfrm>
+          <a:prstGeom prst="rect">
+            <a:avLst/>
+          </a:prstGeom>
+          <a:ln>
+            <a:noFill/>
+          </a:ln>
+        </p:spPr>
+      </p:pic>
+      <p:sp>
+        <p:nvSpPr>
+          <p:cNvPr id="45" name="CustomShape 1"/>
+          <p:cNvSpPr/>
+          <p:nvPr/>
+        </p:nvSpPr>
+        <p:spPr>
+          <a:xfrm>
+            <a:off x="489960" y="849550"/>
+            <a:ext cx="8262154" cy="1321985"/>
+          </a:xfrm>
+          <a:prstGeom prst="rect">
+            <a:avLst/>
+          </a:prstGeom>
+          <a:noFill/>
+          <a:ln>
+            <a:noFill/>
+          </a:ln>
+        </p:spPr>
+        <p:style>
+          <a:lnRef idx="0">
+            <a:scrgbClr r="0" g="0" b="0"/>
+          </a:lnRef>
+          <a:fillRef idx="0">
+            <a:scrgbClr r="0" g="0" b="0"/>
+          </a:fillRef>
+          <a:effectRef idx="0">
+            <a:scrgbClr r="0" g="0" b="0"/>
+          </a:effectRef>
+          <a:fontRef idx="minor"/>
+        </p:style>
+        <p:txBody>
+          <a:bodyPr wrap="square" lIns="90000" tIns="45000" rIns="90000" bIns="45000">
+            <a:spAutoFit/>
+          </a:bodyPr>
+          <a:lstStyle/>
+          <a:p>
+            <a:pPr marL="285840" indent="-284760">
+              <a:lnSpc>
+                <a:spcPct val="100000"/>
+              </a:lnSpc>
+              <a:buClr>
+                <a:srgbClr val="000000"/>
+              </a:buClr>
+              <a:buFont typeface="Arial"/>
+              <a:buChar char="•"/>
+            </a:pPr>
+            <a:r>
+              <a:rPr lang="en-US" sz="1600" spc="-1" dirty="0">
+                <a:solidFill>
+                  <a:srgbClr val="000000"/>
+                </a:solidFill>
+                <a:latin typeface="Arial" panose="020B0604020202020204" pitchFamily="34" charset="0"/>
+                <a:ea typeface="DejaVu Sans"/>
+                <a:cs typeface="Arial" panose="020B0604020202020204" pitchFamily="34" charset="0"/>
+              </a:rPr>
+              <a:t>MIN6 monolayers show reduced synchronization of</a:t>
+            </a:r>
+            <a:r>
+              <a:rPr lang="en-US" sz="1600" b="1" spc="-1" dirty="0">
+                <a:solidFill>
+                  <a:srgbClr val="000000"/>
+                </a:solidFill>
+                <a:latin typeface="Arial" panose="020B0604020202020204" pitchFamily="34" charset="0"/>
+                <a:ea typeface="DejaVu Sans"/>
+                <a:cs typeface="Arial" panose="020B0604020202020204" pitchFamily="34" charset="0"/>
+              </a:rPr>
+              <a:t> </a:t>
+            </a:r>
+            <a:r>
+              <a:rPr lang="en-US" sz="1600" spc="-1" dirty="0">
+                <a:solidFill>
+                  <a:srgbClr val="000000"/>
+                </a:solidFill>
+                <a:latin typeface="Arial"/>
+                <a:ea typeface="DejaVu Sans"/>
+              </a:rPr>
+              <a:t>[Ca2+] oscillations relative to pseudo-islets</a:t>
+            </a:r>
+            <a:endParaRPr lang="en-US" sz="1600" b="1" spc="-1" dirty="0">
+              <a:solidFill>
+                <a:srgbClr val="000000"/>
+              </a:solidFill>
+              <a:latin typeface="Arial" panose="020B0604020202020204" pitchFamily="34" charset="0"/>
+              <a:ea typeface="DejaVu Sans"/>
+              <a:cs typeface="Arial" panose="020B0604020202020204" pitchFamily="34" charset="0"/>
+            </a:endParaRPr>
+          </a:p>
+          <a:p>
+            <a:pPr marL="1080">
+              <a:lnSpc>
+                <a:spcPct val="100000"/>
+              </a:lnSpc>
+              <a:buClr>
+                <a:srgbClr val="000000"/>
+              </a:buClr>
+            </a:pPr>
+            <a:endParaRPr lang="en-US" sz="1600" spc="-1" dirty="0">
+              <a:solidFill>
+                <a:srgbClr val="000000"/>
+              </a:solidFill>
+              <a:latin typeface="Arial" panose="020B0604020202020204" pitchFamily="34" charset="0"/>
+              <a:cs typeface="Arial" panose="020B0604020202020204" pitchFamily="34" charset="0"/>
+            </a:endParaRPr>
+          </a:p>
+          <a:p>
+            <a:pPr marL="285840" indent="-284760">
+              <a:buClr>
+                <a:srgbClr val="000000"/>
+              </a:buClr>
+              <a:buFont typeface="Arial"/>
+              <a:buChar char="•"/>
+            </a:pPr>
+            <a:r>
+              <a:rPr lang="en-US" sz="1600" spc="-1" dirty="0">
+                <a:solidFill>
+                  <a:srgbClr val="000000"/>
+                </a:solidFill>
+                <a:latin typeface="Arial" panose="020B0604020202020204" pitchFamily="34" charset="0"/>
+                <a:ea typeface="DejaVu Sans"/>
+                <a:cs typeface="Arial" panose="020B0604020202020204" pitchFamily="34" charset="0"/>
+              </a:rPr>
+              <a:t>Calcium-dependent fluorescent dyes such as Fluor4 allow us to measure steady-state synchronization of</a:t>
+            </a:r>
+            <a:r>
+              <a:rPr lang="en-US" sz="1600" b="1" spc="-1" dirty="0">
+                <a:solidFill>
+                  <a:srgbClr val="000000"/>
+                </a:solidFill>
+                <a:latin typeface="Arial" panose="020B0604020202020204" pitchFamily="34" charset="0"/>
+                <a:ea typeface="DejaVu Sans"/>
+                <a:cs typeface="Arial" panose="020B0604020202020204" pitchFamily="34" charset="0"/>
+              </a:rPr>
+              <a:t> </a:t>
+            </a:r>
+            <a:r>
+              <a:rPr lang="en-US" sz="1600" spc="-1" dirty="0">
+                <a:solidFill>
+                  <a:srgbClr val="000000"/>
+                </a:solidFill>
+                <a:latin typeface="Arial"/>
+                <a:ea typeface="DejaVu Sans"/>
+              </a:rPr>
+              <a:t>[Ca2+] oscillations </a:t>
+            </a:r>
+            <a:endParaRPr lang="en-US" sz="1600" spc="-1" dirty="0">
+              <a:latin typeface="Arial" panose="020B0604020202020204" pitchFamily="34" charset="0"/>
+              <a:cs typeface="Arial" panose="020B0604020202020204" pitchFamily="34" charset="0"/>
+            </a:endParaRPr>
+          </a:p>
+        </p:txBody>
+      </p:sp>
+      <p:sp>
+        <p:nvSpPr>
+          <p:cNvPr id="46" name="CustomShape 2"/>
+          <p:cNvSpPr/>
+          <p:nvPr/>
+        </p:nvSpPr>
+        <p:spPr>
+          <a:xfrm>
+            <a:off x="2852280" y="6582960"/>
+            <a:ext cx="9478080" cy="302760"/>
+          </a:xfrm>
+          <a:prstGeom prst="rect">
+            <a:avLst/>
+          </a:prstGeom>
+          <a:noFill/>
+          <a:ln>
+            <a:noFill/>
+          </a:ln>
+        </p:spPr>
+        <p:style>
+          <a:lnRef idx="0">
+            <a:scrgbClr r="0" g="0" b="0"/>
+          </a:lnRef>
+          <a:fillRef idx="0">
+            <a:scrgbClr r="0" g="0" b="0"/>
+          </a:fillRef>
+          <a:effectRef idx="0">
+            <a:scrgbClr r="0" g="0" b="0"/>
+          </a:effectRef>
+          <a:fontRef idx="minor"/>
+        </p:style>
+        <p:txBody>
+          <a:bodyPr wrap="none" lIns="90000" tIns="45000" rIns="90000" bIns="45000">
+            <a:spAutoFit/>
+          </a:bodyPr>
+          <a:lstStyle/>
+          <a:p>
+            <a:pPr>
+              <a:lnSpc>
+                <a:spcPct val="100000"/>
+              </a:lnSpc>
+            </a:pPr>
+            <a:r>
+              <a:rPr lang="en-US" sz="1400" b="0" i="1" strike="noStrike" spc="-1">
+                <a:solidFill>
+                  <a:srgbClr val="000000"/>
+                </a:solidFill>
+                <a:latin typeface="Arial"/>
+                <a:ea typeface="DejaVu Sans"/>
+              </a:rPr>
+              <a:t>Dimensionality and size scaling of coordinated Ca2+ dynamics in MIN6 beta-cell clusters. </a:t>
+            </a:r>
+            <a:r>
+              <a:rPr lang="en-US" sz="1400" b="1" strike="noStrike" spc="-1">
+                <a:solidFill>
+                  <a:srgbClr val="000000"/>
+                </a:solidFill>
+                <a:latin typeface="Arial"/>
+                <a:ea typeface="DejaVu Sans"/>
+              </a:rPr>
+              <a:t>Biophysical Journal. 2014</a:t>
+            </a:r>
+            <a:endParaRPr lang="en-US" sz="1400" b="0" strike="noStrike" spc="-1">
+              <a:latin typeface="Arial"/>
+            </a:endParaRPr>
+          </a:p>
+        </p:txBody>
+      </p:sp>
+      <p:sp>
+        <p:nvSpPr>
+          <p:cNvPr id="47" name="CustomShape 3"/>
+          <p:cNvSpPr/>
+          <p:nvPr/>
+        </p:nvSpPr>
+        <p:spPr>
+          <a:xfrm>
+            <a:off x="-1113480" y="4648320"/>
+            <a:ext cx="471600" cy="363960"/>
+          </a:xfrm>
+          <a:prstGeom prst="rect">
+            <a:avLst/>
+          </a:prstGeom>
+          <a:noFill/>
+          <a:ln>
+            <a:noFill/>
+          </a:ln>
+        </p:spPr>
+        <p:style>
+          <a:lnRef idx="0">
+            <a:scrgbClr r="0" g="0" b="0"/>
+          </a:lnRef>
+          <a:fillRef idx="0">
+            <a:scrgbClr r="0" g="0" b="0"/>
+          </a:fillRef>
+          <a:effectRef idx="0">
+            <a:scrgbClr r="0" g="0" b="0"/>
+          </a:effectRef>
+          <a:fontRef idx="minor"/>
+        </p:style>
+        <p:txBody>
+          <a:bodyPr wrap="none" lIns="90000" tIns="45000" rIns="90000" bIns="45000">
+            <a:spAutoFit/>
+          </a:bodyPr>
+          <a:lstStyle/>
+          <a:p>
+            <a:pPr>
+              <a:lnSpc>
+                <a:spcPct val="100000"/>
+              </a:lnSpc>
+            </a:pPr>
+            <a:r>
+              <a:rPr lang="en-US" sz="1800" b="1" strike="noStrike" spc="-1">
+                <a:solidFill>
+                  <a:srgbClr val="000000"/>
+                </a:solidFill>
+                <a:latin typeface="Arial"/>
+                <a:ea typeface="DejaVu Sans"/>
+              </a:rPr>
+              <a:t>3D</a:t>
+            </a:r>
+            <a:endParaRPr lang="en-US" sz="1800" b="0" strike="noStrike" spc="-1">
+              <a:latin typeface="Arial"/>
+            </a:endParaRPr>
+          </a:p>
+        </p:txBody>
+      </p:sp>
+      <p:sp>
+        <p:nvSpPr>
+          <p:cNvPr id="48" name="CustomShape 4"/>
+          <p:cNvSpPr/>
+          <p:nvPr/>
+        </p:nvSpPr>
+        <p:spPr>
+          <a:xfrm>
+            <a:off x="-1113480" y="2743560"/>
+            <a:ext cx="471600" cy="363960"/>
+          </a:xfrm>
+          <a:prstGeom prst="rect">
+            <a:avLst/>
+          </a:prstGeom>
+          <a:noFill/>
+          <a:ln>
+            <a:noFill/>
+          </a:ln>
+        </p:spPr>
+        <p:style>
+          <a:lnRef idx="0">
+            <a:scrgbClr r="0" g="0" b="0"/>
+          </a:lnRef>
+          <a:fillRef idx="0">
+            <a:scrgbClr r="0" g="0" b="0"/>
+          </a:fillRef>
+          <a:effectRef idx="0">
+            <a:scrgbClr r="0" g="0" b="0"/>
+          </a:effectRef>
+          <a:fontRef idx="minor"/>
+        </p:style>
+        <p:txBody>
+          <a:bodyPr wrap="none" lIns="90000" tIns="45000" rIns="90000" bIns="45000">
+            <a:spAutoFit/>
+          </a:bodyPr>
+          <a:lstStyle/>
+          <a:p>
+            <a:pPr>
+              <a:lnSpc>
+                <a:spcPct val="100000"/>
+              </a:lnSpc>
+            </a:pPr>
+            <a:r>
+              <a:rPr lang="en-US" sz="1800" b="1" strike="noStrike" spc="-1">
+                <a:solidFill>
+                  <a:srgbClr val="000000"/>
+                </a:solidFill>
+                <a:latin typeface="Arial"/>
+                <a:ea typeface="DejaVu Sans"/>
+              </a:rPr>
+              <a:t>2D</a:t>
+            </a:r>
+            <a:endParaRPr lang="en-US" sz="1800" b="0" strike="noStrike" spc="-1">
+              <a:latin typeface="Arial"/>
+            </a:endParaRPr>
+          </a:p>
+        </p:txBody>
+      </p:sp>
+      <p:sp>
+        <p:nvSpPr>
+          <p:cNvPr id="49" name="CustomShape 5"/>
+          <p:cNvSpPr/>
+          <p:nvPr/>
+        </p:nvSpPr>
+        <p:spPr>
+          <a:xfrm>
+            <a:off x="358020" y="137642"/>
+            <a:ext cx="9008533" cy="398655"/>
+          </a:xfrm>
+          <a:prstGeom prst="rect">
+            <a:avLst/>
+          </a:prstGeom>
+          <a:noFill/>
+          <a:ln>
+            <a:noFill/>
+          </a:ln>
+        </p:spPr>
+        <p:style>
+          <a:lnRef idx="0">
+            <a:scrgbClr r="0" g="0" b="0"/>
+          </a:lnRef>
+          <a:fillRef idx="0">
+            <a:scrgbClr r="0" g="0" b="0"/>
+          </a:fillRef>
+          <a:effectRef idx="0">
+            <a:scrgbClr r="0" g="0" b="0"/>
+          </a:effectRef>
+          <a:fontRef idx="minor"/>
+        </p:style>
+        <p:txBody>
+          <a:bodyPr wrap="none" lIns="90000" tIns="45000" rIns="90000" bIns="45000">
+            <a:spAutoFit/>
+          </a:bodyPr>
+          <a:lstStyle/>
+          <a:p>
+            <a:pPr>
+              <a:lnSpc>
+                <a:spcPct val="100000"/>
+              </a:lnSpc>
+            </a:pPr>
+            <a:r>
+              <a:rPr lang="en-US" sz="2000" b="1" spc="-1" dirty="0">
+                <a:solidFill>
+                  <a:srgbClr val="000000"/>
+                </a:solidFill>
+                <a:latin typeface="Arial"/>
+                <a:ea typeface="DejaVu Sans"/>
+              </a:rPr>
+              <a:t>Synchronization of </a:t>
+            </a:r>
+            <a:r>
+              <a:rPr lang="en-US" sz="2000" b="1" strike="noStrike" spc="-1" dirty="0">
+                <a:solidFill>
+                  <a:srgbClr val="000000"/>
+                </a:solidFill>
+                <a:latin typeface="Arial"/>
+                <a:ea typeface="DejaVu Sans"/>
+              </a:rPr>
+              <a:t>[Ca2+] oscillations is dependent on growth geometry</a:t>
+            </a:r>
+            <a:endParaRPr lang="en-US" sz="2000" b="0" strike="noStrike" spc="-1" dirty="0">
+              <a:latin typeface="Arial"/>
+            </a:endParaRPr>
+          </a:p>
+        </p:txBody>
+      </p:sp>
+      <p:pic>
+        <p:nvPicPr>
+          <p:cNvPr id="51" name="Picture 13" descr="Diagram&#10;&#10;Description automatically generated"/>
+          <p:cNvPicPr/>
+          <p:nvPr/>
+        </p:nvPicPr>
+        <p:blipFill>
+          <a:blip r:embed="rId4"/>
+          <a:srcRect b="43887"/>
+          <a:stretch/>
+        </p:blipFill>
+        <p:spPr>
+          <a:xfrm>
+            <a:off x="6205174" y="2135803"/>
+            <a:ext cx="5496866" cy="4225303"/>
+          </a:xfrm>
+          <a:prstGeom prst="rect">
+            <a:avLst/>
+          </a:prstGeom>
+          <a:ln>
+            <a:noFill/>
+          </a:ln>
+        </p:spPr>
+      </p:pic>
+      <p:sp>
+        <p:nvSpPr>
+          <p:cNvPr id="53" name="CustomShape 7"/>
+          <p:cNvSpPr/>
+          <p:nvPr/>
+        </p:nvSpPr>
+        <p:spPr>
+          <a:xfrm>
+            <a:off x="6672470" y="2193456"/>
+            <a:ext cx="645120" cy="302760"/>
+          </a:xfrm>
+          <a:prstGeom prst="rect">
+            <a:avLst/>
+          </a:prstGeom>
+          <a:noFill/>
+          <a:ln>
+            <a:noFill/>
+          </a:ln>
+        </p:spPr>
+        <p:style>
+          <a:lnRef idx="0">
+            <a:scrgbClr r="0" g="0" b="0"/>
+          </a:lnRef>
+          <a:fillRef idx="0">
+            <a:scrgbClr r="0" g="0" b="0"/>
+          </a:fillRef>
+          <a:effectRef idx="0">
+            <a:scrgbClr r="0" g="0" b="0"/>
+          </a:effectRef>
+          <a:fontRef idx="minor"/>
+        </p:style>
+        <p:txBody>
+          <a:bodyPr wrap="none" lIns="90000" tIns="45000" rIns="90000" bIns="45000">
+            <a:spAutoFit/>
+          </a:bodyPr>
+          <a:lstStyle/>
+          <a:p>
+            <a:pPr>
+              <a:lnSpc>
+                <a:spcPct val="100000"/>
+              </a:lnSpc>
+            </a:pPr>
+            <a:r>
+              <a:rPr lang="en-US" sz="1400" b="1" strike="noStrike" spc="-1" dirty="0">
+                <a:solidFill>
+                  <a:srgbClr val="000000"/>
+                </a:solidFill>
+                <a:latin typeface="Arial"/>
+                <a:ea typeface="DejaVu Sans"/>
+              </a:rPr>
+              <a:t>50um</a:t>
+            </a:r>
+            <a:endParaRPr lang="en-US" sz="1400" b="0" strike="noStrike" spc="-1" dirty="0">
+              <a:latin typeface="Arial"/>
+            </a:endParaRPr>
+          </a:p>
+        </p:txBody>
+      </p:sp>
+    </p:spTree>
+    <p:extLst>
+      <p:ext uri="{BB962C8B-B14F-4D97-AF65-F5344CB8AC3E}">
+        <p14:creationId xmlns:p14="http://schemas.microsoft.com/office/powerpoint/2010/main" val="3565263716"/>
+      </p:ext>
+    </p:extLst>
+  </p:cSld>
+  <p:clrMapOvr>
+    <a:masterClrMapping/>
+  </p:clrMapOvr>
+</p:sld>
+</file>
+
+<file path=ppt/slides/slide3.xml><?xml version="1.0" encoding="utf-8"?>
+<p:sld xmlns:a="http://schemas.openxmlformats.org/drawingml/2006/main" xmlns:r="http://schemas.openxmlformats.org/officeDocument/2006/relationships" xmlns:p="http://schemas.openxmlformats.org/presentationml/2006/main">
+  <p:cSld>
+    <p:spTree>
+      <p:nvGrpSpPr>
+        <p:cNvPr id="1" name=""/>
+        <p:cNvGrpSpPr/>
+        <p:nvPr/>
+      </p:nvGrpSpPr>
+      <p:grpSpPr>
+        <a:xfrm>
+          <a:off x="0" y="0"/>
+          <a:ext cx="0" cy="0"/>
+          <a:chOff x="0" y="0"/>
+          <a:chExt cx="0" cy="0"/>
+        </a:xfrm>
+      </p:grpSpPr>
+      <p:pic>
+        <p:nvPicPr>
+          <p:cNvPr id="32" name="Picture 31" descr="A picture containing chart&#10;&#10;Description automatically generated">
+            <a:extLst>
+              <a:ext uri="{FF2B5EF4-FFF2-40B4-BE49-F238E27FC236}">
+                <a16:creationId xmlns:a16="http://schemas.microsoft.com/office/drawing/2014/main" id="{C9DE8445-0B2F-DC40-BA9C-4080D39AC3BB}"/>
+              </a:ext>
+            </a:extLst>
+          </p:cNvPr>
+          <p:cNvPicPr>
+            <a:picLocks noChangeAspect="1"/>
+          </p:cNvPicPr>
+          <p:nvPr/>
+        </p:nvPicPr>
+        <p:blipFill rotWithShape="1">
+          <a:blip r:embed="rId2"/>
+          <a:srcRect r="3219" b="2820"/>
+          <a:stretch/>
+        </p:blipFill>
+        <p:spPr>
+          <a:xfrm>
+            <a:off x="332404" y="3383200"/>
+            <a:ext cx="4483950" cy="3376824"/>
+          </a:xfrm>
+          <a:prstGeom prst="rect">
+            <a:avLst/>
+          </a:prstGeom>
+        </p:spPr>
+      </p:pic>
+      <p:pic>
+        <p:nvPicPr>
+          <p:cNvPr id="28" name="Picture 27" descr="A picture containing diagram&#10;&#10;Description automatically generated">
+            <a:extLst>
+              <a:ext uri="{FF2B5EF4-FFF2-40B4-BE49-F238E27FC236}">
+                <a16:creationId xmlns:a16="http://schemas.microsoft.com/office/drawing/2014/main" id="{0BD5B56B-287D-BE48-A49A-BC7ED36B37FC}"/>
+              </a:ext>
+            </a:extLst>
+          </p:cNvPr>
+          <p:cNvPicPr>
+            <a:picLocks noChangeAspect="1"/>
+          </p:cNvPicPr>
+          <p:nvPr/>
+        </p:nvPicPr>
+        <p:blipFill rotWithShape="1">
+          <a:blip r:embed="rId3"/>
+          <a:srcRect t="2824" b="2527"/>
+          <a:stretch/>
+        </p:blipFill>
+        <p:spPr>
+          <a:xfrm>
+            <a:off x="323086" y="158896"/>
+            <a:ext cx="4661768" cy="3309215"/>
+          </a:xfrm>
+          <a:prstGeom prst="rect">
+            <a:avLst/>
+          </a:prstGeom>
+        </p:spPr>
+      </p:pic>
       <p:sp>
         <p:nvSpPr>
           <p:cNvPr id="10" name="Triangle 9">
@@ -4483,7 +5399,7 @@
           <p:nvPr/>
         </p:nvPicPr>
         <p:blipFill rotWithShape="1">
-          <a:blip r:embed="rId2">
+          <a:blip r:embed="rId4">
             <a:extLst>
               <a:ext uri="{28A0092B-C50C-407E-A947-70E740481C1C}">
                 <a14:useLocalDpi xmlns:a14="http://schemas.microsoft.com/office/drawing/2010/main" val="0"/>
@@ -5794,7 +6710,7 @@
           <p:nvPr/>
         </p:nvPicPr>
         <p:blipFill>
-          <a:blip r:embed="rId3">
+          <a:blip r:embed="rId5">
             <a:extLst>
               <a:ext uri="{28A0092B-C50C-407E-A947-70E740481C1C}">
                 <a14:useLocalDpi xmlns:a14="http://schemas.microsoft.com/office/drawing/2010/main" val="0"/>
@@ -5990,64 +6906,6 @@
           </a:p>
         </p:txBody>
       </p:sp>
-      <p:pic>
-        <p:nvPicPr>
-          <p:cNvPr id="5" name="Picture 4" descr="Chart&#10;&#10;Description automatically generated">
-            <a:extLst>
-              <a:ext uri="{FF2B5EF4-FFF2-40B4-BE49-F238E27FC236}">
-                <a16:creationId xmlns:a16="http://schemas.microsoft.com/office/drawing/2014/main" id="{C06A4512-BFF2-FA4D-9F26-F37594B69E2B}"/>
-              </a:ext>
-            </a:extLst>
-          </p:cNvPr>
-          <p:cNvPicPr>
-            <a:picLocks noChangeAspect="1"/>
-          </p:cNvPicPr>
-          <p:nvPr/>
-        </p:nvPicPr>
-        <p:blipFill rotWithShape="1">
-          <a:blip r:embed="rId4"/>
-          <a:srcRect t="10896"/>
-          <a:stretch/>
-        </p:blipFill>
-        <p:spPr>
-          <a:xfrm>
-            <a:off x="523980" y="243808"/>
-            <a:ext cx="4974045" cy="3324037"/>
-          </a:xfrm>
-          <a:prstGeom prst="rect">
-            <a:avLst/>
-          </a:prstGeom>
-        </p:spPr>
-      </p:pic>
-      <p:pic>
-        <p:nvPicPr>
-          <p:cNvPr id="12" name="Picture 11" descr="Chart, box and whisker chart&#10;&#10;Description automatically generated">
-            <a:extLst>
-              <a:ext uri="{FF2B5EF4-FFF2-40B4-BE49-F238E27FC236}">
-                <a16:creationId xmlns:a16="http://schemas.microsoft.com/office/drawing/2014/main" id="{CD6BC024-1F32-A04B-A91A-5BCB910B052D}"/>
-              </a:ext>
-            </a:extLst>
-          </p:cNvPr>
-          <p:cNvPicPr>
-            <a:picLocks noChangeAspect="1"/>
-          </p:cNvPicPr>
-          <p:nvPr/>
-        </p:nvPicPr>
-        <p:blipFill rotWithShape="1">
-          <a:blip r:embed="rId5"/>
-          <a:srcRect t="10431"/>
-          <a:stretch/>
-        </p:blipFill>
-        <p:spPr>
-          <a:xfrm>
-            <a:off x="551776" y="3567845"/>
-            <a:ext cx="4833612" cy="3247045"/>
-          </a:xfrm>
-          <a:prstGeom prst="rect">
-            <a:avLst/>
-          </a:prstGeom>
-        </p:spPr>
-      </p:pic>
       <p:sp>
         <p:nvSpPr>
           <p:cNvPr id="14" name="TextBox 13">
@@ -6087,71 +6945,6 @@
     <p:extLst>
       <p:ext uri="{BB962C8B-B14F-4D97-AF65-F5344CB8AC3E}">
         <p14:creationId xmlns:p14="http://schemas.microsoft.com/office/powerpoint/2010/main" val="2191114990"/>
-      </p:ext>
-    </p:extLst>
-  </p:cSld>
-  <p:clrMapOvr>
-    <a:masterClrMapping/>
-  </p:clrMapOvr>
-</p:sld>
-</file>
-
-<file path=ppt/slides/slide3.xml><?xml version="1.0" encoding="utf-8"?>
-<p:sld xmlns:a="http://schemas.openxmlformats.org/drawingml/2006/main" xmlns:r="http://schemas.openxmlformats.org/officeDocument/2006/relationships" xmlns:p="http://schemas.openxmlformats.org/presentationml/2006/main">
-  <p:cSld>
-    <p:spTree>
-      <p:nvGrpSpPr>
-        <p:cNvPr id="1" name=""/>
-        <p:cNvGrpSpPr/>
-        <p:nvPr/>
-      </p:nvGrpSpPr>
-      <p:grpSpPr>
-        <a:xfrm>
-          <a:off x="0" y="0"/>
-          <a:ext cx="0" cy="0"/>
-          <a:chOff x="0" y="0"/>
-          <a:chExt cx="0" cy="0"/>
-        </a:xfrm>
-      </p:grpSpPr>
-      <p:sp>
-        <p:nvSpPr>
-          <p:cNvPr id="5" name="TextBox 4">
-            <a:extLst>
-              <a:ext uri="{FF2B5EF4-FFF2-40B4-BE49-F238E27FC236}">
-                <a16:creationId xmlns:a16="http://schemas.microsoft.com/office/drawing/2014/main" id="{48C1CB03-9AE8-BC44-8574-652B739766C0}"/>
-              </a:ext>
-            </a:extLst>
-          </p:cNvPr>
-          <p:cNvSpPr txBox="1"/>
-          <p:nvPr/>
-        </p:nvSpPr>
-        <p:spPr>
-          <a:xfrm>
-            <a:off x="130628" y="97971"/>
-            <a:ext cx="7168244" cy="369332"/>
-          </a:xfrm>
-          <a:prstGeom prst="rect">
-            <a:avLst/>
-          </a:prstGeom>
-          <a:noFill/>
-        </p:spPr>
-        <p:txBody>
-          <a:bodyPr wrap="none" rtlCol="0">
-            <a:spAutoFit/>
-          </a:bodyPr>
-          <a:lstStyle/>
-          <a:p>
-            <a:r>
-              <a:rPr lang="en-US" b="1" dirty="0"/>
-              <a:t>Geometry of MIN6 Growth Determines Synchrony of Calcium Oscillations</a:t>
-            </a:r>
-          </a:p>
-        </p:txBody>
-      </p:sp>
-    </p:spTree>
-    <p:extLst>
-      <p:ext uri="{BB962C8B-B14F-4D97-AF65-F5344CB8AC3E}">
-        <p14:creationId xmlns:p14="http://schemas.microsoft.com/office/powerpoint/2010/main" val="1680182837"/>
       </p:ext>
     </p:extLst>
   </p:cSld>
@@ -6180,10 +6973,10 @@
       </p:grpSpPr>
       <p:sp>
         <p:nvSpPr>
-          <p:cNvPr id="4" name="TextBox 3">
-            <a:extLst>
-              <a:ext uri="{FF2B5EF4-FFF2-40B4-BE49-F238E27FC236}">
-                <a16:creationId xmlns:a16="http://schemas.microsoft.com/office/drawing/2014/main" id="{A210EF17-F657-0948-8120-66CB782D774C}"/>
+          <p:cNvPr id="5" name="TextBox 4">
+            <a:extLst>
+              <a:ext uri="{FF2B5EF4-FFF2-40B4-BE49-F238E27FC236}">
+                <a16:creationId xmlns:a16="http://schemas.microsoft.com/office/drawing/2014/main" id="{48C1CB03-9AE8-BC44-8574-652B739766C0}"/>
               </a:ext>
             </a:extLst>
           </p:cNvPr>
@@ -6192,8 +6985,8 @@
         </p:nvSpPr>
         <p:spPr>
           <a:xfrm>
-            <a:off x="217714" y="97971"/>
-            <a:ext cx="4612288" cy="369332"/>
+            <a:off x="130628" y="97971"/>
+            <a:ext cx="2183098" cy="369332"/>
           </a:xfrm>
           <a:prstGeom prst="rect">
             <a:avLst/>
@@ -6208,7 +7001,72 @@
           <a:p>
             <a:r>
               <a:rPr lang="en-US" b="1" dirty="0"/>
-              <a:t>MIN6 Pseudoislets Exhibit Compound Bursting</a:t>
+              <a:t>Calcium Experiments</a:t>
+            </a:r>
+          </a:p>
+        </p:txBody>
+      </p:sp>
+    </p:spTree>
+    <p:extLst>
+      <p:ext uri="{BB962C8B-B14F-4D97-AF65-F5344CB8AC3E}">
+        <p14:creationId xmlns:p14="http://schemas.microsoft.com/office/powerpoint/2010/main" val="1680182837"/>
+      </p:ext>
+    </p:extLst>
+  </p:cSld>
+  <p:clrMapOvr>
+    <a:masterClrMapping/>
+  </p:clrMapOvr>
+</p:sld>
+</file>
+
+<file path=ppt/slides/slide5.xml><?xml version="1.0" encoding="utf-8"?>
+<p:sld xmlns:a="http://schemas.openxmlformats.org/drawingml/2006/main" xmlns:r="http://schemas.openxmlformats.org/officeDocument/2006/relationships" xmlns:p="http://schemas.openxmlformats.org/presentationml/2006/main">
+  <p:cSld>
+    <p:spTree>
+      <p:nvGrpSpPr>
+        <p:cNvPr id="1" name=""/>
+        <p:cNvGrpSpPr/>
+        <p:nvPr/>
+      </p:nvGrpSpPr>
+      <p:grpSpPr>
+        <a:xfrm>
+          <a:off x="0" y="0"/>
+          <a:ext cx="0" cy="0"/>
+          <a:chOff x="0" y="0"/>
+          <a:chExt cx="0" cy="0"/>
+        </a:xfrm>
+      </p:grpSpPr>
+      <p:sp>
+        <p:nvSpPr>
+          <p:cNvPr id="4" name="TextBox 3">
+            <a:extLst>
+              <a:ext uri="{FF2B5EF4-FFF2-40B4-BE49-F238E27FC236}">
+                <a16:creationId xmlns:a16="http://schemas.microsoft.com/office/drawing/2014/main" id="{A210EF17-F657-0948-8120-66CB782D774C}"/>
+              </a:ext>
+            </a:extLst>
+          </p:cNvPr>
+          <p:cNvSpPr txBox="1"/>
+          <p:nvPr/>
+        </p:nvSpPr>
+        <p:spPr>
+          <a:xfrm>
+            <a:off x="163285" y="87086"/>
+            <a:ext cx="2146806" cy="369332"/>
+          </a:xfrm>
+          <a:prstGeom prst="rect">
+            <a:avLst/>
+          </a:prstGeom>
+          <a:noFill/>
+        </p:spPr>
+        <p:txBody>
+          <a:bodyPr wrap="none" rtlCol="0">
+            <a:spAutoFit/>
+          </a:bodyPr>
+          <a:lstStyle/>
+          <a:p>
+            <a:r>
+              <a:rPr lang="en-US" b="1" dirty="0"/>
+              <a:t>Voltage Experiments</a:t>
             </a:r>
           </a:p>
         </p:txBody>

--- a/docs/scherer-rotation-summary/scherer-rotation-summary.pptx
+++ b/docs/scherer-rotation-summary/scherer-rotation-summary.pptx
@@ -5,14 +5,15 @@
     <p:sldMasterId id="2147483648" r:id="rId1"/>
   </p:sldMasterIdLst>
   <p:notesMasterIdLst>
-    <p:notesMasterId r:id="rId7"/>
+    <p:notesMasterId r:id="rId8"/>
   </p:notesMasterIdLst>
   <p:sldIdLst>
     <p:sldId id="263" r:id="rId2"/>
     <p:sldId id="256" r:id="rId3"/>
-    <p:sldId id="258" r:id="rId4"/>
-    <p:sldId id="264" r:id="rId5"/>
-    <p:sldId id="265" r:id="rId6"/>
+    <p:sldId id="266" r:id="rId4"/>
+    <p:sldId id="258" r:id="rId5"/>
+    <p:sldId id="264" r:id="rId6"/>
+    <p:sldId id="265" r:id="rId7"/>
   </p:sldIdLst>
   <p:sldSz cx="12192000" cy="6858000"/>
   <p:notesSz cx="6858000" cy="9144000"/>
@@ -3832,15 +3833,15 @@
           <p:cNvPicPr/>
           <p:nvPr/>
         </p:nvPicPr>
-        <p:blipFill>
+        <p:blipFill rotWithShape="1">
           <a:blip r:embed="rId2"/>
-          <a:srcRect l="3089" r="4145"/>
+          <a:srcRect l="3089" r="4145" b="53293"/>
           <a:stretch/>
         </p:blipFill>
         <p:spPr>
           <a:xfrm>
-            <a:off x="2215245" y="5165472"/>
-            <a:ext cx="3948840" cy="1549440"/>
+            <a:off x="3172808" y="5706721"/>
+            <a:ext cx="4518327" cy="853227"/>
           </a:xfrm>
           <a:prstGeom prst="rect">
             <a:avLst/>
@@ -3879,7 +3880,7 @@
         </p:blipFill>
         <p:spPr bwMode="auto">
           <a:xfrm>
-            <a:off x="4793834" y="316227"/>
+            <a:off x="4772062" y="642801"/>
             <a:ext cx="7132043" cy="5012480"/>
           </a:xfrm>
           <a:prstGeom prst="rect">
@@ -3912,7 +3913,7 @@
         <p:spPr>
           <a:xfrm>
             <a:off x="227200" y="136854"/>
-            <a:ext cx="6579045" cy="369332"/>
+            <a:ext cx="7281160" cy="400110"/>
           </a:xfrm>
           <a:prstGeom prst="rect">
             <a:avLst/>
@@ -3926,21 +3927,21 @@
           <a:lstStyle/>
           <a:p>
             <a:r>
-              <a:rPr lang="en-US" b="1" dirty="0">
+              <a:rPr lang="en-US" sz="2000" b="1" dirty="0">
                 <a:latin typeface="Arial" panose="020B0604020202020204" pitchFamily="34" charset="0"/>
                 <a:cs typeface="Arial" panose="020B0604020202020204" pitchFamily="34" charset="0"/>
               </a:rPr>
               <a:t>Intracellular Ca</a:t>
             </a:r>
             <a:r>
-              <a:rPr lang="en-US" b="1" baseline="30000" dirty="0">
+              <a:rPr lang="en-US" sz="2000" b="1" baseline="30000" dirty="0">
                 <a:latin typeface="Arial" panose="020B0604020202020204" pitchFamily="34" charset="0"/>
                 <a:cs typeface="Arial" panose="020B0604020202020204" pitchFamily="34" charset="0"/>
               </a:rPr>
               <a:t>2+</a:t>
             </a:r>
             <a:r>
-              <a:rPr lang="en-US" b="1" dirty="0">
+              <a:rPr lang="en-US" sz="2000" b="1" dirty="0">
                 <a:latin typeface="Arial" panose="020B0604020202020204" pitchFamily="34" charset="0"/>
                 <a:cs typeface="Arial" panose="020B0604020202020204" pitchFamily="34" charset="0"/>
               </a:rPr>
@@ -3964,7 +3965,7 @@
         <p:spPr>
           <a:xfrm>
             <a:off x="7008680" y="6551677"/>
-            <a:ext cx="5183320" cy="306323"/>
+            <a:ext cx="5282578" cy="306323"/>
           </a:xfrm>
           <a:prstGeom prst="rect">
             <a:avLst/>
@@ -4009,6 +4010,17 @@
               <a:t>The pancreatic beta cell surface proteome. </a:t>
             </a:r>
             <a:r>
+              <a:rPr lang="en-US" sz="1400" b="1" strike="noStrike" spc="-1" dirty="0" err="1">
+                <a:solidFill>
+                  <a:srgbClr val="000000"/>
+                </a:solidFill>
+                <a:latin typeface="Arial" panose="020B0604020202020204" pitchFamily="34" charset="0"/>
+                <a:ea typeface="DejaVu Sans"/>
+                <a:cs typeface="Arial" panose="020B0604020202020204" pitchFamily="34" charset="0"/>
+              </a:rPr>
+              <a:t>Diabetologia</a:t>
+            </a:r>
+            <a:r>
               <a:rPr lang="en-US" sz="1400" b="1" strike="noStrike" spc="-1" dirty="0">
                 <a:solidFill>
                   <a:srgbClr val="000000"/>
@@ -4017,7 +4029,7 @@
                 <a:ea typeface="DejaVu Sans"/>
                 <a:cs typeface="Arial" panose="020B0604020202020204" pitchFamily="34" charset="0"/>
               </a:rPr>
-              <a:t>Diebetologia. 2012</a:t>
+              <a:t>. 2012</a:t>
             </a:r>
             <a:endParaRPr lang="en-US" sz="1400" b="0" strike="noStrike" spc="-1" dirty="0">
               <a:latin typeface="Arial" panose="020B0604020202020204" pitchFamily="34" charset="0"/>
@@ -4077,7 +4089,7 @@
                 <a:latin typeface="Arial" panose="020B0604020202020204" pitchFamily="34" charset="0"/>
                 <a:cs typeface="Arial" panose="020B0604020202020204" pitchFamily="34" charset="0"/>
               </a:rPr>
-              <a:t> channels open and depolarize the cell in response to the availability of glucose</a:t>
+              <a:t> channels open and depolarize the cell in response to glucose metabolism</a:t>
             </a:r>
           </a:p>
           <a:p>
@@ -4152,6 +4164,41 @@
                 <a:cs typeface="Arial" panose="020B0604020202020204" pitchFamily="34" charset="0"/>
               </a:rPr>
               <a:t>Gap junctions allow communication of glucose stimuli to neighboring beta cells</a:t>
+            </a:r>
+          </a:p>
+        </p:txBody>
+      </p:sp>
+      <p:sp>
+        <p:nvSpPr>
+          <p:cNvPr id="5" name="TextBox 4">
+            <a:extLst>
+              <a:ext uri="{FF2B5EF4-FFF2-40B4-BE49-F238E27FC236}">
+                <a16:creationId xmlns:a16="http://schemas.microsoft.com/office/drawing/2014/main" id="{A9ED5109-D926-1640-AD4E-EB5536CB233A}"/>
+              </a:ext>
+            </a:extLst>
+          </p:cNvPr>
+          <p:cNvSpPr txBox="1"/>
+          <p:nvPr/>
+        </p:nvSpPr>
+        <p:spPr>
+          <a:xfrm>
+            <a:off x="1496408" y="6335506"/>
+            <a:ext cx="1033232" cy="369332"/>
+          </a:xfrm>
+          <a:prstGeom prst="rect">
+            <a:avLst/>
+          </a:prstGeom>
+          <a:noFill/>
+        </p:spPr>
+        <p:txBody>
+          <a:bodyPr wrap="none" rtlCol="0">
+            <a:spAutoFit/>
+          </a:bodyPr>
+          <a:lstStyle/>
+          <a:p>
+            <a:r>
+              <a:rPr lang="en-US" dirty="0"/>
+              <a:t>annotate</a:t>
             </a:r>
           </a:p>
         </p:txBody>
@@ -4198,7 +4245,7 @@
         </p:blipFill>
         <p:spPr>
           <a:xfrm>
-            <a:off x="368906" y="2310616"/>
+            <a:off x="368906" y="2092901"/>
             <a:ext cx="5737980" cy="3915720"/>
           </a:xfrm>
           <a:prstGeom prst="rect">
@@ -4217,8 +4264,8 @@
         </p:nvSpPr>
         <p:spPr>
           <a:xfrm>
-            <a:off x="489960" y="849550"/>
-            <a:ext cx="8262154" cy="1321985"/>
+            <a:off x="489959" y="849550"/>
+            <a:ext cx="9478079" cy="829543"/>
           </a:xfrm>
           <a:prstGeom prst="rect">
             <a:avLst/>
@@ -4247,6 +4294,40 @@
           <a:lstStyle/>
           <a:p>
             <a:pPr marL="285840" indent="-284760">
+              <a:buClr>
+                <a:srgbClr val="000000"/>
+              </a:buClr>
+              <a:buFont typeface="Arial"/>
+              <a:buChar char="•"/>
+            </a:pPr>
+            <a:r>
+              <a:rPr lang="en-US" sz="1600" spc="-1" dirty="0">
+                <a:solidFill>
+                  <a:srgbClr val="000000"/>
+                </a:solidFill>
+                <a:latin typeface="Arial"/>
+                <a:ea typeface="DejaVu Sans"/>
+              </a:rPr>
+              <a:t>Ca2+ oscillations appear to be more tightly controlled in ps</a:t>
+            </a:r>
+            <a:r>
+              <a:rPr lang="en-US" sz="1600" spc="-1" dirty="0">
+                <a:latin typeface="Arial" panose="020B0604020202020204" pitchFamily="34" charset="0"/>
+                <a:cs typeface="Arial" panose="020B0604020202020204" pitchFamily="34" charset="0"/>
+              </a:rPr>
+              <a:t>eudo-islets relative to monolayers</a:t>
+            </a:r>
+            <a:endParaRPr lang="en-US" sz="1600" spc="-1" dirty="0">
+              <a:solidFill>
+                <a:srgbClr val="000000"/>
+              </a:solidFill>
+              <a:latin typeface="Arial" panose="020B0604020202020204" pitchFamily="34" charset="0"/>
+              <a:ea typeface="DejaVu Sans"/>
+              <a:cs typeface="Arial" panose="020B0604020202020204" pitchFamily="34" charset="0"/>
+            </a:endParaRPr>
+          </a:p>
+          <a:p>
+            <a:pPr marL="285840" indent="-284760">
               <a:lnSpc>
                 <a:spcPct val="100000"/>
               </a:lnSpc>
@@ -4256,6 +4337,26 @@
               <a:buFont typeface="Arial"/>
               <a:buChar char="•"/>
             </a:pPr>
+            <a:endParaRPr lang="en-US" sz="1600" spc="-1" dirty="0">
+              <a:solidFill>
+                <a:srgbClr val="000000"/>
+              </a:solidFill>
+              <a:latin typeface="Arial" panose="020B0604020202020204" pitchFamily="34" charset="0"/>
+              <a:ea typeface="DejaVu Sans"/>
+              <a:cs typeface="Arial" panose="020B0604020202020204" pitchFamily="34" charset="0"/>
+            </a:endParaRPr>
+          </a:p>
+          <a:p>
+            <a:pPr marL="285840" indent="-284760">
+              <a:lnSpc>
+                <a:spcPct val="100000"/>
+              </a:lnSpc>
+              <a:buClr>
+                <a:srgbClr val="000000"/>
+              </a:buClr>
+              <a:buFont typeface="Arial"/>
+              <a:buChar char="•"/>
+            </a:pPr>
             <a:r>
               <a:rPr lang="en-US" sz="1600" spc="-1" dirty="0">
                 <a:solidFill>
@@ -4294,68 +4395,6 @@
               </a:solidFill>
               <a:latin typeface="Arial" panose="020B0604020202020204" pitchFamily="34" charset="0"/>
               <a:ea typeface="DejaVu Sans"/>
-              <a:cs typeface="Arial" panose="020B0604020202020204" pitchFamily="34" charset="0"/>
-            </a:endParaRPr>
-          </a:p>
-          <a:p>
-            <a:pPr marL="1080">
-              <a:lnSpc>
-                <a:spcPct val="100000"/>
-              </a:lnSpc>
-              <a:buClr>
-                <a:srgbClr val="000000"/>
-              </a:buClr>
-            </a:pPr>
-            <a:endParaRPr lang="en-US" sz="1600" spc="-1" dirty="0">
-              <a:solidFill>
-                <a:srgbClr val="000000"/>
-              </a:solidFill>
-              <a:latin typeface="Arial" panose="020B0604020202020204" pitchFamily="34" charset="0"/>
-              <a:cs typeface="Arial" panose="020B0604020202020204" pitchFamily="34" charset="0"/>
-            </a:endParaRPr>
-          </a:p>
-          <a:p>
-            <a:pPr marL="285840" indent="-284760">
-              <a:buClr>
-                <a:srgbClr val="000000"/>
-              </a:buClr>
-              <a:buFont typeface="Arial"/>
-              <a:buChar char="•"/>
-            </a:pPr>
-            <a:r>
-              <a:rPr lang="en-US" sz="1600" spc="-1" dirty="0">
-                <a:solidFill>
-                  <a:srgbClr val="000000"/>
-                </a:solidFill>
-                <a:latin typeface="Arial" panose="020B0604020202020204" pitchFamily="34" charset="0"/>
-                <a:ea typeface="DejaVu Sans"/>
-                <a:cs typeface="Arial" panose="020B0604020202020204" pitchFamily="34" charset="0"/>
-              </a:rPr>
-              <a:t>Calcium-dependent fluorescent dyes such as Fluor4 allow us to measure steady-state synchronization of</a:t>
-            </a:r>
-            <a:r>
-              <a:rPr lang="en-US" sz="1600" b="1" spc="-1" dirty="0">
-                <a:solidFill>
-                  <a:srgbClr val="000000"/>
-                </a:solidFill>
-                <a:latin typeface="Arial" panose="020B0604020202020204" pitchFamily="34" charset="0"/>
-                <a:ea typeface="DejaVu Sans"/>
-                <a:cs typeface="Arial" panose="020B0604020202020204" pitchFamily="34" charset="0"/>
-              </a:rPr>
-              <a:t> </a:t>
-            </a:r>
-            <a:r>
-              <a:rPr lang="en-US" sz="1600" spc="-1" dirty="0">
-                <a:solidFill>
-                  <a:srgbClr val="000000"/>
-                </a:solidFill>
-                <a:latin typeface="Arial"/>
-                <a:ea typeface="DejaVu Sans"/>
-              </a:rPr>
-              <a:t>[Ca2+] oscillations </a:t>
-            </a:r>
-            <a:endParaRPr lang="en-US" sz="1600" spc="-1" dirty="0">
-              <a:latin typeface="Arial" panose="020B0604020202020204" pitchFamily="34" charset="0"/>
               <a:cs typeface="Arial" panose="020B0604020202020204" pitchFamily="34" charset="0"/>
             </a:endParaRPr>
           </a:p>
@@ -4626,7 +4665,7 @@
         </p:blipFill>
         <p:spPr>
           <a:xfrm>
-            <a:off x="6205174" y="2135803"/>
+            <a:off x="6205174" y="1918088"/>
             <a:ext cx="5496866" cy="4225303"/>
           </a:xfrm>
           <a:prstGeom prst="rect">
@@ -4645,7 +4684,7 @@
         </p:nvSpPr>
         <p:spPr>
           <a:xfrm>
-            <a:off x="6672470" y="2193456"/>
+            <a:off x="6672470" y="1975741"/>
             <a:ext cx="645120" cy="302760"/>
           </a:xfrm>
           <a:prstGeom prst="rect">
@@ -4692,6 +4731,160 @@
             <a:endParaRPr lang="en-US" sz="1400" b="0" strike="noStrike" spc="-1" dirty="0">
               <a:latin typeface="Arial"/>
             </a:endParaRPr>
+          </a:p>
+        </p:txBody>
+      </p:sp>
+      <p:sp>
+        <p:nvSpPr>
+          <p:cNvPr id="2" name="TextBox 1">
+            <a:extLst>
+              <a:ext uri="{FF2B5EF4-FFF2-40B4-BE49-F238E27FC236}">
+                <a16:creationId xmlns:a16="http://schemas.microsoft.com/office/drawing/2014/main" id="{9D84CE08-06EB-164F-A13D-464596DAA9DB}"/>
+              </a:ext>
+            </a:extLst>
+          </p:cNvPr>
+          <p:cNvSpPr txBox="1"/>
+          <p:nvPr/>
+        </p:nvSpPr>
+        <p:spPr>
+          <a:xfrm rot="16200000">
+            <a:off x="69208" y="2871289"/>
+            <a:ext cx="968727" cy="369332"/>
+          </a:xfrm>
+          <a:prstGeom prst="rect">
+            <a:avLst/>
+          </a:prstGeom>
+          <a:noFill/>
+        </p:spPr>
+        <p:txBody>
+          <a:bodyPr wrap="square" rtlCol="0">
+            <a:spAutoFit/>
+          </a:bodyPr>
+          <a:lstStyle/>
+          <a:p>
+            <a:r>
+              <a:rPr lang="en-US" spc="-1" dirty="0">
+                <a:solidFill>
+                  <a:srgbClr val="000000"/>
+                </a:solidFill>
+                <a:latin typeface="Arial"/>
+                <a:ea typeface="DejaVu Sans"/>
+              </a:rPr>
+              <a:t>[Ca2+]</a:t>
+            </a:r>
+            <a:endParaRPr lang="en-US" dirty="0"/>
+          </a:p>
+        </p:txBody>
+      </p:sp>
+      <p:sp>
+        <p:nvSpPr>
+          <p:cNvPr id="11" name="TextBox 10">
+            <a:extLst>
+              <a:ext uri="{FF2B5EF4-FFF2-40B4-BE49-F238E27FC236}">
+                <a16:creationId xmlns:a16="http://schemas.microsoft.com/office/drawing/2014/main" id="{ED549776-E271-AE4C-AC4C-1DB845241D59}"/>
+              </a:ext>
+            </a:extLst>
+          </p:cNvPr>
+          <p:cNvSpPr txBox="1"/>
+          <p:nvPr/>
+        </p:nvSpPr>
+        <p:spPr>
+          <a:xfrm rot="16200000">
+            <a:off x="80095" y="4667433"/>
+            <a:ext cx="968727" cy="369332"/>
+          </a:xfrm>
+          <a:prstGeom prst="rect">
+            <a:avLst/>
+          </a:prstGeom>
+          <a:noFill/>
+        </p:spPr>
+        <p:txBody>
+          <a:bodyPr wrap="square" rtlCol="0">
+            <a:spAutoFit/>
+          </a:bodyPr>
+          <a:lstStyle/>
+          <a:p>
+            <a:r>
+              <a:rPr lang="en-US" spc="-1" dirty="0">
+                <a:solidFill>
+                  <a:srgbClr val="000000"/>
+                </a:solidFill>
+                <a:latin typeface="Arial"/>
+                <a:ea typeface="DejaVu Sans"/>
+              </a:rPr>
+              <a:t>[Ca2+]</a:t>
+            </a:r>
+            <a:endParaRPr lang="en-US" dirty="0"/>
+          </a:p>
+        </p:txBody>
+      </p:sp>
+      <p:sp>
+        <p:nvSpPr>
+          <p:cNvPr id="3" name="TextBox 2">
+            <a:extLst>
+              <a:ext uri="{FF2B5EF4-FFF2-40B4-BE49-F238E27FC236}">
+                <a16:creationId xmlns:a16="http://schemas.microsoft.com/office/drawing/2014/main" id="{FB95DDF6-FDA1-3B4A-9F06-D9CC42CF0C8C}"/>
+              </a:ext>
+            </a:extLst>
+          </p:cNvPr>
+          <p:cNvSpPr txBox="1"/>
+          <p:nvPr/>
+        </p:nvSpPr>
+        <p:spPr>
+          <a:xfrm rot="16200000">
+            <a:off x="5788104" y="3124894"/>
+            <a:ext cx="1203471" cy="369332"/>
+          </a:xfrm>
+          <a:prstGeom prst="rect">
+            <a:avLst/>
+          </a:prstGeom>
+          <a:noFill/>
+        </p:spPr>
+        <p:txBody>
+          <a:bodyPr wrap="none" rtlCol="0">
+            <a:spAutoFit/>
+          </a:bodyPr>
+          <a:lstStyle/>
+          <a:p>
+            <a:r>
+              <a:rPr lang="en-US" dirty="0"/>
+              <a:t>Monolayer</a:t>
+            </a:r>
+          </a:p>
+        </p:txBody>
+      </p:sp>
+      <p:sp>
+        <p:nvSpPr>
+          <p:cNvPr id="13" name="TextBox 12">
+            <a:extLst>
+              <a:ext uri="{FF2B5EF4-FFF2-40B4-BE49-F238E27FC236}">
+                <a16:creationId xmlns:a16="http://schemas.microsoft.com/office/drawing/2014/main" id="{337E2FEB-3D05-4949-AAC3-9473BD2DC0E3}"/>
+              </a:ext>
+            </a:extLst>
+          </p:cNvPr>
+          <p:cNvSpPr txBox="1"/>
+          <p:nvPr/>
+        </p:nvSpPr>
+        <p:spPr>
+          <a:xfrm rot="16200000">
+            <a:off x="5726038" y="5070440"/>
+            <a:ext cx="1327608" cy="369332"/>
+          </a:xfrm>
+          <a:prstGeom prst="rect">
+            <a:avLst/>
+          </a:prstGeom>
+          <a:noFill/>
+        </p:spPr>
+        <p:txBody>
+          <a:bodyPr wrap="none" rtlCol="0">
+            <a:spAutoFit/>
+          </a:bodyPr>
+          <a:lstStyle/>
+          <a:p>
+            <a:r>
+              <a:rPr lang="en-US" dirty="0"/>
+              <a:t>Pseudo-islet</a:t>
+            </a:r>
           </a:p>
         </p:txBody>
       </p:sp>
@@ -4725,6 +4918,36 @@
           <a:chExt cx="0" cy="0"/>
         </a:xfrm>
       </p:grpSpPr>
+    </p:spTree>
+    <p:extLst>
+      <p:ext uri="{BB962C8B-B14F-4D97-AF65-F5344CB8AC3E}">
+        <p14:creationId xmlns:p14="http://schemas.microsoft.com/office/powerpoint/2010/main" val="14868327"/>
+      </p:ext>
+    </p:extLst>
+  </p:cSld>
+  <p:clrMapOvr>
+    <a:masterClrMapping/>
+  </p:clrMapOvr>
+</p:sld>
+</file>
+
+<file path=ppt/slides/slide4.xml><?xml version="1.0" encoding="utf-8"?>
+<p:sld xmlns:a="http://schemas.openxmlformats.org/drawingml/2006/main" xmlns:r="http://schemas.openxmlformats.org/officeDocument/2006/relationships" xmlns:p="http://schemas.openxmlformats.org/presentationml/2006/main">
+  <p:cSld>
+    <p:spTree>
+      <p:nvGrpSpPr>
+        <p:cNvPr id="1" name=""/>
+        <p:cNvGrpSpPr/>
+        <p:nvPr/>
+      </p:nvGrpSpPr>
+      <p:grpSpPr>
+        <a:xfrm>
+          <a:off x="0" y="0"/>
+          <a:ext cx="0" cy="0"/>
+          <a:chOff x="0" y="0"/>
+          <a:chExt cx="0" cy="0"/>
+        </a:xfrm>
+      </p:grpSpPr>
       <p:pic>
         <p:nvPicPr>
           <p:cNvPr id="32" name="Picture 31" descr="A picture containing chart&#10;&#10;Description automatically generated">
@@ -4746,7 +4969,7 @@
         </p:blipFill>
         <p:spPr>
           <a:xfrm>
-            <a:off x="332404" y="3383200"/>
+            <a:off x="332404" y="3404972"/>
             <a:ext cx="4483950" cy="3376824"/>
           </a:xfrm>
           <a:prstGeom prst="rect">
@@ -4797,7 +5020,7 @@
         </p:nvSpPr>
         <p:spPr>
           <a:xfrm rot="10800000">
-            <a:off x="8349173" y="475483"/>
+            <a:off x="8349173" y="671425"/>
             <a:ext cx="482890" cy="903234"/>
           </a:xfrm>
           <a:prstGeom prst="triangle">
@@ -4872,7 +5095,7 @@
         </p:nvSpPr>
         <p:spPr>
           <a:xfrm rot="10800000">
-            <a:off x="8364594" y="307995"/>
+            <a:off x="8364594" y="503937"/>
             <a:ext cx="452050" cy="315257"/>
           </a:xfrm>
           <a:prstGeom prst="can">
@@ -4926,7 +5149,7 @@
         </p:nvSpPr>
         <p:spPr>
           <a:xfrm>
-            <a:off x="6777465" y="3889427"/>
+            <a:off x="6777465" y="3704370"/>
             <a:ext cx="1704324" cy="241843"/>
           </a:xfrm>
           <a:prstGeom prst="rect">
@@ -5001,7 +5224,7 @@
         </p:nvSpPr>
         <p:spPr>
           <a:xfrm rot="16200000">
-            <a:off x="7066829" y="3846921"/>
+            <a:off x="7066829" y="3661864"/>
             <a:ext cx="452050" cy="315257"/>
           </a:xfrm>
           <a:prstGeom prst="can">
@@ -5057,7 +5280,7 @@
         </p:nvCxnSpPr>
         <p:spPr>
           <a:xfrm>
-            <a:off x="5777952" y="3979217"/>
+            <a:off x="5777952" y="3794160"/>
             <a:ext cx="574381" cy="0"/>
           </a:xfrm>
           <a:prstGeom prst="line">
@@ -5098,7 +5321,7 @@
         </p:nvSpPr>
         <p:spPr>
           <a:xfrm>
-            <a:off x="8485885" y="5474784"/>
+            <a:off x="8485885" y="5289727"/>
             <a:ext cx="1444564" cy="220818"/>
           </a:xfrm>
           <a:prstGeom prst="rect">
@@ -5173,7 +5396,7 @@
         </p:nvSpPr>
         <p:spPr>
           <a:xfrm rot="5400000">
-            <a:off x="7417843" y="4382945"/>
+            <a:off x="7417843" y="4197888"/>
             <a:ext cx="2382010" cy="243303"/>
           </a:xfrm>
           <a:prstGeom prst="rect">
@@ -5248,8 +5471,8 @@
         </p:nvSpPr>
         <p:spPr>
           <a:xfrm rot="5400000">
-            <a:off x="8137718" y="3538488"/>
-            <a:ext cx="936852" cy="248712"/>
+            <a:off x="7860221" y="3075934"/>
+            <a:ext cx="1491846" cy="248712"/>
           </a:xfrm>
           <a:prstGeom prst="rect">
             <a:avLst/>
@@ -5309,81 +5532,6 @@
           </a:p>
         </p:txBody>
       </p:sp>
-      <p:sp>
-        <p:nvSpPr>
-          <p:cNvPr id="15" name="Triangle 14">
-            <a:extLst>
-              <a:ext uri="{FF2B5EF4-FFF2-40B4-BE49-F238E27FC236}">
-                <a16:creationId xmlns:a16="http://schemas.microsoft.com/office/drawing/2014/main" id="{EE7EC22E-0996-6D44-994D-2C6A8B658B59}"/>
-              </a:ext>
-            </a:extLst>
-          </p:cNvPr>
-          <p:cNvSpPr/>
-          <p:nvPr/>
-        </p:nvSpPr>
-        <p:spPr>
-          <a:xfrm>
-            <a:off x="8460769" y="1680927"/>
-            <a:ext cx="281927" cy="1513491"/>
-          </a:xfrm>
-          <a:prstGeom prst="triangle">
-            <a:avLst/>
-          </a:prstGeom>
-          <a:gradFill flip="none" rotWithShape="1">
-            <a:gsLst>
-              <a:gs pos="0">
-                <a:srgbClr val="00997F">
-                  <a:tint val="66000"/>
-                  <a:satMod val="160000"/>
-                </a:srgbClr>
-              </a:gs>
-              <a:gs pos="50000">
-                <a:srgbClr val="00997F">
-                  <a:tint val="44500"/>
-                  <a:satMod val="160000"/>
-                </a:srgbClr>
-              </a:gs>
-              <a:gs pos="100000">
-                <a:srgbClr val="00997F">
-                  <a:tint val="23500"/>
-                  <a:satMod val="160000"/>
-                </a:srgbClr>
-              </a:gs>
-            </a:gsLst>
-            <a:path path="circle">
-              <a:fillToRect l="50000" t="50000" r="50000" b="50000"/>
-            </a:path>
-            <a:tileRect/>
-          </a:gradFill>
-          <a:ln>
-            <a:noFill/>
-          </a:ln>
-        </p:spPr>
-        <p:style>
-          <a:lnRef idx="2">
-            <a:schemeClr val="accent1">
-              <a:shade val="50000"/>
-            </a:schemeClr>
-          </a:lnRef>
-          <a:fillRef idx="1">
-            <a:schemeClr val="accent1"/>
-          </a:fillRef>
-          <a:effectRef idx="0">
-            <a:schemeClr val="accent1"/>
-          </a:effectRef>
-          <a:fontRef idx="minor">
-            <a:schemeClr val="lt1"/>
-          </a:fontRef>
-        </p:style>
-        <p:txBody>
-          <a:bodyPr rtlCol="0" anchor="ctr"/>
-          <a:lstStyle/>
-          <a:p>
-            <a:pPr algn="ctr"/>
-            <a:endParaRPr lang="en-US"/>
-          </a:p>
-        </p:txBody>
-      </p:sp>
       <p:pic>
         <p:nvPicPr>
           <p:cNvPr id="1028" name="Picture 4" descr="Arduino UNO Pinout, Specifications, Board Layout, Pin Description">
@@ -5411,7 +5559,7 @@
         </p:blipFill>
         <p:spPr bwMode="auto">
           <a:xfrm rot="16200000">
-            <a:off x="6259620" y="4703379"/>
+            <a:off x="6259620" y="4518322"/>
             <a:ext cx="912403" cy="1306611"/>
           </a:xfrm>
           <a:prstGeom prst="rect">
@@ -5443,7 +5591,7 @@
         </p:nvSpPr>
         <p:spPr>
           <a:xfrm>
-            <a:off x="8143621" y="1605411"/>
+            <a:off x="8143621" y="1801353"/>
             <a:ext cx="916221" cy="733215"/>
           </a:xfrm>
           <a:prstGeom prst="rect">
@@ -5526,7 +5674,7 @@
         </p:nvSpPr>
         <p:spPr>
           <a:xfrm>
-            <a:off x="8143621" y="1193427"/>
+            <a:off x="8143621" y="1389369"/>
             <a:ext cx="916221" cy="412861"/>
           </a:xfrm>
           <a:prstGeom prst="trapezoid">
@@ -5608,7 +5756,7 @@
         </p:nvSpPr>
         <p:spPr>
           <a:xfrm>
-            <a:off x="8813900" y="519896"/>
+            <a:off x="8813900" y="715838"/>
             <a:ext cx="638798" cy="45719"/>
           </a:xfrm>
           <a:prstGeom prst="rect">
@@ -5648,10 +5796,10 @@
       </p:sp>
       <p:sp>
         <p:nvSpPr>
-          <p:cNvPr id="13" name="Oval 12">
-            <a:extLst>
-              <a:ext uri="{FF2B5EF4-FFF2-40B4-BE49-F238E27FC236}">
-                <a16:creationId xmlns:a16="http://schemas.microsoft.com/office/drawing/2014/main" id="{30CB1F11-DFFB-C14B-8014-85922396CCCC}"/>
+          <p:cNvPr id="16" name="Rectangle 15">
+            <a:extLst>
+              <a:ext uri="{FF2B5EF4-FFF2-40B4-BE49-F238E27FC236}">
+                <a16:creationId xmlns:a16="http://schemas.microsoft.com/office/drawing/2014/main" id="{82C924B5-3628-1B40-9235-1C7709270D5C}"/>
               </a:ext>
             </a:extLst>
           </p:cNvPr>
@@ -5659,11 +5807,11 @@
           <p:nvPr/>
         </p:nvSpPr>
         <p:spPr>
-          <a:xfrm>
-            <a:off x="7820262" y="3156212"/>
-            <a:ext cx="1571769" cy="157656"/>
-          </a:xfrm>
-          <a:prstGeom prst="ellipse">
+          <a:xfrm rot="8847514">
+            <a:off x="7961472" y="3890813"/>
+            <a:ext cx="1333915" cy="111401"/>
+          </a:xfrm>
+          <a:prstGeom prst="rect">
             <a:avLst/>
           </a:prstGeom>
           <a:solidFill>
@@ -5702,10 +5850,10 @@
       </p:sp>
       <p:sp>
         <p:nvSpPr>
-          <p:cNvPr id="16" name="Rectangle 15">
-            <a:extLst>
-              <a:ext uri="{FF2B5EF4-FFF2-40B4-BE49-F238E27FC236}">
-                <a16:creationId xmlns:a16="http://schemas.microsoft.com/office/drawing/2014/main" id="{82C924B5-3628-1B40-9235-1C7709270D5C}"/>
+          <p:cNvPr id="2" name="Rectangle 1">
+            <a:extLst>
+              <a:ext uri="{FF2B5EF4-FFF2-40B4-BE49-F238E27FC236}">
+                <a16:creationId xmlns:a16="http://schemas.microsoft.com/office/drawing/2014/main" id="{C922B9A0-DC25-D748-B5A7-1E0633EB98F7}"/>
               </a:ext>
             </a:extLst>
           </p:cNvPr>
@@ -5713,19 +5861,110 @@
           <p:nvPr/>
         </p:nvSpPr>
         <p:spPr>
-          <a:xfrm rot="8847514">
-            <a:off x="7961472" y="4075870"/>
-            <a:ext cx="1333915" cy="111401"/>
+          <a:xfrm>
+            <a:off x="6175703" y="3463502"/>
+            <a:ext cx="1184420" cy="693683"/>
           </a:xfrm>
           <a:prstGeom prst="rect">
             <a:avLst/>
           </a:prstGeom>
+          <a:ln>
+            <a:noFill/>
+          </a:ln>
+        </p:spPr>
+        <p:style>
+          <a:lnRef idx="2">
+            <a:schemeClr val="accent3">
+              <a:shade val="50000"/>
+            </a:schemeClr>
+          </a:lnRef>
+          <a:fillRef idx="1">
+            <a:schemeClr val="accent3"/>
+          </a:fillRef>
+          <a:effectRef idx="0">
+            <a:schemeClr val="accent3"/>
+          </a:effectRef>
+          <a:fontRef idx="minor">
+            <a:schemeClr val="lt1"/>
+          </a:fontRef>
+        </p:style>
+        <p:txBody>
+          <a:bodyPr rtlCol="0" anchor="ctr"/>
+          <a:lstStyle/>
+          <a:p>
+            <a:pPr algn="ctr"/>
+            <a:r>
+              <a:rPr lang="en-US" dirty="0"/>
+              <a:t>LED</a:t>
+            </a:r>
+          </a:p>
+        </p:txBody>
+      </p:sp>
+      <p:sp>
+        <p:nvSpPr>
+          <p:cNvPr id="23" name="TextBox 22">
+            <a:extLst>
+              <a:ext uri="{FF2B5EF4-FFF2-40B4-BE49-F238E27FC236}">
+                <a16:creationId xmlns:a16="http://schemas.microsoft.com/office/drawing/2014/main" id="{78E6BDF4-8515-644B-902F-C00FE2696A65}"/>
+              </a:ext>
+            </a:extLst>
+          </p:cNvPr>
+          <p:cNvSpPr txBox="1"/>
+          <p:nvPr/>
+        </p:nvSpPr>
+        <p:spPr>
+          <a:xfrm>
+            <a:off x="9357663" y="3382788"/>
+            <a:ext cx="524503" cy="369332"/>
+          </a:xfrm>
+          <a:prstGeom prst="rect">
+            <a:avLst/>
+          </a:prstGeom>
+          <a:noFill/>
+        </p:spPr>
+        <p:txBody>
+          <a:bodyPr wrap="none" rtlCol="0">
+            <a:spAutoFit/>
+          </a:bodyPr>
+          <a:lstStyle/>
+          <a:p>
+            <a:r>
+              <a:rPr lang="en-US" dirty="0"/>
+              <a:t>DM</a:t>
+            </a:r>
+          </a:p>
+        </p:txBody>
+      </p:sp>
+      <p:sp>
+        <p:nvSpPr>
+          <p:cNvPr id="20" name="Cube 19">
+            <a:extLst>
+              <a:ext uri="{FF2B5EF4-FFF2-40B4-BE49-F238E27FC236}">
+                <a16:creationId xmlns:a16="http://schemas.microsoft.com/office/drawing/2014/main" id="{6D84E45C-ABE9-2345-B971-B154F8DA82D7}"/>
+              </a:ext>
+            </a:extLst>
+          </p:cNvPr>
+          <p:cNvSpPr/>
+          <p:nvPr/>
+        </p:nvSpPr>
+        <p:spPr>
+          <a:xfrm rot="16200000">
+            <a:off x="10038622" y="4835315"/>
+            <a:ext cx="745449" cy="1128176"/>
+          </a:xfrm>
+          <a:prstGeom prst="cube">
+            <a:avLst/>
+          </a:prstGeom>
           <a:solidFill>
-            <a:schemeClr val="bg1"/>
+            <a:schemeClr val="bg1">
+              <a:lumMod val="65000"/>
+            </a:schemeClr>
           </a:solidFill>
           <a:ln>
             <a:solidFill>
-              <a:schemeClr val="tx1"/>
+              <a:schemeClr val="bg1">
+                <a:lumMod val="50000"/>
+              </a:schemeClr>
             </a:solidFill>
           </a:ln>
         </p:spPr>
@@ -5750,16 +5989,16 @@
           <a:lstStyle/>
           <a:p>
             <a:pPr algn="ctr"/>
-            <a:endParaRPr lang="en-US"/>
-          </a:p>
-        </p:txBody>
-      </p:sp>
-      <p:sp>
-        <p:nvSpPr>
-          <p:cNvPr id="2" name="Rectangle 1">
-            <a:extLst>
-              <a:ext uri="{FF2B5EF4-FFF2-40B4-BE49-F238E27FC236}">
-                <a16:creationId xmlns:a16="http://schemas.microsoft.com/office/drawing/2014/main" id="{C922B9A0-DC25-D748-B5A7-1E0633EB98F7}"/>
+            <a:endParaRPr lang="en-US" dirty="0"/>
+          </a:p>
+        </p:txBody>
+      </p:sp>
+      <p:sp>
+        <p:nvSpPr>
+          <p:cNvPr id="22" name="Can 21">
+            <a:extLst>
+              <a:ext uri="{FF2B5EF4-FFF2-40B4-BE49-F238E27FC236}">
+                <a16:creationId xmlns:a16="http://schemas.microsoft.com/office/drawing/2014/main" id="{E927A3E9-5489-E440-842E-1928060450FE}"/>
               </a:ext>
             </a:extLst>
           </p:cNvPr>
@@ -5767,133 +6006,11 @@
           <p:nvPr/>
         </p:nvSpPr>
         <p:spPr>
-          <a:xfrm>
-            <a:off x="6175703" y="3648559"/>
-            <a:ext cx="1184420" cy="693683"/>
-          </a:xfrm>
-          <a:prstGeom prst="rect">
-            <a:avLst/>
-          </a:prstGeom>
-          <a:ln>
-            <a:noFill/>
-          </a:ln>
-        </p:spPr>
-        <p:style>
-          <a:lnRef idx="2">
-            <a:schemeClr val="accent3">
-              <a:shade val="50000"/>
-            </a:schemeClr>
-          </a:lnRef>
-          <a:fillRef idx="1">
-            <a:schemeClr val="accent3"/>
-          </a:fillRef>
-          <a:effectRef idx="0">
-            <a:schemeClr val="accent3"/>
-          </a:effectRef>
-          <a:fontRef idx="minor">
-            <a:schemeClr val="lt1"/>
-          </a:fontRef>
-        </p:style>
-        <p:txBody>
-          <a:bodyPr rtlCol="0" anchor="ctr"/>
-          <a:lstStyle/>
-          <a:p>
-            <a:pPr algn="ctr"/>
-            <a:r>
-              <a:rPr lang="en-US" dirty="0"/>
-              <a:t>LED</a:t>
-            </a:r>
-          </a:p>
-        </p:txBody>
-      </p:sp>
-      <p:sp>
-        <p:nvSpPr>
-          <p:cNvPr id="19" name="TextBox 18">
-            <a:extLst>
-              <a:ext uri="{FF2B5EF4-FFF2-40B4-BE49-F238E27FC236}">
-                <a16:creationId xmlns:a16="http://schemas.microsoft.com/office/drawing/2014/main" id="{4D2A7376-4DE9-FA4C-8095-5B881F5C55D1}"/>
-              </a:ext>
-            </a:extLst>
-          </p:cNvPr>
-          <p:cNvSpPr txBox="1"/>
-          <p:nvPr/>
-        </p:nvSpPr>
-        <p:spPr>
-          <a:xfrm>
-            <a:off x="9452698" y="3059612"/>
-            <a:ext cx="399468" cy="369332"/>
-          </a:xfrm>
-          <a:prstGeom prst="rect">
-            <a:avLst/>
-          </a:prstGeom>
-          <a:noFill/>
-        </p:spPr>
-        <p:txBody>
-          <a:bodyPr wrap="square" rtlCol="0">
-            <a:spAutoFit/>
-          </a:bodyPr>
-          <a:lstStyle/>
-          <a:p>
-            <a:r>
-              <a:rPr lang="en-US" dirty="0"/>
-              <a:t>L1</a:t>
-            </a:r>
-          </a:p>
-        </p:txBody>
-      </p:sp>
-      <p:sp>
-        <p:nvSpPr>
-          <p:cNvPr id="23" name="TextBox 22">
-            <a:extLst>
-              <a:ext uri="{FF2B5EF4-FFF2-40B4-BE49-F238E27FC236}">
-                <a16:creationId xmlns:a16="http://schemas.microsoft.com/office/drawing/2014/main" id="{78E6BDF4-8515-644B-902F-C00FE2696A65}"/>
-              </a:ext>
-            </a:extLst>
-          </p:cNvPr>
-          <p:cNvSpPr txBox="1"/>
-          <p:nvPr/>
-        </p:nvSpPr>
-        <p:spPr>
-          <a:xfrm>
-            <a:off x="9357663" y="3567845"/>
-            <a:ext cx="524503" cy="369332"/>
-          </a:xfrm>
-          <a:prstGeom prst="rect">
-            <a:avLst/>
-          </a:prstGeom>
-          <a:noFill/>
-        </p:spPr>
-        <p:txBody>
-          <a:bodyPr wrap="none" rtlCol="0">
-            <a:spAutoFit/>
-          </a:bodyPr>
-          <a:lstStyle/>
-          <a:p>
-            <a:r>
-              <a:rPr lang="en-US" dirty="0"/>
-              <a:t>DM</a:t>
-            </a:r>
-          </a:p>
-        </p:txBody>
-      </p:sp>
-      <p:sp>
-        <p:nvSpPr>
-          <p:cNvPr id="20" name="Cube 19">
-            <a:extLst>
-              <a:ext uri="{FF2B5EF4-FFF2-40B4-BE49-F238E27FC236}">
-                <a16:creationId xmlns:a16="http://schemas.microsoft.com/office/drawing/2014/main" id="{6D84E45C-ABE9-2345-B971-B154F8DA82D7}"/>
-              </a:ext>
-            </a:extLst>
-          </p:cNvPr>
-          <p:cNvSpPr/>
-          <p:nvPr/>
-        </p:nvSpPr>
-        <p:spPr>
           <a:xfrm rot="16200000">
-            <a:off x="10038622" y="5020372"/>
-            <a:ext cx="745449" cy="1128176"/>
-          </a:xfrm>
-          <a:prstGeom prst="cube">
+            <a:off x="9597507" y="5234103"/>
+            <a:ext cx="452050" cy="315257"/>
+          </a:xfrm>
+          <a:prstGeom prst="can">
             <a:avLst/>
           </a:prstGeom>
           <a:solidFill>
@@ -5930,16 +6047,16 @@
           <a:lstStyle/>
           <a:p>
             <a:pPr algn="ctr"/>
-            <a:endParaRPr lang="en-US" dirty="0"/>
-          </a:p>
-        </p:txBody>
-      </p:sp>
-      <p:sp>
-        <p:nvSpPr>
-          <p:cNvPr id="22" name="Can 21">
-            <a:extLst>
-              <a:ext uri="{FF2B5EF4-FFF2-40B4-BE49-F238E27FC236}">
-                <a16:creationId xmlns:a16="http://schemas.microsoft.com/office/drawing/2014/main" id="{E927A3E9-5489-E440-842E-1928060450FE}"/>
+            <a:endParaRPr lang="en-US"/>
+          </a:p>
+        </p:txBody>
+      </p:sp>
+      <p:sp>
+        <p:nvSpPr>
+          <p:cNvPr id="25" name="Oval 24">
+            <a:extLst>
+              <a:ext uri="{FF2B5EF4-FFF2-40B4-BE49-F238E27FC236}">
+                <a16:creationId xmlns:a16="http://schemas.microsoft.com/office/drawing/2014/main" id="{69866FAD-D0E2-3047-9A1C-F6510A9EAEE3}"/>
               </a:ext>
             </a:extLst>
           </p:cNvPr>
@@ -5948,22 +6065,103 @@
         </p:nvSpPr>
         <p:spPr>
           <a:xfrm rot="16200000">
-            <a:off x="9597507" y="5419160"/>
-            <a:ext cx="452050" cy="315257"/>
-          </a:xfrm>
-          <a:prstGeom prst="can">
+            <a:off x="9568739" y="5383099"/>
+            <a:ext cx="294185" cy="45719"/>
+          </a:xfrm>
+          <a:prstGeom prst="ellipse">
+            <a:avLst/>
+          </a:prstGeom>
+        </p:spPr>
+        <p:style>
+          <a:lnRef idx="2">
+            <a:schemeClr val="dk1">
+              <a:shade val="50000"/>
+            </a:schemeClr>
+          </a:lnRef>
+          <a:fillRef idx="1">
+            <a:schemeClr val="dk1"/>
+          </a:fillRef>
+          <a:effectRef idx="0">
+            <a:schemeClr val="dk1"/>
+          </a:effectRef>
+          <a:fontRef idx="minor">
+            <a:schemeClr val="lt1"/>
+          </a:fontRef>
+        </p:style>
+        <p:txBody>
+          <a:bodyPr rtlCol="0" anchor="ctr"/>
+          <a:lstStyle/>
+          <a:p>
+            <a:pPr algn="ctr"/>
+            <a:endParaRPr lang="en-US"/>
+          </a:p>
+        </p:txBody>
+      </p:sp>
+      <p:sp>
+        <p:nvSpPr>
+          <p:cNvPr id="26" name="TextBox 25">
+            <a:extLst>
+              <a:ext uri="{FF2B5EF4-FFF2-40B4-BE49-F238E27FC236}">
+                <a16:creationId xmlns:a16="http://schemas.microsoft.com/office/drawing/2014/main" id="{246DFF53-3018-FF45-AD30-84B6936F3AF1}"/>
+              </a:ext>
+            </a:extLst>
+          </p:cNvPr>
+          <p:cNvSpPr txBox="1"/>
+          <p:nvPr/>
+        </p:nvSpPr>
+        <p:spPr>
+          <a:xfrm>
+            <a:off x="10114320" y="5316307"/>
+            <a:ext cx="772968" cy="369332"/>
+          </a:xfrm>
+          <a:prstGeom prst="rect">
+            <a:avLst/>
+          </a:prstGeom>
+          <a:noFill/>
+        </p:spPr>
+        <p:txBody>
+          <a:bodyPr wrap="square" rtlCol="0">
+            <a:spAutoFit/>
+          </a:bodyPr>
+          <a:lstStyle/>
+          <a:p>
+            <a:r>
+              <a:rPr lang="en-US" dirty="0">
+                <a:solidFill>
+                  <a:schemeClr val="bg1"/>
+                </a:solidFill>
+              </a:rPr>
+              <a:t>CMOS</a:t>
+            </a:r>
+          </a:p>
+        </p:txBody>
+      </p:sp>
+      <p:sp>
+        <p:nvSpPr>
+          <p:cNvPr id="31" name="Rectangle 30">
+            <a:extLst>
+              <a:ext uri="{FF2B5EF4-FFF2-40B4-BE49-F238E27FC236}">
+                <a16:creationId xmlns:a16="http://schemas.microsoft.com/office/drawing/2014/main" id="{BE0EB561-7BF1-7C4E-8458-135AEC064B35}"/>
+              </a:ext>
+            </a:extLst>
+          </p:cNvPr>
+          <p:cNvSpPr/>
+          <p:nvPr/>
+        </p:nvSpPr>
+        <p:spPr>
+          <a:xfrm rot="13091830">
+            <a:off x="7905869" y="5423827"/>
+            <a:ext cx="1333915" cy="111401"/>
+          </a:xfrm>
+          <a:prstGeom prst="rect">
             <a:avLst/>
           </a:prstGeom>
           <a:solidFill>
-            <a:schemeClr val="bg1">
-              <a:lumMod val="65000"/>
-            </a:schemeClr>
+            <a:schemeClr val="bg1"/>
           </a:solidFill>
           <a:ln>
             <a:solidFill>
-              <a:schemeClr val="bg1">
-                <a:lumMod val="50000"/>
-              </a:schemeClr>
+              <a:schemeClr val="tx1"/>
             </a:solidFill>
           </a:ln>
         </p:spPr>
@@ -5992,145 +6190,6 @@
           </a:p>
         </p:txBody>
       </p:sp>
-      <p:sp>
-        <p:nvSpPr>
-          <p:cNvPr id="25" name="Oval 24">
-            <a:extLst>
-              <a:ext uri="{FF2B5EF4-FFF2-40B4-BE49-F238E27FC236}">
-                <a16:creationId xmlns:a16="http://schemas.microsoft.com/office/drawing/2014/main" id="{69866FAD-D0E2-3047-9A1C-F6510A9EAEE3}"/>
-              </a:ext>
-            </a:extLst>
-          </p:cNvPr>
-          <p:cNvSpPr/>
-          <p:nvPr/>
-        </p:nvSpPr>
-        <p:spPr>
-          <a:xfrm rot="16200000">
-            <a:off x="9568739" y="5568156"/>
-            <a:ext cx="294185" cy="45719"/>
-          </a:xfrm>
-          <a:prstGeom prst="ellipse">
-            <a:avLst/>
-          </a:prstGeom>
-        </p:spPr>
-        <p:style>
-          <a:lnRef idx="2">
-            <a:schemeClr val="dk1">
-              <a:shade val="50000"/>
-            </a:schemeClr>
-          </a:lnRef>
-          <a:fillRef idx="1">
-            <a:schemeClr val="dk1"/>
-          </a:fillRef>
-          <a:effectRef idx="0">
-            <a:schemeClr val="dk1"/>
-          </a:effectRef>
-          <a:fontRef idx="minor">
-            <a:schemeClr val="lt1"/>
-          </a:fontRef>
-        </p:style>
-        <p:txBody>
-          <a:bodyPr rtlCol="0" anchor="ctr"/>
-          <a:lstStyle/>
-          <a:p>
-            <a:pPr algn="ctr"/>
-            <a:endParaRPr lang="en-US"/>
-          </a:p>
-        </p:txBody>
-      </p:sp>
-      <p:sp>
-        <p:nvSpPr>
-          <p:cNvPr id="26" name="TextBox 25">
-            <a:extLst>
-              <a:ext uri="{FF2B5EF4-FFF2-40B4-BE49-F238E27FC236}">
-                <a16:creationId xmlns:a16="http://schemas.microsoft.com/office/drawing/2014/main" id="{246DFF53-3018-FF45-AD30-84B6936F3AF1}"/>
-              </a:ext>
-            </a:extLst>
-          </p:cNvPr>
-          <p:cNvSpPr txBox="1"/>
-          <p:nvPr/>
-        </p:nvSpPr>
-        <p:spPr>
-          <a:xfrm>
-            <a:off x="10114320" y="5501364"/>
-            <a:ext cx="772968" cy="369332"/>
-          </a:xfrm>
-          <a:prstGeom prst="rect">
-            <a:avLst/>
-          </a:prstGeom>
-          <a:noFill/>
-        </p:spPr>
-        <p:txBody>
-          <a:bodyPr wrap="square" rtlCol="0">
-            <a:spAutoFit/>
-          </a:bodyPr>
-          <a:lstStyle/>
-          <a:p>
-            <a:r>
-              <a:rPr lang="en-US" dirty="0">
-                <a:solidFill>
-                  <a:schemeClr val="bg1"/>
-                </a:solidFill>
-              </a:rPr>
-              <a:t>CMOS</a:t>
-            </a:r>
-          </a:p>
-        </p:txBody>
-      </p:sp>
-      <p:sp>
-        <p:nvSpPr>
-          <p:cNvPr id="31" name="Rectangle 30">
-            <a:extLst>
-              <a:ext uri="{FF2B5EF4-FFF2-40B4-BE49-F238E27FC236}">
-                <a16:creationId xmlns:a16="http://schemas.microsoft.com/office/drawing/2014/main" id="{BE0EB561-7BF1-7C4E-8458-135AEC064B35}"/>
-              </a:ext>
-            </a:extLst>
-          </p:cNvPr>
-          <p:cNvSpPr/>
-          <p:nvPr/>
-        </p:nvSpPr>
-        <p:spPr>
-          <a:xfrm rot="13091830">
-            <a:off x="7905869" y="5608884"/>
-            <a:ext cx="1333915" cy="111401"/>
-          </a:xfrm>
-          <a:prstGeom prst="rect">
-            <a:avLst/>
-          </a:prstGeom>
-          <a:solidFill>
-            <a:schemeClr val="bg1"/>
-          </a:solidFill>
-          <a:ln>
-            <a:solidFill>
-              <a:schemeClr val="tx1"/>
-            </a:solidFill>
-          </a:ln>
-        </p:spPr>
-        <p:style>
-          <a:lnRef idx="2">
-            <a:schemeClr val="accent1">
-              <a:shade val="50000"/>
-            </a:schemeClr>
-          </a:lnRef>
-          <a:fillRef idx="1">
-            <a:schemeClr val="accent1"/>
-          </a:fillRef>
-          <a:effectRef idx="0">
-            <a:schemeClr val="accent1"/>
-          </a:effectRef>
-          <a:fontRef idx="minor">
-            <a:schemeClr val="lt1"/>
-          </a:fontRef>
-        </p:style>
-        <p:txBody>
-          <a:bodyPr rtlCol="0" anchor="ctr"/>
-          <a:lstStyle/>
-          <a:p>
-            <a:pPr algn="ctr"/>
-            <a:endParaRPr lang="en-US"/>
-          </a:p>
-        </p:txBody>
-      </p:sp>
       <p:cxnSp>
         <p:nvCxnSpPr>
           <p:cNvPr id="33" name="Straight Connector 32">
@@ -6147,7 +6206,7 @@
         </p:nvCxnSpPr>
         <p:spPr>
           <a:xfrm>
-            <a:off x="7725104" y="6360382"/>
+            <a:off x="7725104" y="6175325"/>
             <a:ext cx="3544621" cy="0"/>
           </a:xfrm>
           <a:prstGeom prst="line">
@@ -6190,7 +6249,7 @@
         </p:nvCxnSpPr>
         <p:spPr>
           <a:xfrm>
-            <a:off x="11280235" y="5667132"/>
+            <a:off x="11280235" y="5482075"/>
             <a:ext cx="0" cy="693250"/>
           </a:xfrm>
           <a:prstGeom prst="line">
@@ -6234,7 +6293,7 @@
         </p:nvCxnSpPr>
         <p:spPr>
           <a:xfrm>
-            <a:off x="10975435" y="5677642"/>
+            <a:off x="10975435" y="5492585"/>
             <a:ext cx="304800" cy="0"/>
           </a:xfrm>
           <a:prstGeom prst="line">
@@ -6277,7 +6336,7 @@
         </p:nvCxnSpPr>
         <p:spPr>
           <a:xfrm>
-            <a:off x="7735614" y="4725210"/>
+            <a:off x="7735614" y="4540153"/>
             <a:ext cx="0" cy="1635172"/>
           </a:xfrm>
           <a:prstGeom prst="line">
@@ -6320,7 +6379,7 @@
         </p:nvCxnSpPr>
         <p:spPr>
           <a:xfrm>
-            <a:off x="7161233" y="4735720"/>
+            <a:off x="7161233" y="4550663"/>
             <a:ext cx="574381" cy="0"/>
           </a:xfrm>
           <a:prstGeom prst="line">
@@ -6363,7 +6422,7 @@
         </p:nvCxnSpPr>
         <p:spPr>
           <a:xfrm flipH="1">
-            <a:off x="7166488" y="4728988"/>
+            <a:off x="7166488" y="4543931"/>
             <a:ext cx="1" cy="182004"/>
           </a:xfrm>
           <a:prstGeom prst="line">
@@ -6406,7 +6465,7 @@
         </p:nvCxnSpPr>
         <p:spPr>
           <a:xfrm flipH="1">
-            <a:off x="5777952" y="4735720"/>
+            <a:off x="5777952" y="4550663"/>
             <a:ext cx="1217255" cy="0"/>
           </a:xfrm>
           <a:prstGeom prst="line">
@@ -6449,7 +6508,7 @@
         </p:nvCxnSpPr>
         <p:spPr>
           <a:xfrm flipH="1">
-            <a:off x="7000462" y="4728988"/>
+            <a:off x="7000462" y="4543931"/>
             <a:ext cx="2" cy="182004"/>
           </a:xfrm>
           <a:prstGeom prst="line">
@@ -6492,7 +6551,7 @@
         </p:nvCxnSpPr>
         <p:spPr>
           <a:xfrm>
-            <a:off x="5777952" y="3979217"/>
+            <a:off x="5777952" y="3794160"/>
             <a:ext cx="0" cy="765036"/>
           </a:xfrm>
           <a:prstGeom prst="line">
@@ -6533,7 +6592,7 @@
         </p:nvSpPr>
         <p:spPr>
           <a:xfrm>
-            <a:off x="9131424" y="6366387"/>
+            <a:off x="9131424" y="6181330"/>
             <a:ext cx="929293" cy="307777"/>
           </a:xfrm>
           <a:prstGeom prst="rect">
@@ -6568,7 +6627,7 @@
         </p:nvSpPr>
         <p:spPr>
           <a:xfrm rot="16200000">
-            <a:off x="5206740" y="4218807"/>
+            <a:off x="5206740" y="4033750"/>
             <a:ext cx="828304" cy="307777"/>
           </a:xfrm>
           <a:prstGeom prst="rect">
@@ -6603,7 +6662,7 @@
         </p:nvSpPr>
         <p:spPr>
           <a:xfrm>
-            <a:off x="8231107" y="158894"/>
+            <a:off x="8231107" y="354836"/>
             <a:ext cx="719023" cy="346842"/>
           </a:xfrm>
           <a:prstGeom prst="rect">
@@ -6657,7 +6716,7 @@
         </p:nvSpPr>
         <p:spPr>
           <a:xfrm>
-            <a:off x="7710376" y="514365"/>
+            <a:off x="7710376" y="710307"/>
             <a:ext cx="638798" cy="45719"/>
           </a:xfrm>
           <a:prstGeom prst="rect">
@@ -6724,7 +6783,7 @@
         </p:blipFill>
         <p:spPr bwMode="auto">
           <a:xfrm>
-            <a:off x="10265648" y="3817273"/>
+            <a:off x="10265648" y="3632216"/>
             <a:ext cx="948815" cy="948815"/>
           </a:xfrm>
           <a:prstGeom prst="rect">
@@ -6758,7 +6817,7 @@
         </p:nvCxnSpPr>
         <p:spPr>
           <a:xfrm>
-            <a:off x="10975435" y="5598326"/>
+            <a:off x="10975435" y="5413269"/>
             <a:ext cx="304800" cy="0"/>
           </a:xfrm>
           <a:prstGeom prst="line">
@@ -6801,7 +6860,7 @@
         </p:nvCxnSpPr>
         <p:spPr>
           <a:xfrm>
-            <a:off x="11280235" y="4281274"/>
+            <a:off x="11280235" y="4096217"/>
             <a:ext cx="0" cy="1309741"/>
           </a:xfrm>
           <a:prstGeom prst="line">
@@ -6844,7 +6903,7 @@
         </p:nvCxnSpPr>
         <p:spPr>
           <a:xfrm>
-            <a:off x="10975435" y="4291680"/>
+            <a:off x="10975435" y="4106623"/>
             <a:ext cx="304800" cy="0"/>
           </a:xfrm>
           <a:prstGeom prst="line">
@@ -6885,7 +6944,7 @@
         </p:nvSpPr>
         <p:spPr>
           <a:xfrm rot="5400000">
-            <a:off x="10986893" y="4815354"/>
+            <a:off x="10986893" y="4630297"/>
             <a:ext cx="905697" cy="307777"/>
           </a:xfrm>
           <a:prstGeom prst="rect">
@@ -6920,7 +6979,7 @@
         </p:nvSpPr>
         <p:spPr>
           <a:xfrm>
-            <a:off x="8190990" y="5705564"/>
+            <a:off x="8190990" y="5520507"/>
             <a:ext cx="381836" cy="369332"/>
           </a:xfrm>
           <a:prstGeom prst="rect">
@@ -6941,75 +7000,45 @@
           </a:p>
         </p:txBody>
       </p:sp>
+      <p:sp>
+        <p:nvSpPr>
+          <p:cNvPr id="4" name="TextBox 3">
+            <a:extLst>
+              <a:ext uri="{FF2B5EF4-FFF2-40B4-BE49-F238E27FC236}">
+                <a16:creationId xmlns:a16="http://schemas.microsoft.com/office/drawing/2014/main" id="{AB7501D2-1C1B-FD4D-8503-0F29CFDF57C9}"/>
+              </a:ext>
+            </a:extLst>
+          </p:cNvPr>
+          <p:cNvSpPr txBox="1"/>
+          <p:nvPr/>
+        </p:nvSpPr>
+        <p:spPr>
+          <a:xfrm>
+            <a:off x="5769429" y="1632857"/>
+            <a:ext cx="1369157" cy="369332"/>
+          </a:xfrm>
+          <a:prstGeom prst="rect">
+            <a:avLst/>
+          </a:prstGeom>
+          <a:noFill/>
+        </p:spPr>
+        <p:txBody>
+          <a:bodyPr wrap="none" rtlCol="0">
+            <a:spAutoFit/>
+          </a:bodyPr>
+          <a:lstStyle/>
+          <a:p>
+            <a:r>
+              <a:rPr lang="en-US" dirty="0"/>
+              <a:t>Legend Here</a:t>
+            </a:r>
+          </a:p>
+        </p:txBody>
+      </p:sp>
     </p:spTree>
     <p:extLst>
       <p:ext uri="{BB962C8B-B14F-4D97-AF65-F5344CB8AC3E}">
         <p14:creationId xmlns:p14="http://schemas.microsoft.com/office/powerpoint/2010/main" val="2191114990"/>
-      </p:ext>
-    </p:extLst>
-  </p:cSld>
-  <p:clrMapOvr>
-    <a:masterClrMapping/>
-  </p:clrMapOvr>
-</p:sld>
-</file>
-
-<file path=ppt/slides/slide4.xml><?xml version="1.0" encoding="utf-8"?>
-<p:sld xmlns:a="http://schemas.openxmlformats.org/drawingml/2006/main" xmlns:r="http://schemas.openxmlformats.org/officeDocument/2006/relationships" xmlns:p="http://schemas.openxmlformats.org/presentationml/2006/main">
-  <p:cSld>
-    <p:spTree>
-      <p:nvGrpSpPr>
-        <p:cNvPr id="1" name=""/>
-        <p:cNvGrpSpPr/>
-        <p:nvPr/>
-      </p:nvGrpSpPr>
-      <p:grpSpPr>
-        <a:xfrm>
-          <a:off x="0" y="0"/>
-          <a:ext cx="0" cy="0"/>
-          <a:chOff x="0" y="0"/>
-          <a:chExt cx="0" cy="0"/>
-        </a:xfrm>
-      </p:grpSpPr>
-      <p:sp>
-        <p:nvSpPr>
-          <p:cNvPr id="5" name="TextBox 4">
-            <a:extLst>
-              <a:ext uri="{FF2B5EF4-FFF2-40B4-BE49-F238E27FC236}">
-                <a16:creationId xmlns:a16="http://schemas.microsoft.com/office/drawing/2014/main" id="{48C1CB03-9AE8-BC44-8574-652B739766C0}"/>
-              </a:ext>
-            </a:extLst>
-          </p:cNvPr>
-          <p:cNvSpPr txBox="1"/>
-          <p:nvPr/>
-        </p:nvSpPr>
-        <p:spPr>
-          <a:xfrm>
-            <a:off x="130628" y="97971"/>
-            <a:ext cx="2183098" cy="369332"/>
-          </a:xfrm>
-          <a:prstGeom prst="rect">
-            <a:avLst/>
-          </a:prstGeom>
-          <a:noFill/>
-        </p:spPr>
-        <p:txBody>
-          <a:bodyPr wrap="none" rtlCol="0">
-            <a:spAutoFit/>
-          </a:bodyPr>
-          <a:lstStyle/>
-          <a:p>
-            <a:r>
-              <a:rPr lang="en-US" b="1" dirty="0"/>
-              <a:t>Calcium Experiments</a:t>
-            </a:r>
-          </a:p>
-        </p:txBody>
-      </p:sp>
-    </p:spTree>
-    <p:extLst>
-      <p:ext uri="{BB962C8B-B14F-4D97-AF65-F5344CB8AC3E}">
-        <p14:creationId xmlns:p14="http://schemas.microsoft.com/office/powerpoint/2010/main" val="1680182837"/>
       </p:ext>
     </p:extLst>
   </p:cSld>
@@ -7038,10 +7067,10 @@
       </p:grpSpPr>
       <p:sp>
         <p:nvSpPr>
-          <p:cNvPr id="4" name="TextBox 3">
-            <a:extLst>
-              <a:ext uri="{FF2B5EF4-FFF2-40B4-BE49-F238E27FC236}">
-                <a16:creationId xmlns:a16="http://schemas.microsoft.com/office/drawing/2014/main" id="{A210EF17-F657-0948-8120-66CB782D774C}"/>
+          <p:cNvPr id="5" name="TextBox 4">
+            <a:extLst>
+              <a:ext uri="{FF2B5EF4-FFF2-40B4-BE49-F238E27FC236}">
+                <a16:creationId xmlns:a16="http://schemas.microsoft.com/office/drawing/2014/main" id="{48C1CB03-9AE8-BC44-8574-652B739766C0}"/>
               </a:ext>
             </a:extLst>
           </p:cNvPr>
@@ -7050,8 +7079,8 @@
         </p:nvSpPr>
         <p:spPr>
           <a:xfrm>
-            <a:off x="163285" y="87086"/>
-            <a:ext cx="2146806" cy="369332"/>
+            <a:off x="130628" y="97971"/>
+            <a:ext cx="2183098" cy="369332"/>
           </a:xfrm>
           <a:prstGeom prst="rect">
             <a:avLst/>
@@ -7066,7 +7095,72 @@
           <a:p>
             <a:r>
               <a:rPr lang="en-US" b="1" dirty="0"/>
-              <a:t>Voltage Experiments</a:t>
+              <a:t>Calcium Experiments</a:t>
+            </a:r>
+          </a:p>
+        </p:txBody>
+      </p:sp>
+    </p:spTree>
+    <p:extLst>
+      <p:ext uri="{BB962C8B-B14F-4D97-AF65-F5344CB8AC3E}">
+        <p14:creationId xmlns:p14="http://schemas.microsoft.com/office/powerpoint/2010/main" val="1680182837"/>
+      </p:ext>
+    </p:extLst>
+  </p:cSld>
+  <p:clrMapOvr>
+    <a:masterClrMapping/>
+  </p:clrMapOvr>
+</p:sld>
+</file>
+
+<file path=ppt/slides/slide6.xml><?xml version="1.0" encoding="utf-8"?>
+<p:sld xmlns:a="http://schemas.openxmlformats.org/drawingml/2006/main" xmlns:r="http://schemas.openxmlformats.org/officeDocument/2006/relationships" xmlns:p="http://schemas.openxmlformats.org/presentationml/2006/main">
+  <p:cSld>
+    <p:spTree>
+      <p:nvGrpSpPr>
+        <p:cNvPr id="1" name=""/>
+        <p:cNvGrpSpPr/>
+        <p:nvPr/>
+      </p:nvGrpSpPr>
+      <p:grpSpPr>
+        <a:xfrm>
+          <a:off x="0" y="0"/>
+          <a:ext cx="0" cy="0"/>
+          <a:chOff x="0" y="0"/>
+          <a:chExt cx="0" cy="0"/>
+        </a:xfrm>
+      </p:grpSpPr>
+      <p:sp>
+        <p:nvSpPr>
+          <p:cNvPr id="4" name="TextBox 3">
+            <a:extLst>
+              <a:ext uri="{FF2B5EF4-FFF2-40B4-BE49-F238E27FC236}">
+                <a16:creationId xmlns:a16="http://schemas.microsoft.com/office/drawing/2014/main" id="{A210EF17-F657-0948-8120-66CB782D774C}"/>
+              </a:ext>
+            </a:extLst>
+          </p:cNvPr>
+          <p:cNvSpPr txBox="1"/>
+          <p:nvPr/>
+        </p:nvSpPr>
+        <p:spPr>
+          <a:xfrm>
+            <a:off x="163285" y="87086"/>
+            <a:ext cx="2254207" cy="369332"/>
+          </a:xfrm>
+          <a:prstGeom prst="rect">
+            <a:avLst/>
+          </a:prstGeom>
+          <a:noFill/>
+        </p:spPr>
+        <p:txBody>
+          <a:bodyPr wrap="none" rtlCol="0">
+            <a:spAutoFit/>
+          </a:bodyPr>
+          <a:lstStyle/>
+          <a:p>
+            <a:r>
+              <a:rPr lang="en-US" b="1" dirty="0"/>
+              <a:t>Voltage Experiments?</a:t>
             </a:r>
           </a:p>
         </p:txBody>

--- a/docs/scherer-rotation-summary/scherer-rotation-summary.pptx
+++ b/docs/scherer-rotation-summary/scherer-rotation-summary.pptx
@@ -202,7 +202,7 @@
           <a:p>
             <a:fld id="{DC0002B7-1C1B-C844-9503-1FA71720EC5A}" type="datetimeFigureOut">
               <a:rPr lang="en-US" smtClean="0"/>
-              <a:t>3/8/21</a:t>
+              <a:t>3/11/21</a:t>
             </a:fld>
             <a:endParaRPr lang="en-US"/>
           </a:p>
@@ -754,7 +754,7 @@
           <a:p>
             <a:fld id="{6B8A667D-7F7D-1948-B76E-0A1AF9F7FBE5}" type="datetimeFigureOut">
               <a:rPr lang="en-US" smtClean="0"/>
-              <a:t>3/8/21</a:t>
+              <a:t>3/11/21</a:t>
             </a:fld>
             <a:endParaRPr lang="en-US"/>
           </a:p>
@@ -952,7 +952,7 @@
           <a:p>
             <a:fld id="{6B8A667D-7F7D-1948-B76E-0A1AF9F7FBE5}" type="datetimeFigureOut">
               <a:rPr lang="en-US" smtClean="0"/>
-              <a:t>3/8/21</a:t>
+              <a:t>3/11/21</a:t>
             </a:fld>
             <a:endParaRPr lang="en-US"/>
           </a:p>
@@ -1160,7 +1160,7 @@
           <a:p>
             <a:fld id="{6B8A667D-7F7D-1948-B76E-0A1AF9F7FBE5}" type="datetimeFigureOut">
               <a:rPr lang="en-US" smtClean="0"/>
-              <a:t>3/8/21</a:t>
+              <a:t>3/11/21</a:t>
             </a:fld>
             <a:endParaRPr lang="en-US"/>
           </a:p>
@@ -1358,7 +1358,7 @@
           <a:p>
             <a:fld id="{6B8A667D-7F7D-1948-B76E-0A1AF9F7FBE5}" type="datetimeFigureOut">
               <a:rPr lang="en-US" smtClean="0"/>
-              <a:t>3/8/21</a:t>
+              <a:t>3/11/21</a:t>
             </a:fld>
             <a:endParaRPr lang="en-US"/>
           </a:p>
@@ -1633,7 +1633,7 @@
           <a:p>
             <a:fld id="{6B8A667D-7F7D-1948-B76E-0A1AF9F7FBE5}" type="datetimeFigureOut">
               <a:rPr lang="en-US" smtClean="0"/>
-              <a:t>3/8/21</a:t>
+              <a:t>3/11/21</a:t>
             </a:fld>
             <a:endParaRPr lang="en-US"/>
           </a:p>
@@ -1898,7 +1898,7 @@
           <a:p>
             <a:fld id="{6B8A667D-7F7D-1948-B76E-0A1AF9F7FBE5}" type="datetimeFigureOut">
               <a:rPr lang="en-US" smtClean="0"/>
-              <a:t>3/8/21</a:t>
+              <a:t>3/11/21</a:t>
             </a:fld>
             <a:endParaRPr lang="en-US"/>
           </a:p>
@@ -2310,7 +2310,7 @@
           <a:p>
             <a:fld id="{6B8A667D-7F7D-1948-B76E-0A1AF9F7FBE5}" type="datetimeFigureOut">
               <a:rPr lang="en-US" smtClean="0"/>
-              <a:t>3/8/21</a:t>
+              <a:t>3/11/21</a:t>
             </a:fld>
             <a:endParaRPr lang="en-US"/>
           </a:p>
@@ -2451,7 +2451,7 @@
           <a:p>
             <a:fld id="{6B8A667D-7F7D-1948-B76E-0A1AF9F7FBE5}" type="datetimeFigureOut">
               <a:rPr lang="en-US" smtClean="0"/>
-              <a:t>3/8/21</a:t>
+              <a:t>3/11/21</a:t>
             </a:fld>
             <a:endParaRPr lang="en-US"/>
           </a:p>
@@ -2564,7 +2564,7 @@
           <a:p>
             <a:fld id="{6B8A667D-7F7D-1948-B76E-0A1AF9F7FBE5}" type="datetimeFigureOut">
               <a:rPr lang="en-US" smtClean="0"/>
-              <a:t>3/8/21</a:t>
+              <a:t>3/11/21</a:t>
             </a:fld>
             <a:endParaRPr lang="en-US"/>
           </a:p>
@@ -2875,7 +2875,7 @@
           <a:p>
             <a:fld id="{6B8A667D-7F7D-1948-B76E-0A1AF9F7FBE5}" type="datetimeFigureOut">
               <a:rPr lang="en-US" smtClean="0"/>
-              <a:t>3/8/21</a:t>
+              <a:t>3/11/21</a:t>
             </a:fld>
             <a:endParaRPr lang="en-US"/>
           </a:p>
@@ -3163,7 +3163,7 @@
           <a:p>
             <a:fld id="{6B8A667D-7F7D-1948-B76E-0A1AF9F7FBE5}" type="datetimeFigureOut">
               <a:rPr lang="en-US" smtClean="0"/>
-              <a:t>3/8/21</a:t>
+              <a:t>3/11/21</a:t>
             </a:fld>
             <a:endParaRPr lang="en-US"/>
           </a:p>
@@ -3404,7 +3404,7 @@
           <a:p>
             <a:fld id="{6B8A667D-7F7D-1948-B76E-0A1AF9F7FBE5}" type="datetimeFigureOut">
               <a:rPr lang="en-US" smtClean="0"/>
-              <a:t>3/8/21</a:t>
+              <a:t>3/11/21</a:t>
             </a:fld>
             <a:endParaRPr lang="en-US"/>
           </a:p>
@@ -4245,7 +4245,7 @@
         </p:blipFill>
         <p:spPr>
           <a:xfrm>
-            <a:off x="368906" y="2092901"/>
+            <a:off x="351974" y="1957960"/>
             <a:ext cx="5737980" cy="3915720"/>
           </a:xfrm>
           <a:prstGeom prst="rect">
@@ -4665,7 +4665,7 @@
         </p:blipFill>
         <p:spPr>
           <a:xfrm>
-            <a:off x="6205174" y="1918088"/>
+            <a:off x="6188242" y="1783147"/>
             <a:ext cx="5496866" cy="4225303"/>
           </a:xfrm>
           <a:prstGeom prst="rect">
@@ -4684,7 +4684,7 @@
         </p:nvSpPr>
         <p:spPr>
           <a:xfrm>
-            <a:off x="6672470" y="1975741"/>
+            <a:off x="6655538" y="1840800"/>
             <a:ext cx="645120" cy="302760"/>
           </a:xfrm>
           <a:prstGeom prst="rect">
@@ -4748,7 +4748,7 @@
         </p:nvSpPr>
         <p:spPr>
           <a:xfrm rot="16200000">
-            <a:off x="69208" y="2871289"/>
+            <a:off x="52276" y="2736348"/>
             <a:ext cx="968727" cy="369332"/>
           </a:xfrm>
           <a:prstGeom prst="rect">
@@ -4790,7 +4790,7 @@
         </p:nvSpPr>
         <p:spPr>
           <a:xfrm rot="16200000">
-            <a:off x="80095" y="4667433"/>
+            <a:off x="63163" y="4532492"/>
             <a:ext cx="968727" cy="369332"/>
           </a:xfrm>
           <a:prstGeom prst="rect">
@@ -4832,8 +4832,8 @@
         </p:nvSpPr>
         <p:spPr>
           <a:xfrm rot="16200000">
-            <a:off x="5788104" y="3124894"/>
-            <a:ext cx="1203471" cy="369332"/>
+            <a:off x="5759759" y="2989953"/>
+            <a:ext cx="1226298" cy="369332"/>
           </a:xfrm>
           <a:prstGeom prst="rect">
             <a:avLst/>
@@ -4847,7 +4847,7 @@
           <a:lstStyle/>
           <a:p>
             <a:r>
-              <a:rPr lang="en-US" dirty="0"/>
+              <a:rPr lang="en-US" b="1" dirty="0"/>
               <a:t>Monolayer</a:t>
             </a:r>
           </a:p>
@@ -4867,8 +4867,8 @@
         </p:nvSpPr>
         <p:spPr>
           <a:xfrm rot="16200000">
-            <a:off x="5726038" y="5070440"/>
-            <a:ext cx="1327608" cy="369332"/>
+            <a:off x="5697533" y="4935499"/>
+            <a:ext cx="1350754" cy="369332"/>
           </a:xfrm>
           <a:prstGeom prst="rect">
             <a:avLst/>
@@ -4882,7 +4882,7 @@
           <a:lstStyle/>
           <a:p>
             <a:r>
-              <a:rPr lang="en-US" dirty="0"/>
+              <a:rPr lang="en-US" b="1" dirty="0"/>
               <a:t>Pseudo-islet</a:t>
             </a:r>
           </a:p>

--- a/docs/scherer-rotation-summary/scherer-rotation-summary.pptx
+++ b/docs/scherer-rotation-summary/scherer-rotation-summary.pptx
@@ -5,7 +5,7 @@
     <p:sldMasterId id="2147483648" r:id="rId1"/>
   </p:sldMasterIdLst>
   <p:notesMasterIdLst>
-    <p:notesMasterId r:id="rId8"/>
+    <p:notesMasterId r:id="rId7"/>
   </p:notesMasterIdLst>
   <p:sldIdLst>
     <p:sldId id="263" r:id="rId2"/>
@@ -13,7 +13,6 @@
     <p:sldId id="266" r:id="rId4"/>
     <p:sldId id="258" r:id="rId5"/>
     <p:sldId id="264" r:id="rId6"/>
-    <p:sldId id="265" r:id="rId7"/>
   </p:sldIdLst>
   <p:sldSz cx="12192000" cy="6858000"/>
   <p:notesSz cx="6858000" cy="9144000"/>
@@ -3821,42 +3820,293 @@
           <a:chExt cx="0" cy="0"/>
         </a:xfrm>
       </p:grpSpPr>
-      <p:pic>
-        <p:nvPicPr>
-          <p:cNvPr id="6" name="Picture 11" descr="A picture containing diagram&#10;&#10;Description automatically generated">
-            <a:extLst>
-              <a:ext uri="{FF2B5EF4-FFF2-40B4-BE49-F238E27FC236}">
-                <a16:creationId xmlns:a16="http://schemas.microsoft.com/office/drawing/2014/main" id="{136023BF-9B65-3E4B-B4FC-4799AECB6352}"/>
-              </a:ext>
-            </a:extLst>
-          </p:cNvPr>
-          <p:cNvPicPr/>
+      <p:sp>
+        <p:nvSpPr>
+          <p:cNvPr id="2" name="TextBox 1">
+            <a:extLst>
+              <a:ext uri="{FF2B5EF4-FFF2-40B4-BE49-F238E27FC236}">
+                <a16:creationId xmlns:a16="http://schemas.microsoft.com/office/drawing/2014/main" id="{5071C04F-CD3C-544F-9C77-CF4337395553}"/>
+              </a:ext>
+            </a:extLst>
+          </p:cNvPr>
+          <p:cNvSpPr txBox="1"/>
           <p:nvPr/>
-        </p:nvPicPr>
-        <p:blipFill rotWithShape="1">
-          <a:blip r:embed="rId2"/>
-          <a:srcRect l="3089" r="4145" b="53293"/>
-          <a:stretch/>
-        </p:blipFill>
+        </p:nvSpPr>
         <p:spPr>
           <a:xfrm>
-            <a:off x="3172808" y="5706721"/>
-            <a:ext cx="4518327" cy="853227"/>
+            <a:off x="227200" y="136854"/>
+            <a:ext cx="7281160" cy="400110"/>
           </a:xfrm>
           <a:prstGeom prst="rect">
             <a:avLst/>
           </a:prstGeom>
+          <a:noFill/>
+        </p:spPr>
+        <p:txBody>
+          <a:bodyPr wrap="none" rtlCol="0">
+            <a:spAutoFit/>
+          </a:bodyPr>
+          <a:lstStyle/>
+          <a:p>
+            <a:r>
+              <a:rPr lang="en-US" sz="2000" b="1" dirty="0">
+                <a:latin typeface="Arial" panose="020B0604020202020204" pitchFamily="34" charset="0"/>
+                <a:cs typeface="Arial" panose="020B0604020202020204" pitchFamily="34" charset="0"/>
+              </a:rPr>
+              <a:t>Intracellular Ca</a:t>
+            </a:r>
+            <a:r>
+              <a:rPr lang="en-US" sz="2000" b="1" baseline="30000" dirty="0">
+                <a:latin typeface="Arial" panose="020B0604020202020204" pitchFamily="34" charset="0"/>
+                <a:cs typeface="Arial" panose="020B0604020202020204" pitchFamily="34" charset="0"/>
+              </a:rPr>
+              <a:t>2+</a:t>
+            </a:r>
+            <a:r>
+              <a:rPr lang="en-US" sz="2000" b="1" dirty="0">
+                <a:latin typeface="Arial" panose="020B0604020202020204" pitchFamily="34" charset="0"/>
+                <a:cs typeface="Arial" panose="020B0604020202020204" pitchFamily="34" charset="0"/>
+              </a:rPr>
+              <a:t> is involved in Insulin Granule Exocytosis</a:t>
+            </a:r>
+          </a:p>
+        </p:txBody>
+      </p:sp>
+      <p:sp>
+        <p:nvSpPr>
+          <p:cNvPr id="4" name="CustomShape 2">
+            <a:extLst>
+              <a:ext uri="{FF2B5EF4-FFF2-40B4-BE49-F238E27FC236}">
+                <a16:creationId xmlns:a16="http://schemas.microsoft.com/office/drawing/2014/main" id="{2057E948-3FCC-894B-AA03-45BAFB65DABE}"/>
+              </a:ext>
+            </a:extLst>
+          </p:cNvPr>
+          <p:cNvSpPr/>
+          <p:nvPr/>
+        </p:nvSpPr>
+        <p:spPr>
+          <a:xfrm>
+            <a:off x="6133954" y="6567984"/>
+            <a:ext cx="6058046" cy="306323"/>
+          </a:xfrm>
+          <a:prstGeom prst="rect">
+            <a:avLst/>
+          </a:prstGeom>
+          <a:noFill/>
           <a:ln>
             <a:noFill/>
           </a:ln>
         </p:spPr>
-      </p:pic>
+        <p:style>
+          <a:lnRef idx="0">
+            <a:scrgbClr r="0" g="0" b="0"/>
+          </a:lnRef>
+          <a:fillRef idx="0">
+            <a:scrgbClr r="0" g="0" b="0"/>
+          </a:fillRef>
+          <a:effectRef idx="0">
+            <a:scrgbClr r="0" g="0" b="0"/>
+          </a:effectRef>
+          <a:fontRef idx="minor"/>
+        </p:style>
+        <p:txBody>
+          <a:bodyPr wrap="none" lIns="90000" tIns="45000" rIns="90000" bIns="45000">
+            <a:spAutoFit/>
+          </a:bodyPr>
+          <a:lstStyle/>
+          <a:p>
+            <a:pPr>
+              <a:lnSpc>
+                <a:spcPct val="100000"/>
+              </a:lnSpc>
+            </a:pPr>
+            <a:r>
+              <a:rPr lang="en-US" sz="1400" b="0" i="1" strike="noStrike" spc="-1" dirty="0">
+                <a:solidFill>
+                  <a:srgbClr val="000000"/>
+                </a:solidFill>
+                <a:latin typeface="Arial" panose="020B0604020202020204" pitchFamily="34" charset="0"/>
+                <a:ea typeface="DejaVu Sans"/>
+                <a:cs typeface="Arial" panose="020B0604020202020204" pitchFamily="34" charset="0"/>
+              </a:rPr>
+              <a:t>Insulin Granule Biogenesis, Trafficking, and Exocytosis. </a:t>
+            </a:r>
+            <a:r>
+              <a:rPr lang="en-US" sz="1400" b="1" strike="noStrike" spc="-1" dirty="0">
+                <a:solidFill>
+                  <a:srgbClr val="000000"/>
+                </a:solidFill>
+                <a:latin typeface="Arial" panose="020B0604020202020204" pitchFamily="34" charset="0"/>
+                <a:ea typeface="DejaVu Sans"/>
+                <a:cs typeface="Arial" panose="020B0604020202020204" pitchFamily="34" charset="0"/>
+              </a:rPr>
+              <a:t>Vitam Horm</a:t>
+            </a:r>
+            <a:r>
+              <a:rPr lang="en-US" sz="1400" b="1" spc="-1" dirty="0">
+                <a:solidFill>
+                  <a:srgbClr val="000000"/>
+                </a:solidFill>
+                <a:latin typeface="Arial" panose="020B0604020202020204" pitchFamily="34" charset="0"/>
+                <a:ea typeface="DejaVu Sans"/>
+                <a:cs typeface="Arial" panose="020B0604020202020204" pitchFamily="34" charset="0"/>
+              </a:rPr>
+              <a:t> </a:t>
+            </a:r>
+            <a:r>
+              <a:rPr lang="en-US" sz="1400" b="1" strike="noStrike" spc="-1" dirty="0">
+                <a:solidFill>
+                  <a:srgbClr val="000000"/>
+                </a:solidFill>
+                <a:latin typeface="Arial" panose="020B0604020202020204" pitchFamily="34" charset="0"/>
+                <a:ea typeface="DejaVu Sans"/>
+                <a:cs typeface="Arial" panose="020B0604020202020204" pitchFamily="34" charset="0"/>
+              </a:rPr>
+              <a:t>2009</a:t>
+            </a:r>
+            <a:endParaRPr lang="en-US" sz="1400" b="1" strike="noStrike" spc="-1" dirty="0">
+              <a:latin typeface="Arial" panose="020B0604020202020204" pitchFamily="34" charset="0"/>
+              <a:cs typeface="Arial" panose="020B0604020202020204" pitchFamily="34" charset="0"/>
+            </a:endParaRPr>
+          </a:p>
+        </p:txBody>
+      </p:sp>
+      <p:sp>
+        <p:nvSpPr>
+          <p:cNvPr id="3" name="TextBox 2">
+            <a:extLst>
+              <a:ext uri="{FF2B5EF4-FFF2-40B4-BE49-F238E27FC236}">
+                <a16:creationId xmlns:a16="http://schemas.microsoft.com/office/drawing/2014/main" id="{A2EA9F95-3663-C64C-86FE-C170F6F96AA7}"/>
+              </a:ext>
+            </a:extLst>
+          </p:cNvPr>
+          <p:cNvSpPr txBox="1"/>
+          <p:nvPr/>
+        </p:nvSpPr>
+        <p:spPr>
+          <a:xfrm>
+            <a:off x="489859" y="1816941"/>
+            <a:ext cx="4060369" cy="3139321"/>
+          </a:xfrm>
+          <a:prstGeom prst="rect">
+            <a:avLst/>
+          </a:prstGeom>
+          <a:noFill/>
+        </p:spPr>
+        <p:txBody>
+          <a:bodyPr wrap="square" rtlCol="0">
+            <a:spAutoFit/>
+          </a:bodyPr>
+          <a:lstStyle/>
+          <a:p>
+            <a:pPr marL="285750" indent="-285750">
+              <a:buFont typeface="Arial" panose="020B0604020202020204" pitchFamily="34" charset="0"/>
+              <a:buChar char="•"/>
+            </a:pPr>
+            <a:r>
+              <a:rPr lang="en-US" dirty="0">
+                <a:latin typeface="Arial" panose="020B0604020202020204" pitchFamily="34" charset="0"/>
+                <a:cs typeface="Arial" panose="020B0604020202020204" pitchFamily="34" charset="0"/>
+              </a:rPr>
+              <a:t>ATP-sensitive K</a:t>
+            </a:r>
+            <a:r>
+              <a:rPr lang="en-US" baseline="30000" dirty="0">
+                <a:latin typeface="Arial" panose="020B0604020202020204" pitchFamily="34" charset="0"/>
+                <a:cs typeface="Arial" panose="020B0604020202020204" pitchFamily="34" charset="0"/>
+              </a:rPr>
+              <a:t>+</a:t>
+            </a:r>
+            <a:r>
+              <a:rPr lang="en-US" dirty="0">
+                <a:latin typeface="Arial" panose="020B0604020202020204" pitchFamily="34" charset="0"/>
+                <a:cs typeface="Arial" panose="020B0604020202020204" pitchFamily="34" charset="0"/>
+              </a:rPr>
+              <a:t> channels open and depolarize the cell in response to glucose metabolism</a:t>
+            </a:r>
+          </a:p>
+          <a:p>
+            <a:pPr marL="285750" indent="-285750">
+              <a:buFont typeface="Arial" panose="020B0604020202020204" pitchFamily="34" charset="0"/>
+              <a:buChar char="•"/>
+            </a:pPr>
+            <a:endParaRPr lang="en-US" dirty="0">
+              <a:latin typeface="Arial" panose="020B0604020202020204" pitchFamily="34" charset="0"/>
+              <a:cs typeface="Arial" panose="020B0604020202020204" pitchFamily="34" charset="0"/>
+            </a:endParaRPr>
+          </a:p>
+          <a:p>
+            <a:pPr marL="285750" indent="-285750">
+              <a:buFont typeface="Arial" panose="020B0604020202020204" pitchFamily="34" charset="0"/>
+              <a:buChar char="•"/>
+            </a:pPr>
+            <a:r>
+              <a:rPr lang="en-US" dirty="0">
+                <a:latin typeface="Arial" panose="020B0604020202020204" pitchFamily="34" charset="0"/>
+                <a:cs typeface="Arial" panose="020B0604020202020204" pitchFamily="34" charset="0"/>
+              </a:rPr>
+              <a:t>Voltage-gated Ca</a:t>
+            </a:r>
+            <a:r>
+              <a:rPr lang="en-US" baseline="30000" dirty="0">
+                <a:latin typeface="Arial" panose="020B0604020202020204" pitchFamily="34" charset="0"/>
+                <a:cs typeface="Arial" panose="020B0604020202020204" pitchFamily="34" charset="0"/>
+              </a:rPr>
+              <a:t>2+</a:t>
+            </a:r>
+            <a:r>
+              <a:rPr lang="en-US" dirty="0">
+                <a:latin typeface="Arial" panose="020B0604020202020204" pitchFamily="34" charset="0"/>
+                <a:cs typeface="Arial" panose="020B0604020202020204" pitchFamily="34" charset="0"/>
+              </a:rPr>
+              <a:t> open and increase in [Ca</a:t>
+            </a:r>
+            <a:r>
+              <a:rPr lang="en-US" baseline="30000" dirty="0">
+                <a:latin typeface="Arial" panose="020B0604020202020204" pitchFamily="34" charset="0"/>
+                <a:cs typeface="Arial" panose="020B0604020202020204" pitchFamily="34" charset="0"/>
+              </a:rPr>
+              <a:t>2+</a:t>
+            </a:r>
+            <a:r>
+              <a:rPr lang="en-US" dirty="0">
+                <a:latin typeface="Arial" panose="020B0604020202020204" pitchFamily="34" charset="0"/>
+                <a:cs typeface="Arial" panose="020B0604020202020204" pitchFamily="34" charset="0"/>
+              </a:rPr>
+              <a:t>] triggers insulin granule exocytosis</a:t>
+            </a:r>
+          </a:p>
+          <a:p>
+            <a:pPr marL="285750" indent="-285750">
+              <a:buFont typeface="Arial" panose="020B0604020202020204" pitchFamily="34" charset="0"/>
+              <a:buChar char="•"/>
+            </a:pPr>
+            <a:endParaRPr lang="en-US" dirty="0">
+              <a:latin typeface="Arial" panose="020B0604020202020204" pitchFamily="34" charset="0"/>
+              <a:cs typeface="Arial" panose="020B0604020202020204" pitchFamily="34" charset="0"/>
+            </a:endParaRPr>
+          </a:p>
+          <a:p>
+            <a:pPr marL="285750" indent="-285750">
+              <a:buFont typeface="Arial" panose="020B0604020202020204" pitchFamily="34" charset="0"/>
+              <a:buChar char="•"/>
+            </a:pPr>
+            <a:r>
+              <a:rPr lang="en-US" dirty="0">
+                <a:latin typeface="Arial" panose="020B0604020202020204" pitchFamily="34" charset="0"/>
+                <a:cs typeface="Arial" panose="020B0604020202020204" pitchFamily="34" charset="0"/>
+              </a:rPr>
+              <a:t>Gap junctions allow communication of glucose stimuli to neighboring beta cells</a:t>
+            </a:r>
+          </a:p>
+        </p:txBody>
+      </p:sp>
       <p:pic>
         <p:nvPicPr>
-          <p:cNvPr id="1026" name="Picture 2">
-            <a:extLst>
-              <a:ext uri="{FF2B5EF4-FFF2-40B4-BE49-F238E27FC236}">
-                <a16:creationId xmlns:a16="http://schemas.microsoft.com/office/drawing/2014/main" id="{AB070B1C-7EF5-0643-8AFE-85203F31FCA3}"/>
+          <p:cNvPr id="7" name="Picture 2">
+            <a:extLst>
+              <a:ext uri="{FF2B5EF4-FFF2-40B4-BE49-F238E27FC236}">
+                <a16:creationId xmlns:a16="http://schemas.microsoft.com/office/drawing/2014/main" id="{F11A094A-08B9-E043-8ABE-B4995AB2DCBE}"/>
               </a:ext>
             </a:extLst>
           </p:cNvPr>
@@ -3866,7 +4116,7 @@
           <p:nvPr/>
         </p:nvPicPr>
         <p:blipFill>
-          <a:blip r:embed="rId3">
+          <a:blip r:embed="rId2">
             <a:extLst>
               <a:ext uri="{28A0092B-C50C-407E-A947-70E740481C1C}">
                 <a14:useLocalDpi xmlns:a14="http://schemas.microsoft.com/office/drawing/2010/main" val="0"/>
@@ -3880,8 +4130,8 @@
         </p:blipFill>
         <p:spPr bwMode="auto">
           <a:xfrm>
-            <a:off x="4772062" y="642801"/>
-            <a:ext cx="7132043" cy="5012480"/>
+            <a:off x="5081362" y="787332"/>
+            <a:ext cx="6174466" cy="5198537"/>
           </a:xfrm>
           <a:prstGeom prst="rect">
             <a:avLst/>
@@ -3898,311 +4148,6 @@
           </a:extLst>
         </p:spPr>
       </p:pic>
-      <p:sp>
-        <p:nvSpPr>
-          <p:cNvPr id="2" name="TextBox 1">
-            <a:extLst>
-              <a:ext uri="{FF2B5EF4-FFF2-40B4-BE49-F238E27FC236}">
-                <a16:creationId xmlns:a16="http://schemas.microsoft.com/office/drawing/2014/main" id="{5071C04F-CD3C-544F-9C77-CF4337395553}"/>
-              </a:ext>
-            </a:extLst>
-          </p:cNvPr>
-          <p:cNvSpPr txBox="1"/>
-          <p:nvPr/>
-        </p:nvSpPr>
-        <p:spPr>
-          <a:xfrm>
-            <a:off x="227200" y="136854"/>
-            <a:ext cx="7281160" cy="400110"/>
-          </a:xfrm>
-          <a:prstGeom prst="rect">
-            <a:avLst/>
-          </a:prstGeom>
-          <a:noFill/>
-        </p:spPr>
-        <p:txBody>
-          <a:bodyPr wrap="none" rtlCol="0">
-            <a:spAutoFit/>
-          </a:bodyPr>
-          <a:lstStyle/>
-          <a:p>
-            <a:r>
-              <a:rPr lang="en-US" sz="2000" b="1" dirty="0">
-                <a:latin typeface="Arial" panose="020B0604020202020204" pitchFamily="34" charset="0"/>
-                <a:cs typeface="Arial" panose="020B0604020202020204" pitchFamily="34" charset="0"/>
-              </a:rPr>
-              <a:t>Intracellular Ca</a:t>
-            </a:r>
-            <a:r>
-              <a:rPr lang="en-US" sz="2000" b="1" baseline="30000" dirty="0">
-                <a:latin typeface="Arial" panose="020B0604020202020204" pitchFamily="34" charset="0"/>
-                <a:cs typeface="Arial" panose="020B0604020202020204" pitchFamily="34" charset="0"/>
-              </a:rPr>
-              <a:t>2+</a:t>
-            </a:r>
-            <a:r>
-              <a:rPr lang="en-US" sz="2000" b="1" dirty="0">
-                <a:latin typeface="Arial" panose="020B0604020202020204" pitchFamily="34" charset="0"/>
-                <a:cs typeface="Arial" panose="020B0604020202020204" pitchFamily="34" charset="0"/>
-              </a:rPr>
-              <a:t> is involved in Insulin Granule Exocytosis</a:t>
-            </a:r>
-          </a:p>
-        </p:txBody>
-      </p:sp>
-      <p:sp>
-        <p:nvSpPr>
-          <p:cNvPr id="4" name="CustomShape 2">
-            <a:extLst>
-              <a:ext uri="{FF2B5EF4-FFF2-40B4-BE49-F238E27FC236}">
-                <a16:creationId xmlns:a16="http://schemas.microsoft.com/office/drawing/2014/main" id="{2057E948-3FCC-894B-AA03-45BAFB65DABE}"/>
-              </a:ext>
-            </a:extLst>
-          </p:cNvPr>
-          <p:cNvSpPr/>
-          <p:nvPr/>
-        </p:nvSpPr>
-        <p:spPr>
-          <a:xfrm>
-            <a:off x="7008680" y="6551677"/>
-            <a:ext cx="5282578" cy="306323"/>
-          </a:xfrm>
-          <a:prstGeom prst="rect">
-            <a:avLst/>
-          </a:prstGeom>
-          <a:noFill/>
-          <a:ln>
-            <a:noFill/>
-          </a:ln>
-        </p:spPr>
-        <p:style>
-          <a:lnRef idx="0">
-            <a:scrgbClr r="0" g="0" b="0"/>
-          </a:lnRef>
-          <a:fillRef idx="0">
-            <a:scrgbClr r="0" g="0" b="0"/>
-          </a:fillRef>
-          <a:effectRef idx="0">
-            <a:scrgbClr r="0" g="0" b="0"/>
-          </a:effectRef>
-          <a:fontRef idx="minor"/>
-        </p:style>
-        <p:txBody>
-          <a:bodyPr wrap="none" lIns="90000" tIns="45000" rIns="90000" bIns="45000">
-            <a:spAutoFit/>
-          </a:bodyPr>
-          <a:lstStyle/>
-          <a:p>
-            <a:pPr>
-              <a:lnSpc>
-                <a:spcPct val="100000"/>
-              </a:lnSpc>
-            </a:pPr>
-            <a:r>
-              <a:rPr lang="en-US" sz="1400" b="0" i="1" strike="noStrike" spc="-1" dirty="0">
-                <a:solidFill>
-                  <a:srgbClr val="000000"/>
-                </a:solidFill>
-                <a:latin typeface="Arial" panose="020B0604020202020204" pitchFamily="34" charset="0"/>
-                <a:ea typeface="DejaVu Sans"/>
-                <a:cs typeface="Arial" panose="020B0604020202020204" pitchFamily="34" charset="0"/>
-              </a:rPr>
-              <a:t>The pancreatic beta cell surface proteome. </a:t>
-            </a:r>
-            <a:r>
-              <a:rPr lang="en-US" sz="1400" b="1" strike="noStrike" spc="-1" dirty="0" err="1">
-                <a:solidFill>
-                  <a:srgbClr val="000000"/>
-                </a:solidFill>
-                <a:latin typeface="Arial" panose="020B0604020202020204" pitchFamily="34" charset="0"/>
-                <a:ea typeface="DejaVu Sans"/>
-                <a:cs typeface="Arial" panose="020B0604020202020204" pitchFamily="34" charset="0"/>
-              </a:rPr>
-              <a:t>Diabetologia</a:t>
-            </a:r>
-            <a:r>
-              <a:rPr lang="en-US" sz="1400" b="1" strike="noStrike" spc="-1" dirty="0">
-                <a:solidFill>
-                  <a:srgbClr val="000000"/>
-                </a:solidFill>
-                <a:latin typeface="Arial" panose="020B0604020202020204" pitchFamily="34" charset="0"/>
-                <a:ea typeface="DejaVu Sans"/>
-                <a:cs typeface="Arial" panose="020B0604020202020204" pitchFamily="34" charset="0"/>
-              </a:rPr>
-              <a:t>. 2012</a:t>
-            </a:r>
-            <a:endParaRPr lang="en-US" sz="1400" b="0" strike="noStrike" spc="-1" dirty="0">
-              <a:latin typeface="Arial" panose="020B0604020202020204" pitchFamily="34" charset="0"/>
-              <a:cs typeface="Arial" panose="020B0604020202020204" pitchFamily="34" charset="0"/>
-            </a:endParaRPr>
-          </a:p>
-        </p:txBody>
-      </p:sp>
-      <p:sp>
-        <p:nvSpPr>
-          <p:cNvPr id="3" name="TextBox 2">
-            <a:extLst>
-              <a:ext uri="{FF2B5EF4-FFF2-40B4-BE49-F238E27FC236}">
-                <a16:creationId xmlns:a16="http://schemas.microsoft.com/office/drawing/2014/main" id="{A2EA9F95-3663-C64C-86FE-C170F6F96AA7}"/>
-              </a:ext>
-            </a:extLst>
-          </p:cNvPr>
-          <p:cNvSpPr txBox="1"/>
-          <p:nvPr/>
-        </p:nvSpPr>
-        <p:spPr>
-          <a:xfrm>
-            <a:off x="511631" y="1305341"/>
-            <a:ext cx="3407228" cy="3970318"/>
-          </a:xfrm>
-          <a:prstGeom prst="rect">
-            <a:avLst/>
-          </a:prstGeom>
-          <a:noFill/>
-        </p:spPr>
-        <p:txBody>
-          <a:bodyPr wrap="square" rtlCol="0">
-            <a:spAutoFit/>
-          </a:bodyPr>
-          <a:lstStyle/>
-          <a:p>
-            <a:pPr marL="285750" indent="-285750">
-              <a:buFont typeface="Arial" panose="020B0604020202020204" pitchFamily="34" charset="0"/>
-              <a:buChar char="•"/>
-            </a:pPr>
-            <a:r>
-              <a:rPr lang="en-US" dirty="0">
-                <a:latin typeface="Arial" panose="020B0604020202020204" pitchFamily="34" charset="0"/>
-                <a:cs typeface="Arial" panose="020B0604020202020204" pitchFamily="34" charset="0"/>
-              </a:rPr>
-              <a:t>ATP-sensitive K</a:t>
-            </a:r>
-            <a:r>
-              <a:rPr lang="en-US" baseline="30000" dirty="0">
-                <a:latin typeface="Arial" panose="020B0604020202020204" pitchFamily="34" charset="0"/>
-                <a:cs typeface="Arial" panose="020B0604020202020204" pitchFamily="34" charset="0"/>
-              </a:rPr>
-              <a:t>+</a:t>
-            </a:r>
-            <a:r>
-              <a:rPr lang="en-US" dirty="0">
-                <a:latin typeface="Arial" panose="020B0604020202020204" pitchFamily="34" charset="0"/>
-                <a:cs typeface="Arial" panose="020B0604020202020204" pitchFamily="34" charset="0"/>
-              </a:rPr>
-              <a:t> channels open and depolarize the cell in response to glucose metabolism</a:t>
-            </a:r>
-          </a:p>
-          <a:p>
-            <a:pPr marL="285750" indent="-285750">
-              <a:buFont typeface="Arial" panose="020B0604020202020204" pitchFamily="34" charset="0"/>
-              <a:buChar char="•"/>
-            </a:pPr>
-            <a:endParaRPr lang="en-US" dirty="0">
-              <a:latin typeface="Arial" panose="020B0604020202020204" pitchFamily="34" charset="0"/>
-              <a:cs typeface="Arial" panose="020B0604020202020204" pitchFamily="34" charset="0"/>
-            </a:endParaRPr>
-          </a:p>
-          <a:p>
-            <a:pPr marL="285750" indent="-285750">
-              <a:buFont typeface="Arial" panose="020B0604020202020204" pitchFamily="34" charset="0"/>
-              <a:buChar char="•"/>
-            </a:pPr>
-            <a:r>
-              <a:rPr lang="en-US" dirty="0">
-                <a:latin typeface="Arial" panose="020B0604020202020204" pitchFamily="34" charset="0"/>
-                <a:cs typeface="Arial" panose="020B0604020202020204" pitchFamily="34" charset="0"/>
-              </a:rPr>
-              <a:t>Voltage-gated Ca</a:t>
-            </a:r>
-            <a:r>
-              <a:rPr lang="en-US" baseline="30000" dirty="0">
-                <a:latin typeface="Arial" panose="020B0604020202020204" pitchFamily="34" charset="0"/>
-                <a:cs typeface="Arial" panose="020B0604020202020204" pitchFamily="34" charset="0"/>
-              </a:rPr>
-              <a:t>2+</a:t>
-            </a:r>
-            <a:r>
-              <a:rPr lang="en-US" dirty="0">
-                <a:latin typeface="Arial" panose="020B0604020202020204" pitchFamily="34" charset="0"/>
-                <a:cs typeface="Arial" panose="020B0604020202020204" pitchFamily="34" charset="0"/>
-              </a:rPr>
-              <a:t> open and increase in [Ca</a:t>
-            </a:r>
-            <a:r>
-              <a:rPr lang="en-US" baseline="30000" dirty="0">
-                <a:latin typeface="Arial" panose="020B0604020202020204" pitchFamily="34" charset="0"/>
-                <a:cs typeface="Arial" panose="020B0604020202020204" pitchFamily="34" charset="0"/>
-              </a:rPr>
-              <a:t>2+</a:t>
-            </a:r>
-            <a:r>
-              <a:rPr lang="en-US" dirty="0">
-                <a:latin typeface="Arial" panose="020B0604020202020204" pitchFamily="34" charset="0"/>
-                <a:cs typeface="Arial" panose="020B0604020202020204" pitchFamily="34" charset="0"/>
-              </a:rPr>
-              <a:t>] triggers insulin granule exocytosis</a:t>
-            </a:r>
-          </a:p>
-          <a:p>
-            <a:pPr marL="285750" indent="-285750">
-              <a:buFont typeface="Arial" panose="020B0604020202020204" pitchFamily="34" charset="0"/>
-              <a:buChar char="•"/>
-            </a:pPr>
-            <a:endParaRPr lang="en-US" dirty="0">
-              <a:latin typeface="Arial" panose="020B0604020202020204" pitchFamily="34" charset="0"/>
-              <a:cs typeface="Arial" panose="020B0604020202020204" pitchFamily="34" charset="0"/>
-            </a:endParaRPr>
-          </a:p>
-          <a:p>
-            <a:pPr marL="285750" indent="-285750">
-              <a:buFont typeface="Arial" panose="020B0604020202020204" pitchFamily="34" charset="0"/>
-              <a:buChar char="•"/>
-            </a:pPr>
-            <a:r>
-              <a:rPr lang="en-US" dirty="0">
-                <a:latin typeface="Arial" panose="020B0604020202020204" pitchFamily="34" charset="0"/>
-                <a:cs typeface="Arial" panose="020B0604020202020204" pitchFamily="34" charset="0"/>
-              </a:rPr>
-              <a:t>Gap junctions allow communication of glucose stimuli to neighboring beta cells</a:t>
-            </a:r>
-          </a:p>
-        </p:txBody>
-      </p:sp>
-      <p:sp>
-        <p:nvSpPr>
-          <p:cNvPr id="5" name="TextBox 4">
-            <a:extLst>
-              <a:ext uri="{FF2B5EF4-FFF2-40B4-BE49-F238E27FC236}">
-                <a16:creationId xmlns:a16="http://schemas.microsoft.com/office/drawing/2014/main" id="{A9ED5109-D926-1640-AD4E-EB5536CB233A}"/>
-              </a:ext>
-            </a:extLst>
-          </p:cNvPr>
-          <p:cNvSpPr txBox="1"/>
-          <p:nvPr/>
-        </p:nvSpPr>
-        <p:spPr>
-          <a:xfrm>
-            <a:off x="1496408" y="6335506"/>
-            <a:ext cx="1033232" cy="369332"/>
-          </a:xfrm>
-          <a:prstGeom prst="rect">
-            <a:avLst/>
-          </a:prstGeom>
-          <a:noFill/>
-        </p:spPr>
-        <p:txBody>
-          <a:bodyPr wrap="none" rtlCol="0">
-            <a:spAutoFit/>
-          </a:bodyPr>
-          <a:lstStyle/>
-          <a:p>
-            <a:r>
-              <a:rPr lang="en-US" dirty="0"/>
-              <a:t>annotate</a:t>
-            </a:r>
-          </a:p>
-        </p:txBody>
-      </p:sp>
     </p:spTree>
     <p:extLst>
       <p:ext uri="{BB962C8B-B14F-4D97-AF65-F5344CB8AC3E}">
@@ -4684,7 +4629,7 @@
         </p:nvSpPr>
         <p:spPr>
           <a:xfrm>
-            <a:off x="6655538" y="1840800"/>
+            <a:off x="6633766" y="1840800"/>
             <a:ext cx="645120" cy="302760"/>
           </a:xfrm>
           <a:prstGeom prst="rect">
@@ -4763,7 +4708,7 @@
           <a:lstStyle/>
           <a:p>
             <a:r>
-              <a:rPr lang="en-US" spc="-1" dirty="0">
+              <a:rPr lang="en-US" b="1" spc="-1" dirty="0">
                 <a:solidFill>
                   <a:srgbClr val="000000"/>
                 </a:solidFill>
@@ -4772,7 +4717,7 @@
               </a:rPr>
               <a:t>[Ca2+]</a:t>
             </a:r>
-            <a:endParaRPr lang="en-US" dirty="0"/>
+            <a:endParaRPr lang="en-US" b="1" dirty="0"/>
           </a:p>
         </p:txBody>
       </p:sp>
@@ -4805,7 +4750,7 @@
           <a:lstStyle/>
           <a:p>
             <a:r>
-              <a:rPr lang="en-US" spc="-1" dirty="0">
+              <a:rPr lang="en-US" b="1" spc="-1" dirty="0">
                 <a:solidFill>
                   <a:srgbClr val="000000"/>
                 </a:solidFill>
@@ -4814,7 +4759,7 @@
               </a:rPr>
               <a:t>[Ca2+]</a:t>
             </a:r>
-            <a:endParaRPr lang="en-US" dirty="0"/>
+            <a:endParaRPr lang="en-US" b="1" dirty="0"/>
           </a:p>
         </p:txBody>
       </p:sp>
@@ -4918,100 +4863,210 @@
           <a:chExt cx="0" cy="0"/>
         </a:xfrm>
       </p:grpSpPr>
-    </p:spTree>
-    <p:extLst>
-      <p:ext uri="{BB962C8B-B14F-4D97-AF65-F5344CB8AC3E}">
-        <p14:creationId xmlns:p14="http://schemas.microsoft.com/office/powerpoint/2010/main" val="14868327"/>
-      </p:ext>
-    </p:extLst>
-  </p:cSld>
-  <p:clrMapOvr>
-    <a:masterClrMapping/>
-  </p:clrMapOvr>
-</p:sld>
-</file>
-
-<file path=ppt/slides/slide4.xml><?xml version="1.0" encoding="utf-8"?>
-<p:sld xmlns:a="http://schemas.openxmlformats.org/drawingml/2006/main" xmlns:r="http://schemas.openxmlformats.org/officeDocument/2006/relationships" xmlns:p="http://schemas.openxmlformats.org/presentationml/2006/main">
-  <p:cSld>
-    <p:spTree>
-      <p:nvGrpSpPr>
-        <p:cNvPr id="1" name=""/>
-        <p:cNvGrpSpPr/>
-        <p:nvPr/>
-      </p:nvGrpSpPr>
-      <p:grpSpPr>
-        <a:xfrm>
-          <a:off x="0" y="0"/>
-          <a:ext cx="0" cy="0"/>
-          <a:chOff x="0" y="0"/>
-          <a:chExt cx="0" cy="0"/>
-        </a:xfrm>
-      </p:grpSpPr>
-      <p:pic>
-        <p:nvPicPr>
-          <p:cNvPr id="32" name="Picture 31" descr="A picture containing chart&#10;&#10;Description automatically generated">
-            <a:extLst>
-              <a:ext uri="{FF2B5EF4-FFF2-40B4-BE49-F238E27FC236}">
-                <a16:creationId xmlns:a16="http://schemas.microsoft.com/office/drawing/2014/main" id="{C9DE8445-0B2F-DC40-BA9C-4080D39AC3BB}"/>
-              </a:ext>
-            </a:extLst>
-          </p:cNvPr>
-          <p:cNvPicPr>
-            <a:picLocks noChangeAspect="1"/>
-          </p:cNvPicPr>
+      <p:sp>
+        <p:nvSpPr>
+          <p:cNvPr id="2" name="TextBox 1">
+            <a:extLst>
+              <a:ext uri="{FF2B5EF4-FFF2-40B4-BE49-F238E27FC236}">
+                <a16:creationId xmlns:a16="http://schemas.microsoft.com/office/drawing/2014/main" id="{7F7417F2-8FB8-6046-BA0C-70BBE68BED37}"/>
+              </a:ext>
+            </a:extLst>
+          </p:cNvPr>
+          <p:cNvSpPr txBox="1"/>
           <p:nvPr/>
-        </p:nvPicPr>
-        <p:blipFill rotWithShape="1">
-          <a:blip r:embed="rId2"/>
-          <a:srcRect r="3219" b="2820"/>
-          <a:stretch/>
-        </p:blipFill>
+        </p:nvSpPr>
         <p:spPr>
           <a:xfrm>
-            <a:off x="332404" y="3404972"/>
-            <a:ext cx="4483950" cy="3376824"/>
+            <a:off x="34374" y="98765"/>
+            <a:ext cx="8779648" cy="400110"/>
           </a:xfrm>
           <a:prstGeom prst="rect">
             <a:avLst/>
           </a:prstGeom>
-        </p:spPr>
-      </p:pic>
-      <p:pic>
-        <p:nvPicPr>
-          <p:cNvPr id="28" name="Picture 27" descr="A picture containing diagram&#10;&#10;Description automatically generated">
-            <a:extLst>
-              <a:ext uri="{FF2B5EF4-FFF2-40B4-BE49-F238E27FC236}">
-                <a16:creationId xmlns:a16="http://schemas.microsoft.com/office/drawing/2014/main" id="{0BD5B56B-287D-BE48-A49A-BC7ED36B37FC}"/>
-              </a:ext>
-            </a:extLst>
-          </p:cNvPr>
-          <p:cNvPicPr>
-            <a:picLocks noChangeAspect="1"/>
-          </p:cNvPicPr>
+          <a:noFill/>
+        </p:spPr>
+        <p:txBody>
+          <a:bodyPr wrap="none" rtlCol="0">
+            <a:spAutoFit/>
+          </a:bodyPr>
+          <a:lstStyle/>
+          <a:p>
+            <a:r>
+              <a:rPr lang="en-US" sz="2000" b="1" dirty="0">
+                <a:latin typeface="Arial" panose="020B0604020202020204" pitchFamily="34" charset="0"/>
+                <a:cs typeface="Arial" panose="020B0604020202020204" pitchFamily="34" charset="0"/>
+              </a:rPr>
+              <a:t>Photobleaching Imposes Constraints on Observable </a:t>
+            </a:r>
+            <a:r>
+              <a:rPr lang="en-US" sz="2000" b="1" spc="-1" dirty="0">
+                <a:solidFill>
+                  <a:srgbClr val="000000"/>
+                </a:solidFill>
+                <a:latin typeface="Arial"/>
+                <a:ea typeface="DejaVu Sans"/>
+              </a:rPr>
+              <a:t>[Ca2+] Dynamics</a:t>
+            </a:r>
+            <a:r>
+              <a:rPr lang="en-US" sz="2000" b="1" dirty="0">
+                <a:latin typeface="Arial" panose="020B0604020202020204" pitchFamily="34" charset="0"/>
+                <a:cs typeface="Arial" panose="020B0604020202020204" pitchFamily="34" charset="0"/>
+              </a:rPr>
+              <a:t> </a:t>
+            </a:r>
+          </a:p>
+        </p:txBody>
+      </p:sp>
+      <p:sp>
+        <p:nvSpPr>
+          <p:cNvPr id="3" name="CustomShape 1">
+            <a:extLst>
+              <a:ext uri="{FF2B5EF4-FFF2-40B4-BE49-F238E27FC236}">
+                <a16:creationId xmlns:a16="http://schemas.microsoft.com/office/drawing/2014/main" id="{76648AC7-18AE-054A-AA02-2F3D5D7C18B6}"/>
+              </a:ext>
+            </a:extLst>
+          </p:cNvPr>
+          <p:cNvSpPr/>
           <p:nvPr/>
-        </p:nvPicPr>
-        <p:blipFill rotWithShape="1">
-          <a:blip r:embed="rId3"/>
-          <a:srcRect t="2824" b="2527"/>
-          <a:stretch/>
-        </p:blipFill>
+        </p:nvSpPr>
         <p:spPr>
           <a:xfrm>
-            <a:off x="323086" y="158896"/>
-            <a:ext cx="4661768" cy="3309215"/>
+            <a:off x="424544" y="1012836"/>
+            <a:ext cx="6712121" cy="1568206"/>
           </a:xfrm>
           <a:prstGeom prst="rect">
             <a:avLst/>
           </a:prstGeom>
-        </p:spPr>
-      </p:pic>
-      <p:sp>
-        <p:nvSpPr>
-          <p:cNvPr id="10" name="Triangle 9">
-            <a:extLst>
-              <a:ext uri="{FF2B5EF4-FFF2-40B4-BE49-F238E27FC236}">
-                <a16:creationId xmlns:a16="http://schemas.microsoft.com/office/drawing/2014/main" id="{F04C5227-83CD-B244-92A6-D72BB423686E}"/>
+          <a:noFill/>
+          <a:ln>
+            <a:noFill/>
+          </a:ln>
+        </p:spPr>
+        <p:style>
+          <a:lnRef idx="0">
+            <a:scrgbClr r="0" g="0" b="0"/>
+          </a:lnRef>
+          <a:fillRef idx="0">
+            <a:scrgbClr r="0" g="0" b="0"/>
+          </a:fillRef>
+          <a:effectRef idx="0">
+            <a:scrgbClr r="0" g="0" b="0"/>
+          </a:effectRef>
+          <a:fontRef idx="minor"/>
+        </p:style>
+        <p:txBody>
+          <a:bodyPr wrap="square" lIns="90000" tIns="45000" rIns="90000" bIns="45000">
+            <a:spAutoFit/>
+          </a:bodyPr>
+          <a:lstStyle/>
+          <a:p>
+            <a:pPr marL="285840" indent="-284760">
+              <a:buClr>
+                <a:srgbClr val="000000"/>
+              </a:buClr>
+              <a:buFont typeface="Arial"/>
+              <a:buChar char="•"/>
+            </a:pPr>
+            <a:r>
+              <a:rPr lang="en-US" sz="1600" spc="-1" dirty="0">
+                <a:solidFill>
+                  <a:srgbClr val="000000"/>
+                </a:solidFill>
+                <a:latin typeface="Arial"/>
+                <a:ea typeface="DejaVu Sans"/>
+              </a:rPr>
+              <a:t>Fluorescent calcium indicators have a finite photon budget before photobleaching</a:t>
+            </a:r>
+          </a:p>
+          <a:p>
+            <a:pPr marL="285840" indent="-284760">
+              <a:buClr>
+                <a:srgbClr val="000000"/>
+              </a:buClr>
+              <a:buFont typeface="Arial"/>
+              <a:buChar char="•"/>
+            </a:pPr>
+            <a:endParaRPr lang="en-US" sz="1600" spc="-1" dirty="0">
+              <a:solidFill>
+                <a:srgbClr val="000000"/>
+              </a:solidFill>
+              <a:latin typeface="Arial"/>
+              <a:ea typeface="DejaVu Sans"/>
+            </a:endParaRPr>
+          </a:p>
+          <a:p>
+            <a:pPr marL="285840" indent="-284760">
+              <a:buClr>
+                <a:srgbClr val="000000"/>
+              </a:buClr>
+              <a:buFont typeface="Arial"/>
+              <a:buChar char="•"/>
+            </a:pPr>
+            <a:r>
+              <a:rPr lang="en-US" sz="1600" spc="-1" dirty="0">
+                <a:solidFill>
+                  <a:srgbClr val="000000"/>
+                </a:solidFill>
+                <a:latin typeface="Arial"/>
+                <a:ea typeface="DejaVu Sans"/>
+              </a:rPr>
+              <a:t>High frame rates over short times or low frame rates over long times</a:t>
+            </a:r>
+            <a:endParaRPr lang="en-US" sz="1600" spc="-1" dirty="0">
+              <a:solidFill>
+                <a:srgbClr val="000000"/>
+              </a:solidFill>
+              <a:latin typeface="Arial" panose="020B0604020202020204" pitchFamily="34" charset="0"/>
+              <a:ea typeface="DejaVu Sans"/>
+              <a:cs typeface="Arial" panose="020B0604020202020204" pitchFamily="34" charset="0"/>
+            </a:endParaRPr>
+          </a:p>
+          <a:p>
+            <a:pPr marL="285840" indent="-284760">
+              <a:buClr>
+                <a:srgbClr val="000000"/>
+              </a:buClr>
+              <a:buFont typeface="Arial"/>
+              <a:buChar char="•"/>
+            </a:pPr>
+            <a:endParaRPr lang="en-US" sz="1600" spc="-1" dirty="0">
+              <a:solidFill>
+                <a:srgbClr val="000000"/>
+              </a:solidFill>
+              <a:latin typeface="Arial" panose="020B0604020202020204" pitchFamily="34" charset="0"/>
+              <a:ea typeface="DejaVu Sans"/>
+              <a:cs typeface="Arial" panose="020B0604020202020204" pitchFamily="34" charset="0"/>
+            </a:endParaRPr>
+          </a:p>
+          <a:p>
+            <a:pPr marL="285840" indent="-284760">
+              <a:buClr>
+                <a:srgbClr val="000000"/>
+              </a:buClr>
+              <a:buFont typeface="Arial"/>
+              <a:buChar char="•"/>
+            </a:pPr>
+            <a:r>
+              <a:rPr lang="en-US" sz="1600" spc="-1" dirty="0">
+                <a:solidFill>
+                  <a:srgbClr val="000000"/>
+                </a:solidFill>
+                <a:latin typeface="Arial" panose="020B0604020202020204" pitchFamily="34" charset="0"/>
+                <a:ea typeface="DejaVu Sans"/>
+                <a:cs typeface="Arial" panose="020B0604020202020204" pitchFamily="34" charset="0"/>
+              </a:rPr>
+              <a:t>High quantum efficiency and signal to noise ratio (SNR)</a:t>
+            </a:r>
+          </a:p>
+        </p:txBody>
+      </p:sp>
+      <p:sp>
+        <p:nvSpPr>
+          <p:cNvPr id="7" name="Triangle 6">
+            <a:extLst>
+              <a:ext uri="{FF2B5EF4-FFF2-40B4-BE49-F238E27FC236}">
+                <a16:creationId xmlns:a16="http://schemas.microsoft.com/office/drawing/2014/main" id="{8B4E12AB-B06A-1B4C-A9A5-7E6F8D788CAF}"/>
               </a:ext>
             </a:extLst>
           </p:cNvPr>
@@ -5020,7 +5075,7 @@
         </p:nvSpPr>
         <p:spPr>
           <a:xfrm rot="10800000">
-            <a:off x="8349173" y="671425"/>
+            <a:off x="8324606" y="1071102"/>
             <a:ext cx="482890" cy="903234"/>
           </a:xfrm>
           <a:prstGeom prst="triangle">
@@ -5077,16 +5132,19 @@
           <a:lstStyle/>
           <a:p>
             <a:pPr algn="ctr"/>
-            <a:endParaRPr lang="en-US"/>
-          </a:p>
-        </p:txBody>
-      </p:sp>
-      <p:sp>
-        <p:nvSpPr>
-          <p:cNvPr id="71" name="Can 70">
-            <a:extLst>
-              <a:ext uri="{FF2B5EF4-FFF2-40B4-BE49-F238E27FC236}">
-                <a16:creationId xmlns:a16="http://schemas.microsoft.com/office/drawing/2014/main" id="{B8CE5895-15B2-A44E-978F-7D8BC37C3D64}"/>
+            <a:endParaRPr lang="en-US" sz="1600">
+              <a:latin typeface="Arial" panose="020B0604020202020204" pitchFamily="34" charset="0"/>
+              <a:cs typeface="Arial" panose="020B0604020202020204" pitchFamily="34" charset="0"/>
+            </a:endParaRPr>
+          </a:p>
+        </p:txBody>
+      </p:sp>
+      <p:sp>
+        <p:nvSpPr>
+          <p:cNvPr id="8" name="Can 7">
+            <a:extLst>
+              <a:ext uri="{FF2B5EF4-FFF2-40B4-BE49-F238E27FC236}">
+                <a16:creationId xmlns:a16="http://schemas.microsoft.com/office/drawing/2014/main" id="{2AD74D9C-5CB6-3640-8818-8F1702342A22}"/>
               </a:ext>
             </a:extLst>
           </p:cNvPr>
@@ -5095,7 +5153,7 @@
         </p:nvSpPr>
         <p:spPr>
           <a:xfrm rot="10800000">
-            <a:off x="8364594" y="503937"/>
+            <a:off x="8340027" y="903614"/>
             <a:ext cx="452050" cy="315257"/>
           </a:xfrm>
           <a:prstGeom prst="can">
@@ -5131,16 +5189,19 @@
           <a:lstStyle/>
           <a:p>
             <a:pPr algn="ctr"/>
-            <a:endParaRPr lang="en-US"/>
-          </a:p>
-        </p:txBody>
-      </p:sp>
-      <p:sp>
-        <p:nvSpPr>
-          <p:cNvPr id="18" name="Rectangle 17">
-            <a:extLst>
-              <a:ext uri="{FF2B5EF4-FFF2-40B4-BE49-F238E27FC236}">
-                <a16:creationId xmlns:a16="http://schemas.microsoft.com/office/drawing/2014/main" id="{A99FB303-D844-8844-B540-CA05926136DC}"/>
+            <a:endParaRPr lang="en-US" sz="1600">
+              <a:latin typeface="Arial" panose="020B0604020202020204" pitchFamily="34" charset="0"/>
+              <a:cs typeface="Arial" panose="020B0604020202020204" pitchFamily="34" charset="0"/>
+            </a:endParaRPr>
+          </a:p>
+        </p:txBody>
+      </p:sp>
+      <p:sp>
+        <p:nvSpPr>
+          <p:cNvPr id="9" name="Rectangle 8">
+            <a:extLst>
+              <a:ext uri="{FF2B5EF4-FFF2-40B4-BE49-F238E27FC236}">
+                <a16:creationId xmlns:a16="http://schemas.microsoft.com/office/drawing/2014/main" id="{FC3D6C41-7217-3C47-A945-450E6A7E081E}"/>
               </a:ext>
             </a:extLst>
           </p:cNvPr>
@@ -5149,7 +5210,7 @@
         </p:nvSpPr>
         <p:spPr>
           <a:xfrm>
-            <a:off x="6777465" y="3704370"/>
+            <a:off x="6752898" y="3886327"/>
             <a:ext cx="1704324" cy="241843"/>
           </a:xfrm>
           <a:prstGeom prst="rect">
@@ -5206,16 +5267,19 @@
           <a:lstStyle/>
           <a:p>
             <a:pPr algn="ctr"/>
-            <a:endParaRPr lang="en-US"/>
-          </a:p>
-        </p:txBody>
-      </p:sp>
-      <p:sp>
-        <p:nvSpPr>
-          <p:cNvPr id="66" name="Can 65">
-            <a:extLst>
-              <a:ext uri="{FF2B5EF4-FFF2-40B4-BE49-F238E27FC236}">
-                <a16:creationId xmlns:a16="http://schemas.microsoft.com/office/drawing/2014/main" id="{894B1504-EB3D-9140-956B-2E15F6D4B04D}"/>
+            <a:endParaRPr lang="en-US" sz="1600">
+              <a:latin typeface="Arial" panose="020B0604020202020204" pitchFamily="34" charset="0"/>
+              <a:cs typeface="Arial" panose="020B0604020202020204" pitchFamily="34" charset="0"/>
+            </a:endParaRPr>
+          </a:p>
+        </p:txBody>
+      </p:sp>
+      <p:sp>
+        <p:nvSpPr>
+          <p:cNvPr id="10" name="Can 9">
+            <a:extLst>
+              <a:ext uri="{FF2B5EF4-FFF2-40B4-BE49-F238E27FC236}">
+                <a16:creationId xmlns:a16="http://schemas.microsoft.com/office/drawing/2014/main" id="{2E3DA989-19D8-0047-BA98-5A9623E01A21}"/>
               </a:ext>
             </a:extLst>
           </p:cNvPr>
@@ -5224,7 +5288,7 @@
         </p:nvSpPr>
         <p:spPr>
           <a:xfrm rot="16200000">
-            <a:off x="7066829" y="3661864"/>
+            <a:off x="7042262" y="3843821"/>
             <a:ext cx="452050" cy="315257"/>
           </a:xfrm>
           <a:prstGeom prst="can">
@@ -5260,16 +5324,19 @@
           <a:lstStyle/>
           <a:p>
             <a:pPr algn="ctr"/>
-            <a:endParaRPr lang="en-US"/>
+            <a:endParaRPr lang="en-US" sz="1600">
+              <a:latin typeface="Arial" panose="020B0604020202020204" pitchFamily="34" charset="0"/>
+              <a:cs typeface="Arial" panose="020B0604020202020204" pitchFamily="34" charset="0"/>
+            </a:endParaRPr>
           </a:p>
         </p:txBody>
       </p:sp>
       <p:cxnSp>
         <p:nvCxnSpPr>
-          <p:cNvPr id="63" name="Straight Connector 62">
-            <a:extLst>
-              <a:ext uri="{FF2B5EF4-FFF2-40B4-BE49-F238E27FC236}">
-                <a16:creationId xmlns:a16="http://schemas.microsoft.com/office/drawing/2014/main" id="{80D2AB8C-65B8-5F4C-BB0F-5F297489A1FC}"/>
+          <p:cNvPr id="11" name="Straight Connector 10">
+            <a:extLst>
+              <a:ext uri="{FF2B5EF4-FFF2-40B4-BE49-F238E27FC236}">
+                <a16:creationId xmlns:a16="http://schemas.microsoft.com/office/drawing/2014/main" id="{692F9380-2F93-8241-897F-A2E5EF370534}"/>
               </a:ext>
             </a:extLst>
           </p:cNvPr>
@@ -5280,7 +5347,7 @@
         </p:nvCxnSpPr>
         <p:spPr>
           <a:xfrm>
-            <a:off x="5777952" y="3794160"/>
+            <a:off x="5753385" y="3976117"/>
             <a:ext cx="574381" cy="0"/>
           </a:xfrm>
           <a:prstGeom prst="line">
@@ -5309,10 +5376,10 @@
       </p:cxnSp>
       <p:sp>
         <p:nvSpPr>
-          <p:cNvPr id="30" name="Rectangle 29">
-            <a:extLst>
-              <a:ext uri="{FF2B5EF4-FFF2-40B4-BE49-F238E27FC236}">
-                <a16:creationId xmlns:a16="http://schemas.microsoft.com/office/drawing/2014/main" id="{3C787D3C-BB63-8F4E-BF47-8C35E97F1A85}"/>
+          <p:cNvPr id="12" name="Rectangle 11">
+            <a:extLst>
+              <a:ext uri="{FF2B5EF4-FFF2-40B4-BE49-F238E27FC236}">
+                <a16:creationId xmlns:a16="http://schemas.microsoft.com/office/drawing/2014/main" id="{85EB2ACE-AC8D-EA43-B8E8-B94B6BEA3D7C}"/>
               </a:ext>
             </a:extLst>
           </p:cNvPr>
@@ -5321,7 +5388,7 @@
         </p:nvSpPr>
         <p:spPr>
           <a:xfrm>
-            <a:off x="8485885" y="5289727"/>
+            <a:off x="8461318" y="5471684"/>
             <a:ext cx="1444564" cy="220818"/>
           </a:xfrm>
           <a:prstGeom prst="rect">
@@ -5378,16 +5445,19 @@
           <a:lstStyle/>
           <a:p>
             <a:pPr algn="ctr"/>
-            <a:endParaRPr lang="en-US"/>
-          </a:p>
-        </p:txBody>
-      </p:sp>
-      <p:sp>
-        <p:nvSpPr>
-          <p:cNvPr id="24" name="Rectangle 23">
-            <a:extLst>
-              <a:ext uri="{FF2B5EF4-FFF2-40B4-BE49-F238E27FC236}">
-                <a16:creationId xmlns:a16="http://schemas.microsoft.com/office/drawing/2014/main" id="{D400C0A8-7434-1840-9A33-C8D6F72D483C}"/>
+            <a:endParaRPr lang="en-US" sz="1600">
+              <a:latin typeface="Arial" panose="020B0604020202020204" pitchFamily="34" charset="0"/>
+              <a:cs typeface="Arial" panose="020B0604020202020204" pitchFamily="34" charset="0"/>
+            </a:endParaRPr>
+          </a:p>
+        </p:txBody>
+      </p:sp>
+      <p:sp>
+        <p:nvSpPr>
+          <p:cNvPr id="13" name="Rectangle 12">
+            <a:extLst>
+              <a:ext uri="{FF2B5EF4-FFF2-40B4-BE49-F238E27FC236}">
+                <a16:creationId xmlns:a16="http://schemas.microsoft.com/office/drawing/2014/main" id="{DDA3713C-30BA-714F-9370-A9F126E80D3C}"/>
               </a:ext>
             </a:extLst>
           </p:cNvPr>
@@ -5396,7 +5466,7 @@
         </p:nvSpPr>
         <p:spPr>
           <a:xfrm rot="5400000">
-            <a:off x="7417843" y="4197888"/>
+            <a:off x="7393276" y="4379845"/>
             <a:ext cx="2382010" cy="243303"/>
           </a:xfrm>
           <a:prstGeom prst="rect">
@@ -5453,16 +5523,19 @@
           <a:lstStyle/>
           <a:p>
             <a:pPr algn="ctr"/>
-            <a:endParaRPr lang="en-US"/>
-          </a:p>
-        </p:txBody>
-      </p:sp>
-      <p:sp>
-        <p:nvSpPr>
-          <p:cNvPr id="21" name="Rectangle 20">
-            <a:extLst>
-              <a:ext uri="{FF2B5EF4-FFF2-40B4-BE49-F238E27FC236}">
-                <a16:creationId xmlns:a16="http://schemas.microsoft.com/office/drawing/2014/main" id="{1657B3B9-21D7-9F43-9F21-767AC62EA0DE}"/>
+            <a:endParaRPr lang="en-US" sz="1600">
+              <a:latin typeface="Arial" panose="020B0604020202020204" pitchFamily="34" charset="0"/>
+              <a:cs typeface="Arial" panose="020B0604020202020204" pitchFamily="34" charset="0"/>
+            </a:endParaRPr>
+          </a:p>
+        </p:txBody>
+      </p:sp>
+      <p:sp>
+        <p:nvSpPr>
+          <p:cNvPr id="14" name="Rectangle 13">
+            <a:extLst>
+              <a:ext uri="{FF2B5EF4-FFF2-40B4-BE49-F238E27FC236}">
+                <a16:creationId xmlns:a16="http://schemas.microsoft.com/office/drawing/2014/main" id="{964CE025-823E-E943-B5C5-375863E66AC9}"/>
               </a:ext>
             </a:extLst>
           </p:cNvPr>
@@ -5471,7 +5544,7 @@
         </p:nvSpPr>
         <p:spPr>
           <a:xfrm rot="5400000">
-            <a:off x="7860221" y="3075934"/>
+            <a:off x="7835654" y="3257891"/>
             <a:ext cx="1491846" cy="248712"/>
           </a:xfrm>
           <a:prstGeom prst="rect">
@@ -5528,16 +5601,19 @@
           <a:lstStyle/>
           <a:p>
             <a:pPr algn="ctr"/>
-            <a:endParaRPr lang="en-US"/>
+            <a:endParaRPr lang="en-US" sz="1600">
+              <a:latin typeface="Arial" panose="020B0604020202020204" pitchFamily="34" charset="0"/>
+              <a:cs typeface="Arial" panose="020B0604020202020204" pitchFamily="34" charset="0"/>
+            </a:endParaRPr>
           </a:p>
         </p:txBody>
       </p:sp>
       <p:pic>
         <p:nvPicPr>
-          <p:cNvPr id="1028" name="Picture 4" descr="Arduino UNO Pinout, Specifications, Board Layout, Pin Description">
-            <a:extLst>
-              <a:ext uri="{FF2B5EF4-FFF2-40B4-BE49-F238E27FC236}">
-                <a16:creationId xmlns:a16="http://schemas.microsoft.com/office/drawing/2014/main" id="{222756C2-C6C9-6342-A304-2EE390265D42}"/>
+          <p:cNvPr id="15" name="Picture 4" descr="Arduino UNO Pinout, Specifications, Board Layout, Pin Description">
+            <a:extLst>
+              <a:ext uri="{FF2B5EF4-FFF2-40B4-BE49-F238E27FC236}">
+                <a16:creationId xmlns:a16="http://schemas.microsoft.com/office/drawing/2014/main" id="{0C8B7132-510A-5548-B37B-51BB8E4EC915}"/>
               </a:ext>
             </a:extLst>
           </p:cNvPr>
@@ -5547,7 +5623,7 @@
           <p:nvPr/>
         </p:nvPicPr>
         <p:blipFill rotWithShape="1">
-          <a:blip r:embed="rId4">
+          <a:blip r:embed="rId2">
             <a:extLst>
               <a:ext uri="{28A0092B-C50C-407E-A947-70E740481C1C}">
                 <a14:useLocalDpi xmlns:a14="http://schemas.microsoft.com/office/drawing/2010/main" val="0"/>
@@ -5559,7 +5635,7 @@
         </p:blipFill>
         <p:spPr bwMode="auto">
           <a:xfrm rot="16200000">
-            <a:off x="6259620" y="4518322"/>
+            <a:off x="6235053" y="4700279"/>
             <a:ext cx="912403" cy="1306611"/>
           </a:xfrm>
           <a:prstGeom prst="rect">
@@ -5579,10 +5655,10 @@
       </p:pic>
       <p:sp>
         <p:nvSpPr>
-          <p:cNvPr id="3" name="Rectangle 2">
-            <a:extLst>
-              <a:ext uri="{FF2B5EF4-FFF2-40B4-BE49-F238E27FC236}">
-                <a16:creationId xmlns:a16="http://schemas.microsoft.com/office/drawing/2014/main" id="{19C608BC-4FDC-8046-8755-D6B685F6521B}"/>
+          <p:cNvPr id="16" name="Rectangle 15">
+            <a:extLst>
+              <a:ext uri="{FF2B5EF4-FFF2-40B4-BE49-F238E27FC236}">
+                <a16:creationId xmlns:a16="http://schemas.microsoft.com/office/drawing/2014/main" id="{EFB2BB83-F5ED-3F44-81B3-60A9FC92659F}"/>
               </a:ext>
             </a:extLst>
           </p:cNvPr>
@@ -5591,7 +5667,7 @@
         </p:nvSpPr>
         <p:spPr>
           <a:xfrm>
-            <a:off x="8143621" y="1801353"/>
+            <a:off x="8119054" y="2201030"/>
             <a:ext cx="916221" cy="733215"/>
           </a:xfrm>
           <a:prstGeom prst="rect">
@@ -5654,18 +5730,21 @@
           <a:p>
             <a:pPr algn="ctr"/>
             <a:r>
-              <a:rPr lang="en-US" dirty="0"/>
-              <a:t>40x</a:t>
-            </a:r>
-          </a:p>
-        </p:txBody>
-      </p:sp>
-      <p:sp>
-        <p:nvSpPr>
-          <p:cNvPr id="8" name="Trapezoid 7">
-            <a:extLst>
-              <a:ext uri="{FF2B5EF4-FFF2-40B4-BE49-F238E27FC236}">
-                <a16:creationId xmlns:a16="http://schemas.microsoft.com/office/drawing/2014/main" id="{9F015642-3AD3-FA46-933A-6A2141E814A6}"/>
+              <a:rPr lang="en-US" sz="1400" dirty="0">
+                <a:latin typeface="Arial" panose="020B0604020202020204" pitchFamily="34" charset="0"/>
+                <a:cs typeface="Arial" panose="020B0604020202020204" pitchFamily="34" charset="0"/>
+              </a:rPr>
+              <a:t>40X Water</a:t>
+            </a:r>
+          </a:p>
+        </p:txBody>
+      </p:sp>
+      <p:sp>
+        <p:nvSpPr>
+          <p:cNvPr id="17" name="Trapezoid 16">
+            <a:extLst>
+              <a:ext uri="{FF2B5EF4-FFF2-40B4-BE49-F238E27FC236}">
+                <a16:creationId xmlns:a16="http://schemas.microsoft.com/office/drawing/2014/main" id="{1A4DAC89-3994-554B-ABE9-28B9FFF6C063}"/>
               </a:ext>
             </a:extLst>
           </p:cNvPr>
@@ -5674,7 +5753,7 @@
         </p:nvSpPr>
         <p:spPr>
           <a:xfrm>
-            <a:off x="8143621" y="1389369"/>
+            <a:off x="8119054" y="1789046"/>
             <a:ext cx="916221" cy="412861"/>
           </a:xfrm>
           <a:prstGeom prst="trapezoid">
@@ -5738,16 +5817,19 @@
           <a:lstStyle/>
           <a:p>
             <a:pPr algn="ctr"/>
-            <a:endParaRPr lang="en-US"/>
-          </a:p>
-        </p:txBody>
-      </p:sp>
-      <p:sp>
-        <p:nvSpPr>
-          <p:cNvPr id="11" name="Rectangle 10">
-            <a:extLst>
-              <a:ext uri="{FF2B5EF4-FFF2-40B4-BE49-F238E27FC236}">
-                <a16:creationId xmlns:a16="http://schemas.microsoft.com/office/drawing/2014/main" id="{15117971-81A8-1A49-BDB6-A4F2AD81EF3C}"/>
+            <a:endParaRPr lang="en-US" sz="1600">
+              <a:latin typeface="Arial" panose="020B0604020202020204" pitchFamily="34" charset="0"/>
+              <a:cs typeface="Arial" panose="020B0604020202020204" pitchFamily="34" charset="0"/>
+            </a:endParaRPr>
+          </a:p>
+        </p:txBody>
+      </p:sp>
+      <p:sp>
+        <p:nvSpPr>
+          <p:cNvPr id="18" name="Rectangle 17">
+            <a:extLst>
+              <a:ext uri="{FF2B5EF4-FFF2-40B4-BE49-F238E27FC236}">
+                <a16:creationId xmlns:a16="http://schemas.microsoft.com/office/drawing/2014/main" id="{EAB4E83A-E37D-964A-8EB8-C880B1A0F3F4}"/>
               </a:ext>
             </a:extLst>
           </p:cNvPr>
@@ -5756,7 +5838,7 @@
         </p:nvSpPr>
         <p:spPr>
           <a:xfrm>
-            <a:off x="8813900" y="715838"/>
+            <a:off x="8789333" y="1115515"/>
             <a:ext cx="638798" cy="45719"/>
           </a:xfrm>
           <a:prstGeom prst="rect">
@@ -5790,16 +5872,19 @@
           <a:lstStyle/>
           <a:p>
             <a:pPr algn="ctr"/>
-            <a:endParaRPr lang="en-US"/>
-          </a:p>
-        </p:txBody>
-      </p:sp>
-      <p:sp>
-        <p:nvSpPr>
-          <p:cNvPr id="16" name="Rectangle 15">
-            <a:extLst>
-              <a:ext uri="{FF2B5EF4-FFF2-40B4-BE49-F238E27FC236}">
-                <a16:creationId xmlns:a16="http://schemas.microsoft.com/office/drawing/2014/main" id="{82C924B5-3628-1B40-9235-1C7709270D5C}"/>
+            <a:endParaRPr lang="en-US" sz="1600">
+              <a:latin typeface="Arial" panose="020B0604020202020204" pitchFamily="34" charset="0"/>
+              <a:cs typeface="Arial" panose="020B0604020202020204" pitchFamily="34" charset="0"/>
+            </a:endParaRPr>
+          </a:p>
+        </p:txBody>
+      </p:sp>
+      <p:sp>
+        <p:nvSpPr>
+          <p:cNvPr id="19" name="Rectangle 18">
+            <a:extLst>
+              <a:ext uri="{FF2B5EF4-FFF2-40B4-BE49-F238E27FC236}">
+                <a16:creationId xmlns:a16="http://schemas.microsoft.com/office/drawing/2014/main" id="{2F0328AE-9154-664B-AE06-4C39E359BCE4}"/>
               </a:ext>
             </a:extLst>
           </p:cNvPr>
@@ -5808,7 +5893,7 @@
         </p:nvSpPr>
         <p:spPr>
           <a:xfrm rot="8847514">
-            <a:off x="7961472" y="3890813"/>
+            <a:off x="7936905" y="4072770"/>
             <a:ext cx="1333915" cy="111401"/>
           </a:xfrm>
           <a:prstGeom prst="rect">
@@ -5844,16 +5929,19 @@
           <a:lstStyle/>
           <a:p>
             <a:pPr algn="ctr"/>
-            <a:endParaRPr lang="en-US"/>
-          </a:p>
-        </p:txBody>
-      </p:sp>
-      <p:sp>
-        <p:nvSpPr>
-          <p:cNvPr id="2" name="Rectangle 1">
-            <a:extLst>
-              <a:ext uri="{FF2B5EF4-FFF2-40B4-BE49-F238E27FC236}">
-                <a16:creationId xmlns:a16="http://schemas.microsoft.com/office/drawing/2014/main" id="{C922B9A0-DC25-D748-B5A7-1E0633EB98F7}"/>
+            <a:endParaRPr lang="en-US" sz="1600">
+              <a:latin typeface="Arial" panose="020B0604020202020204" pitchFamily="34" charset="0"/>
+              <a:cs typeface="Arial" panose="020B0604020202020204" pitchFamily="34" charset="0"/>
+            </a:endParaRPr>
+          </a:p>
+        </p:txBody>
+      </p:sp>
+      <p:sp>
+        <p:nvSpPr>
+          <p:cNvPr id="20" name="Rectangle 19">
+            <a:extLst>
+              <a:ext uri="{FF2B5EF4-FFF2-40B4-BE49-F238E27FC236}">
+                <a16:creationId xmlns:a16="http://schemas.microsoft.com/office/drawing/2014/main" id="{75D17392-A98F-6F4B-87E6-75F3C511E628}"/>
               </a:ext>
             </a:extLst>
           </p:cNvPr>
@@ -5862,7 +5950,7 @@
         </p:nvSpPr>
         <p:spPr>
           <a:xfrm>
-            <a:off x="6175703" y="3463502"/>
+            <a:off x="6151136" y="3645459"/>
             <a:ext cx="1184420" cy="693683"/>
           </a:xfrm>
           <a:prstGeom prst="rect">
@@ -5894,7 +5982,10 @@
           <a:p>
             <a:pPr algn="ctr"/>
             <a:r>
-              <a:rPr lang="en-US" dirty="0"/>
+              <a:rPr lang="en-US" sz="1600" dirty="0">
+                <a:latin typeface="Arial" panose="020B0604020202020204" pitchFamily="34" charset="0"/>
+                <a:cs typeface="Arial" panose="020B0604020202020204" pitchFamily="34" charset="0"/>
+              </a:rPr>
               <a:t>LED</a:t>
             </a:r>
           </a:p>
@@ -5902,10 +5993,10 @@
       </p:sp>
       <p:sp>
         <p:nvSpPr>
-          <p:cNvPr id="23" name="TextBox 22">
-            <a:extLst>
-              <a:ext uri="{FF2B5EF4-FFF2-40B4-BE49-F238E27FC236}">
-                <a16:creationId xmlns:a16="http://schemas.microsoft.com/office/drawing/2014/main" id="{78E6BDF4-8515-644B-902F-C00FE2696A65}"/>
+          <p:cNvPr id="21" name="TextBox 20">
+            <a:extLst>
+              <a:ext uri="{FF2B5EF4-FFF2-40B4-BE49-F238E27FC236}">
+                <a16:creationId xmlns:a16="http://schemas.microsoft.com/office/drawing/2014/main" id="{745F9336-CF14-D144-8D32-C9A41289854E}"/>
               </a:ext>
             </a:extLst>
           </p:cNvPr>
@@ -5914,8 +6005,8 @@
         </p:nvSpPr>
         <p:spPr>
           <a:xfrm>
-            <a:off x="9357663" y="3382788"/>
-            <a:ext cx="524503" cy="369332"/>
+            <a:off x="9333096" y="3564745"/>
+            <a:ext cx="503664" cy="338554"/>
           </a:xfrm>
           <a:prstGeom prst="rect">
             <a:avLst/>
@@ -5929,7 +6020,10 @@
           <a:lstStyle/>
           <a:p>
             <a:r>
-              <a:rPr lang="en-US" dirty="0"/>
+              <a:rPr lang="en-US" sz="1600" dirty="0">
+                <a:latin typeface="Arial" panose="020B0604020202020204" pitchFamily="34" charset="0"/>
+                <a:cs typeface="Arial" panose="020B0604020202020204" pitchFamily="34" charset="0"/>
+              </a:rPr>
               <a:t>DM</a:t>
             </a:r>
           </a:p>
@@ -5937,10 +6031,10 @@
       </p:sp>
       <p:sp>
         <p:nvSpPr>
-          <p:cNvPr id="20" name="Cube 19">
-            <a:extLst>
-              <a:ext uri="{FF2B5EF4-FFF2-40B4-BE49-F238E27FC236}">
-                <a16:creationId xmlns:a16="http://schemas.microsoft.com/office/drawing/2014/main" id="{6D84E45C-ABE9-2345-B971-B154F8DA82D7}"/>
+          <p:cNvPr id="22" name="Cube 21">
+            <a:extLst>
+              <a:ext uri="{FF2B5EF4-FFF2-40B4-BE49-F238E27FC236}">
+                <a16:creationId xmlns:a16="http://schemas.microsoft.com/office/drawing/2014/main" id="{CEA52838-1325-F947-9861-E321AF182163}"/>
               </a:ext>
             </a:extLst>
           </p:cNvPr>
@@ -5949,7 +6043,7 @@
         </p:nvSpPr>
         <p:spPr>
           <a:xfrm rot="16200000">
-            <a:off x="10038622" y="4835315"/>
+            <a:off x="10014055" y="5017272"/>
             <a:ext cx="745449" cy="1128176"/>
           </a:xfrm>
           <a:prstGeom prst="cube">
@@ -5989,16 +6083,19 @@
           <a:lstStyle/>
           <a:p>
             <a:pPr algn="ctr"/>
-            <a:endParaRPr lang="en-US" dirty="0"/>
-          </a:p>
-        </p:txBody>
-      </p:sp>
-      <p:sp>
-        <p:nvSpPr>
-          <p:cNvPr id="22" name="Can 21">
-            <a:extLst>
-              <a:ext uri="{FF2B5EF4-FFF2-40B4-BE49-F238E27FC236}">
-                <a16:creationId xmlns:a16="http://schemas.microsoft.com/office/drawing/2014/main" id="{E927A3E9-5489-E440-842E-1928060450FE}"/>
+            <a:endParaRPr lang="en-US" sz="1600" dirty="0">
+              <a:latin typeface="Arial" panose="020B0604020202020204" pitchFamily="34" charset="0"/>
+              <a:cs typeface="Arial" panose="020B0604020202020204" pitchFamily="34" charset="0"/>
+            </a:endParaRPr>
+          </a:p>
+        </p:txBody>
+      </p:sp>
+      <p:sp>
+        <p:nvSpPr>
+          <p:cNvPr id="23" name="Can 22">
+            <a:extLst>
+              <a:ext uri="{FF2B5EF4-FFF2-40B4-BE49-F238E27FC236}">
+                <a16:creationId xmlns:a16="http://schemas.microsoft.com/office/drawing/2014/main" id="{68116C15-ADBE-9E43-BDBA-001EA1C7373B}"/>
               </a:ext>
             </a:extLst>
           </p:cNvPr>
@@ -6007,7 +6104,7 @@
         </p:nvSpPr>
         <p:spPr>
           <a:xfrm rot="16200000">
-            <a:off x="9597507" y="5234103"/>
+            <a:off x="9572940" y="5416060"/>
             <a:ext cx="452050" cy="315257"/>
           </a:xfrm>
           <a:prstGeom prst="can">
@@ -6047,16 +6144,19 @@
           <a:lstStyle/>
           <a:p>
             <a:pPr algn="ctr"/>
-            <a:endParaRPr lang="en-US"/>
-          </a:p>
-        </p:txBody>
-      </p:sp>
-      <p:sp>
-        <p:nvSpPr>
-          <p:cNvPr id="25" name="Oval 24">
-            <a:extLst>
-              <a:ext uri="{FF2B5EF4-FFF2-40B4-BE49-F238E27FC236}">
-                <a16:creationId xmlns:a16="http://schemas.microsoft.com/office/drawing/2014/main" id="{69866FAD-D0E2-3047-9A1C-F6510A9EAEE3}"/>
+            <a:endParaRPr lang="en-US" sz="1600">
+              <a:latin typeface="Arial" panose="020B0604020202020204" pitchFamily="34" charset="0"/>
+              <a:cs typeface="Arial" panose="020B0604020202020204" pitchFamily="34" charset="0"/>
+            </a:endParaRPr>
+          </a:p>
+        </p:txBody>
+      </p:sp>
+      <p:sp>
+        <p:nvSpPr>
+          <p:cNvPr id="24" name="Oval 23">
+            <a:extLst>
+              <a:ext uri="{FF2B5EF4-FFF2-40B4-BE49-F238E27FC236}">
+                <a16:creationId xmlns:a16="http://schemas.microsoft.com/office/drawing/2014/main" id="{520A8D96-A337-3541-A1B4-9B88A2553E80}"/>
               </a:ext>
             </a:extLst>
           </p:cNvPr>
@@ -6065,7 +6165,7 @@
         </p:nvSpPr>
         <p:spPr>
           <a:xfrm rot="16200000">
-            <a:off x="9568739" y="5383099"/>
+            <a:off x="9544172" y="5565056"/>
             <a:ext cx="294185" cy="45719"/>
           </a:xfrm>
           <a:prstGeom prst="ellipse">
@@ -6093,16 +6193,19 @@
           <a:lstStyle/>
           <a:p>
             <a:pPr algn="ctr"/>
-            <a:endParaRPr lang="en-US"/>
-          </a:p>
-        </p:txBody>
-      </p:sp>
-      <p:sp>
-        <p:nvSpPr>
-          <p:cNvPr id="26" name="TextBox 25">
-            <a:extLst>
-              <a:ext uri="{FF2B5EF4-FFF2-40B4-BE49-F238E27FC236}">
-                <a16:creationId xmlns:a16="http://schemas.microsoft.com/office/drawing/2014/main" id="{246DFF53-3018-FF45-AD30-84B6936F3AF1}"/>
+            <a:endParaRPr lang="en-US" sz="1600">
+              <a:latin typeface="Arial" panose="020B0604020202020204" pitchFamily="34" charset="0"/>
+              <a:cs typeface="Arial" panose="020B0604020202020204" pitchFamily="34" charset="0"/>
+            </a:endParaRPr>
+          </a:p>
+        </p:txBody>
+      </p:sp>
+      <p:sp>
+        <p:nvSpPr>
+          <p:cNvPr id="25" name="TextBox 24">
+            <a:extLst>
+              <a:ext uri="{FF2B5EF4-FFF2-40B4-BE49-F238E27FC236}">
+                <a16:creationId xmlns:a16="http://schemas.microsoft.com/office/drawing/2014/main" id="{6F26841D-1B09-5947-B745-91B3CAC5A385}"/>
               </a:ext>
             </a:extLst>
           </p:cNvPr>
@@ -6111,8 +6214,8 @@
         </p:nvSpPr>
         <p:spPr>
           <a:xfrm>
-            <a:off x="10114320" y="5316307"/>
-            <a:ext cx="772968" cy="369332"/>
+            <a:off x="9989252" y="5498264"/>
+            <a:ext cx="1060046" cy="338554"/>
           </a:xfrm>
           <a:prstGeom prst="rect">
             <a:avLst/>
@@ -6126,22 +6229,24 @@
           <a:lstStyle/>
           <a:p>
             <a:r>
-              <a:rPr lang="en-US" dirty="0">
+              <a:rPr lang="en-US" sz="1600" dirty="0">
                 <a:solidFill>
                   <a:schemeClr val="bg1"/>
                 </a:solidFill>
+                <a:latin typeface="Arial" panose="020B0604020202020204" pitchFamily="34" charset="0"/>
+                <a:cs typeface="Arial" panose="020B0604020202020204" pitchFamily="34" charset="0"/>
               </a:rPr>
-              <a:t>CMOS</a:t>
-            </a:r>
-          </a:p>
-        </p:txBody>
-      </p:sp>
-      <p:sp>
-        <p:nvSpPr>
-          <p:cNvPr id="31" name="Rectangle 30">
-            <a:extLst>
-              <a:ext uri="{FF2B5EF4-FFF2-40B4-BE49-F238E27FC236}">
-                <a16:creationId xmlns:a16="http://schemas.microsoft.com/office/drawing/2014/main" id="{BE0EB561-7BF1-7C4E-8458-135AEC064B35}"/>
+              <a:t>Detector</a:t>
+            </a:r>
+          </a:p>
+        </p:txBody>
+      </p:sp>
+      <p:sp>
+        <p:nvSpPr>
+          <p:cNvPr id="26" name="Rectangle 25">
+            <a:extLst>
+              <a:ext uri="{FF2B5EF4-FFF2-40B4-BE49-F238E27FC236}">
+                <a16:creationId xmlns:a16="http://schemas.microsoft.com/office/drawing/2014/main" id="{9CDA666A-F7E7-4A47-9857-CF8B14D33A84}"/>
               </a:ext>
             </a:extLst>
           </p:cNvPr>
@@ -6150,7 +6255,7 @@
         </p:nvSpPr>
         <p:spPr>
           <a:xfrm rot="13091830">
-            <a:off x="7905869" y="5423827"/>
+            <a:off x="7881302" y="5605784"/>
             <a:ext cx="1333915" cy="111401"/>
           </a:xfrm>
           <a:prstGeom prst="rect">
@@ -6186,16 +6291,19 @@
           <a:lstStyle/>
           <a:p>
             <a:pPr algn="ctr"/>
-            <a:endParaRPr lang="en-US"/>
+            <a:endParaRPr lang="en-US" sz="1600">
+              <a:latin typeface="Arial" panose="020B0604020202020204" pitchFamily="34" charset="0"/>
+              <a:cs typeface="Arial" panose="020B0604020202020204" pitchFamily="34" charset="0"/>
+            </a:endParaRPr>
           </a:p>
         </p:txBody>
       </p:sp>
       <p:cxnSp>
         <p:nvCxnSpPr>
-          <p:cNvPr id="33" name="Straight Connector 32">
-            <a:extLst>
-              <a:ext uri="{FF2B5EF4-FFF2-40B4-BE49-F238E27FC236}">
-                <a16:creationId xmlns:a16="http://schemas.microsoft.com/office/drawing/2014/main" id="{357A58D1-42EB-EB46-BA33-0B7C92F0BDFB}"/>
+          <p:cNvPr id="27" name="Straight Connector 26">
+            <a:extLst>
+              <a:ext uri="{FF2B5EF4-FFF2-40B4-BE49-F238E27FC236}">
+                <a16:creationId xmlns:a16="http://schemas.microsoft.com/office/drawing/2014/main" id="{6423A408-4107-7141-AAD7-05D94371E0B5}"/>
               </a:ext>
             </a:extLst>
           </p:cNvPr>
@@ -6206,7 +6314,7 @@
         </p:nvCxnSpPr>
         <p:spPr>
           <a:xfrm>
-            <a:off x="7725104" y="6175325"/>
+            <a:off x="7700537" y="6357282"/>
             <a:ext cx="3544621" cy="0"/>
           </a:xfrm>
           <a:prstGeom prst="line">
@@ -6235,10 +6343,10 @@
       </p:cxnSp>
       <p:cxnSp>
         <p:nvCxnSpPr>
-          <p:cNvPr id="37" name="Straight Connector 36">
-            <a:extLst>
-              <a:ext uri="{FF2B5EF4-FFF2-40B4-BE49-F238E27FC236}">
-                <a16:creationId xmlns:a16="http://schemas.microsoft.com/office/drawing/2014/main" id="{E7FB8AA2-2794-4443-8C74-D977293BABC2}"/>
+          <p:cNvPr id="28" name="Straight Connector 27">
+            <a:extLst>
+              <a:ext uri="{FF2B5EF4-FFF2-40B4-BE49-F238E27FC236}">
+                <a16:creationId xmlns:a16="http://schemas.microsoft.com/office/drawing/2014/main" id="{BB1E56EB-4387-964E-B51A-59208343A799}"/>
               </a:ext>
             </a:extLst>
           </p:cNvPr>
@@ -6249,7 +6357,7 @@
         </p:nvCxnSpPr>
         <p:spPr>
           <a:xfrm>
-            <a:off x="11280235" y="5482075"/>
+            <a:off x="11255668" y="5664032"/>
             <a:ext cx="0" cy="693250"/>
           </a:xfrm>
           <a:prstGeom prst="line">
@@ -6278,22 +6386,22 @@
       </p:cxnSp>
       <p:cxnSp>
         <p:nvCxnSpPr>
-          <p:cNvPr id="38" name="Straight Connector 37">
-            <a:extLst>
-              <a:ext uri="{FF2B5EF4-FFF2-40B4-BE49-F238E27FC236}">
-                <a16:creationId xmlns:a16="http://schemas.microsoft.com/office/drawing/2014/main" id="{27706357-277C-6449-98AC-3F384F3613F4}"/>
+          <p:cNvPr id="29" name="Straight Connector 28">
+            <a:extLst>
+              <a:ext uri="{FF2B5EF4-FFF2-40B4-BE49-F238E27FC236}">
+                <a16:creationId xmlns:a16="http://schemas.microsoft.com/office/drawing/2014/main" id="{1FE53EA5-E272-344A-938B-C46B39AEE17E}"/>
               </a:ext>
             </a:extLst>
           </p:cNvPr>
           <p:cNvCxnSpPr>
             <a:cxnSpLocks/>
-            <a:stCxn id="20" idx="3"/>
+            <a:stCxn id="22" idx="3"/>
           </p:cNvCxnSpPr>
           <p:nvPr/>
         </p:nvCxnSpPr>
         <p:spPr>
           <a:xfrm>
-            <a:off x="10975435" y="5492585"/>
+            <a:off x="10950868" y="5674542"/>
             <a:ext cx="304800" cy="0"/>
           </a:xfrm>
           <a:prstGeom prst="line">
@@ -6302,6 +6410,542 @@
           <a:ln w="28575">
             <a:solidFill>
               <a:srgbClr val="FF0000"/>
+            </a:solidFill>
+          </a:ln>
+        </p:spPr>
+        <p:style>
+          <a:lnRef idx="1">
+            <a:schemeClr val="dk1"/>
+          </a:lnRef>
+          <a:fillRef idx="0">
+            <a:schemeClr val="dk1"/>
+          </a:fillRef>
+          <a:effectRef idx="0">
+            <a:schemeClr val="dk1"/>
+          </a:effectRef>
+          <a:fontRef idx="minor">
+            <a:schemeClr val="tx1"/>
+          </a:fontRef>
+        </p:style>
+      </p:cxnSp>
+      <p:cxnSp>
+        <p:nvCxnSpPr>
+          <p:cNvPr id="30" name="Straight Connector 29">
+            <a:extLst>
+              <a:ext uri="{FF2B5EF4-FFF2-40B4-BE49-F238E27FC236}">
+                <a16:creationId xmlns:a16="http://schemas.microsoft.com/office/drawing/2014/main" id="{C4979A5D-09AB-4942-8FEA-4E409EFF11B0}"/>
+              </a:ext>
+            </a:extLst>
+          </p:cNvPr>
+          <p:cNvCxnSpPr>
+            <a:cxnSpLocks/>
+          </p:cNvCxnSpPr>
+          <p:nvPr/>
+        </p:nvCxnSpPr>
+        <p:spPr>
+          <a:xfrm>
+            <a:off x="7711047" y="4722110"/>
+            <a:ext cx="0" cy="1635172"/>
+          </a:xfrm>
+          <a:prstGeom prst="line">
+            <a:avLst/>
+          </a:prstGeom>
+          <a:ln w="28575">
+            <a:solidFill>
+              <a:srgbClr val="FF0000"/>
+            </a:solidFill>
+          </a:ln>
+        </p:spPr>
+        <p:style>
+          <a:lnRef idx="1">
+            <a:schemeClr val="dk1"/>
+          </a:lnRef>
+          <a:fillRef idx="0">
+            <a:schemeClr val="dk1"/>
+          </a:fillRef>
+          <a:effectRef idx="0">
+            <a:schemeClr val="dk1"/>
+          </a:effectRef>
+          <a:fontRef idx="minor">
+            <a:schemeClr val="tx1"/>
+          </a:fontRef>
+        </p:style>
+      </p:cxnSp>
+      <p:cxnSp>
+        <p:nvCxnSpPr>
+          <p:cNvPr id="31" name="Straight Connector 30">
+            <a:extLst>
+              <a:ext uri="{FF2B5EF4-FFF2-40B4-BE49-F238E27FC236}">
+                <a16:creationId xmlns:a16="http://schemas.microsoft.com/office/drawing/2014/main" id="{51546FF5-B1E0-7745-AC2E-EBBF34F7F352}"/>
+              </a:ext>
+            </a:extLst>
+          </p:cNvPr>
+          <p:cNvCxnSpPr>
+            <a:cxnSpLocks/>
+          </p:cNvCxnSpPr>
+          <p:nvPr/>
+        </p:nvCxnSpPr>
+        <p:spPr>
+          <a:xfrm>
+            <a:off x="7136666" y="4732620"/>
+            <a:ext cx="574381" cy="0"/>
+          </a:xfrm>
+          <a:prstGeom prst="line">
+            <a:avLst/>
+          </a:prstGeom>
+          <a:ln w="28575">
+            <a:solidFill>
+              <a:srgbClr val="FF0000"/>
+            </a:solidFill>
+          </a:ln>
+        </p:spPr>
+        <p:style>
+          <a:lnRef idx="1">
+            <a:schemeClr val="dk1"/>
+          </a:lnRef>
+          <a:fillRef idx="0">
+            <a:schemeClr val="dk1"/>
+          </a:fillRef>
+          <a:effectRef idx="0">
+            <a:schemeClr val="dk1"/>
+          </a:effectRef>
+          <a:fontRef idx="minor">
+            <a:schemeClr val="tx1"/>
+          </a:fontRef>
+        </p:style>
+      </p:cxnSp>
+      <p:cxnSp>
+        <p:nvCxnSpPr>
+          <p:cNvPr id="32" name="Straight Connector 31">
+            <a:extLst>
+              <a:ext uri="{FF2B5EF4-FFF2-40B4-BE49-F238E27FC236}">
+                <a16:creationId xmlns:a16="http://schemas.microsoft.com/office/drawing/2014/main" id="{2EFF6FD8-A84C-BF45-8E51-81A9D50FEE53}"/>
+              </a:ext>
+            </a:extLst>
+          </p:cNvPr>
+          <p:cNvCxnSpPr>
+            <a:cxnSpLocks/>
+          </p:cNvCxnSpPr>
+          <p:nvPr/>
+        </p:nvCxnSpPr>
+        <p:spPr>
+          <a:xfrm flipH="1">
+            <a:off x="7141921" y="4725888"/>
+            <a:ext cx="1" cy="182004"/>
+          </a:xfrm>
+          <a:prstGeom prst="line">
+            <a:avLst/>
+          </a:prstGeom>
+          <a:ln w="28575">
+            <a:solidFill>
+              <a:srgbClr val="FF0000"/>
+            </a:solidFill>
+          </a:ln>
+        </p:spPr>
+        <p:style>
+          <a:lnRef idx="1">
+            <a:schemeClr val="dk1"/>
+          </a:lnRef>
+          <a:fillRef idx="0">
+            <a:schemeClr val="dk1"/>
+          </a:fillRef>
+          <a:effectRef idx="0">
+            <a:schemeClr val="dk1"/>
+          </a:effectRef>
+          <a:fontRef idx="minor">
+            <a:schemeClr val="tx1"/>
+          </a:fontRef>
+        </p:style>
+      </p:cxnSp>
+      <p:cxnSp>
+        <p:nvCxnSpPr>
+          <p:cNvPr id="33" name="Straight Connector 32">
+            <a:extLst>
+              <a:ext uri="{FF2B5EF4-FFF2-40B4-BE49-F238E27FC236}">
+                <a16:creationId xmlns:a16="http://schemas.microsoft.com/office/drawing/2014/main" id="{1D0E000C-E7EA-1846-AD2E-D1074B59294B}"/>
+              </a:ext>
+            </a:extLst>
+          </p:cNvPr>
+          <p:cNvCxnSpPr>
+            <a:cxnSpLocks/>
+          </p:cNvCxnSpPr>
+          <p:nvPr/>
+        </p:nvCxnSpPr>
+        <p:spPr>
+          <a:xfrm flipH="1">
+            <a:off x="5753385" y="4732620"/>
+            <a:ext cx="1217255" cy="0"/>
+          </a:xfrm>
+          <a:prstGeom prst="line">
+            <a:avLst/>
+          </a:prstGeom>
+          <a:ln>
+            <a:solidFill>
+              <a:srgbClr val="0D26E4"/>
+            </a:solidFill>
+          </a:ln>
+        </p:spPr>
+        <p:style>
+          <a:lnRef idx="3">
+            <a:schemeClr val="accent1"/>
+          </a:lnRef>
+          <a:fillRef idx="0">
+            <a:schemeClr val="accent1"/>
+          </a:fillRef>
+          <a:effectRef idx="2">
+            <a:schemeClr val="accent1"/>
+          </a:effectRef>
+          <a:fontRef idx="minor">
+            <a:schemeClr val="tx1"/>
+          </a:fontRef>
+        </p:style>
+      </p:cxnSp>
+      <p:cxnSp>
+        <p:nvCxnSpPr>
+          <p:cNvPr id="34" name="Straight Connector 33">
+            <a:extLst>
+              <a:ext uri="{FF2B5EF4-FFF2-40B4-BE49-F238E27FC236}">
+                <a16:creationId xmlns:a16="http://schemas.microsoft.com/office/drawing/2014/main" id="{75498C26-0420-C443-9D4D-7F2ABC3B2479}"/>
+              </a:ext>
+            </a:extLst>
+          </p:cNvPr>
+          <p:cNvCxnSpPr>
+            <a:cxnSpLocks/>
+          </p:cNvCxnSpPr>
+          <p:nvPr/>
+        </p:nvCxnSpPr>
+        <p:spPr>
+          <a:xfrm flipH="1">
+            <a:off x="6975895" y="4725888"/>
+            <a:ext cx="2" cy="182004"/>
+          </a:xfrm>
+          <a:prstGeom prst="line">
+            <a:avLst/>
+          </a:prstGeom>
+          <a:ln>
+            <a:solidFill>
+              <a:srgbClr val="0D26E4"/>
+            </a:solidFill>
+          </a:ln>
+        </p:spPr>
+        <p:style>
+          <a:lnRef idx="3">
+            <a:schemeClr val="accent1"/>
+          </a:lnRef>
+          <a:fillRef idx="0">
+            <a:schemeClr val="accent1"/>
+          </a:fillRef>
+          <a:effectRef idx="2">
+            <a:schemeClr val="accent1"/>
+          </a:effectRef>
+          <a:fontRef idx="minor">
+            <a:schemeClr val="tx1"/>
+          </a:fontRef>
+        </p:style>
+      </p:cxnSp>
+      <p:cxnSp>
+        <p:nvCxnSpPr>
+          <p:cNvPr id="35" name="Straight Connector 34">
+            <a:extLst>
+              <a:ext uri="{FF2B5EF4-FFF2-40B4-BE49-F238E27FC236}">
+                <a16:creationId xmlns:a16="http://schemas.microsoft.com/office/drawing/2014/main" id="{1AEA03F5-3DC6-1A4A-A075-93D5199310F7}"/>
+              </a:ext>
+            </a:extLst>
+          </p:cNvPr>
+          <p:cNvCxnSpPr>
+            <a:cxnSpLocks/>
+          </p:cNvCxnSpPr>
+          <p:nvPr/>
+        </p:nvCxnSpPr>
+        <p:spPr>
+          <a:xfrm>
+            <a:off x="5753385" y="3976117"/>
+            <a:ext cx="0" cy="765036"/>
+          </a:xfrm>
+          <a:prstGeom prst="line">
+            <a:avLst/>
+          </a:prstGeom>
+          <a:ln>
+            <a:solidFill>
+              <a:srgbClr val="0D26E4"/>
+            </a:solidFill>
+          </a:ln>
+        </p:spPr>
+        <p:style>
+          <a:lnRef idx="3">
+            <a:schemeClr val="accent1"/>
+          </a:lnRef>
+          <a:fillRef idx="0">
+            <a:schemeClr val="accent1"/>
+          </a:fillRef>
+          <a:effectRef idx="2">
+            <a:schemeClr val="accent1"/>
+          </a:effectRef>
+          <a:fontRef idx="minor">
+            <a:schemeClr val="tx1"/>
+          </a:fontRef>
+        </p:style>
+      </p:cxnSp>
+      <p:sp>
+        <p:nvSpPr>
+          <p:cNvPr id="36" name="TextBox 35">
+            <a:extLst>
+              <a:ext uri="{FF2B5EF4-FFF2-40B4-BE49-F238E27FC236}">
+                <a16:creationId xmlns:a16="http://schemas.microsoft.com/office/drawing/2014/main" id="{95316EBE-1347-C54C-B810-DFE22FF8ADA0}"/>
+              </a:ext>
+            </a:extLst>
+          </p:cNvPr>
+          <p:cNvSpPr txBox="1"/>
+          <p:nvPr/>
+        </p:nvSpPr>
+        <p:spPr>
+          <a:xfrm>
+            <a:off x="9106857" y="6363287"/>
+            <a:ext cx="960969" cy="276999"/>
+          </a:xfrm>
+          <a:prstGeom prst="rect">
+            <a:avLst/>
+          </a:prstGeom>
+          <a:noFill/>
+        </p:spPr>
+        <p:txBody>
+          <a:bodyPr wrap="none" rtlCol="0">
+            <a:spAutoFit/>
+          </a:bodyPr>
+          <a:lstStyle/>
+          <a:p>
+            <a:r>
+              <a:rPr lang="en-US" sz="1200" dirty="0">
+                <a:latin typeface="Arial" panose="020B0604020202020204" pitchFamily="34" charset="0"/>
+                <a:cs typeface="Arial" panose="020B0604020202020204" pitchFamily="34" charset="0"/>
+              </a:rPr>
+              <a:t>CMOS TTL</a:t>
+            </a:r>
+          </a:p>
+        </p:txBody>
+      </p:sp>
+      <p:sp>
+        <p:nvSpPr>
+          <p:cNvPr id="37" name="TextBox 36">
+            <a:extLst>
+              <a:ext uri="{FF2B5EF4-FFF2-40B4-BE49-F238E27FC236}">
+                <a16:creationId xmlns:a16="http://schemas.microsoft.com/office/drawing/2014/main" id="{B4B03237-E4C9-8045-A217-F9C36F31A308}"/>
+              </a:ext>
+            </a:extLst>
+          </p:cNvPr>
+          <p:cNvSpPr txBox="1"/>
+          <p:nvPr/>
+        </p:nvSpPr>
+        <p:spPr>
+          <a:xfrm rot="16200000">
+            <a:off x="5175953" y="4231096"/>
+            <a:ext cx="840743" cy="276999"/>
+          </a:xfrm>
+          <a:prstGeom prst="rect">
+            <a:avLst/>
+          </a:prstGeom>
+          <a:noFill/>
+        </p:spPr>
+        <p:txBody>
+          <a:bodyPr wrap="none" rtlCol="0">
+            <a:spAutoFit/>
+          </a:bodyPr>
+          <a:lstStyle/>
+          <a:p>
+            <a:r>
+              <a:rPr lang="en-US" sz="1200" dirty="0">
+                <a:latin typeface="Arial" panose="020B0604020202020204" pitchFamily="34" charset="0"/>
+                <a:cs typeface="Arial" panose="020B0604020202020204" pitchFamily="34" charset="0"/>
+              </a:rPr>
+              <a:t>UNO TTL</a:t>
+            </a:r>
+          </a:p>
+        </p:txBody>
+      </p:sp>
+      <p:sp>
+        <p:nvSpPr>
+          <p:cNvPr id="38" name="Rectangle 37">
+            <a:extLst>
+              <a:ext uri="{FF2B5EF4-FFF2-40B4-BE49-F238E27FC236}">
+                <a16:creationId xmlns:a16="http://schemas.microsoft.com/office/drawing/2014/main" id="{76D8A5F4-619F-544D-8177-D65E2F628530}"/>
+              </a:ext>
+            </a:extLst>
+          </p:cNvPr>
+          <p:cNvSpPr/>
+          <p:nvPr/>
+        </p:nvSpPr>
+        <p:spPr>
+          <a:xfrm>
+            <a:off x="8206540" y="754513"/>
+            <a:ext cx="719023" cy="346842"/>
+          </a:xfrm>
+          <a:prstGeom prst="rect">
+            <a:avLst/>
+          </a:prstGeom>
+          <a:ln>
+            <a:solidFill>
+              <a:srgbClr val="FFFF00"/>
+            </a:solidFill>
+          </a:ln>
+        </p:spPr>
+        <p:style>
+          <a:lnRef idx="2">
+            <a:schemeClr val="accent3">
+              <a:shade val="50000"/>
+            </a:schemeClr>
+          </a:lnRef>
+          <a:fillRef idx="1">
+            <a:schemeClr val="accent3"/>
+          </a:fillRef>
+          <a:effectRef idx="0">
+            <a:schemeClr val="accent3"/>
+          </a:effectRef>
+          <a:fontRef idx="minor">
+            <a:schemeClr val="lt1"/>
+          </a:fontRef>
+        </p:style>
+        <p:txBody>
+          <a:bodyPr rtlCol="0" anchor="ctr"/>
+          <a:lstStyle/>
+          <a:p>
+            <a:pPr algn="ctr"/>
+            <a:r>
+              <a:rPr lang="en-US" sz="1600" dirty="0">
+                <a:latin typeface="Arial" panose="020B0604020202020204" pitchFamily="34" charset="0"/>
+                <a:cs typeface="Arial" panose="020B0604020202020204" pitchFamily="34" charset="0"/>
+              </a:rPr>
+              <a:t>PD</a:t>
+            </a:r>
+          </a:p>
+        </p:txBody>
+      </p:sp>
+      <p:sp>
+        <p:nvSpPr>
+          <p:cNvPr id="39" name="Rectangle 38">
+            <a:extLst>
+              <a:ext uri="{FF2B5EF4-FFF2-40B4-BE49-F238E27FC236}">
+                <a16:creationId xmlns:a16="http://schemas.microsoft.com/office/drawing/2014/main" id="{434E60DF-183A-FF4E-88A4-D2E78D8A663A}"/>
+              </a:ext>
+            </a:extLst>
+          </p:cNvPr>
+          <p:cNvSpPr/>
+          <p:nvPr/>
+        </p:nvSpPr>
+        <p:spPr>
+          <a:xfrm>
+            <a:off x="7685809" y="1109984"/>
+            <a:ext cx="638798" cy="45719"/>
+          </a:xfrm>
+          <a:prstGeom prst="rect">
+            <a:avLst/>
+          </a:prstGeom>
+          <a:noFill/>
+          <a:ln>
+            <a:solidFill>
+              <a:schemeClr val="tx1"/>
+            </a:solidFill>
+          </a:ln>
+        </p:spPr>
+        <p:style>
+          <a:lnRef idx="2">
+            <a:schemeClr val="accent1">
+              <a:shade val="50000"/>
+            </a:schemeClr>
+          </a:lnRef>
+          <a:fillRef idx="1">
+            <a:schemeClr val="accent1"/>
+          </a:fillRef>
+          <a:effectRef idx="0">
+            <a:schemeClr val="accent1"/>
+          </a:effectRef>
+          <a:fontRef idx="minor">
+            <a:schemeClr val="lt1"/>
+          </a:fontRef>
+        </p:style>
+        <p:txBody>
+          <a:bodyPr rtlCol="0" anchor="ctr"/>
+          <a:lstStyle/>
+          <a:p>
+            <a:pPr algn="ctr"/>
+            <a:endParaRPr lang="en-US" sz="1600">
+              <a:latin typeface="Arial" panose="020B0604020202020204" pitchFamily="34" charset="0"/>
+              <a:cs typeface="Arial" panose="020B0604020202020204" pitchFamily="34" charset="0"/>
+            </a:endParaRPr>
+          </a:p>
+        </p:txBody>
+      </p:sp>
+      <p:pic>
+        <p:nvPicPr>
+          <p:cNvPr id="40" name="Picture 6" descr="PC Clip Art - ClipArt Best">
+            <a:extLst>
+              <a:ext uri="{FF2B5EF4-FFF2-40B4-BE49-F238E27FC236}">
+                <a16:creationId xmlns:a16="http://schemas.microsoft.com/office/drawing/2014/main" id="{7592DE30-9CA6-BA49-A927-E0CA8647B336}"/>
+              </a:ext>
+            </a:extLst>
+          </p:cNvPr>
+          <p:cNvPicPr>
+            <a:picLocks noChangeAspect="1" noChangeArrowheads="1"/>
+          </p:cNvPicPr>
+          <p:nvPr/>
+        </p:nvPicPr>
+        <p:blipFill>
+          <a:blip r:embed="rId3">
+            <a:extLst>
+              <a:ext uri="{28A0092B-C50C-407E-A947-70E740481C1C}">
+                <a14:useLocalDpi xmlns:a14="http://schemas.microsoft.com/office/drawing/2010/main" val="0"/>
+              </a:ext>
+            </a:extLst>
+          </a:blip>
+          <a:srcRect/>
+          <a:stretch>
+            <a:fillRect/>
+          </a:stretch>
+        </p:blipFill>
+        <p:spPr bwMode="auto">
+          <a:xfrm>
+            <a:off x="10241081" y="3814173"/>
+            <a:ext cx="948815" cy="948815"/>
+          </a:xfrm>
+          <a:prstGeom prst="rect">
+            <a:avLst/>
+          </a:prstGeom>
+          <a:noFill/>
+          <a:extLst>
+            <a:ext uri="{909E8E84-426E-40DD-AFC4-6F175D3DCCD1}">
+              <a14:hiddenFill xmlns:a14="http://schemas.microsoft.com/office/drawing/2010/main">
+                <a:solidFill>
+                  <a:srgbClr val="FFFFFF"/>
+                </a:solidFill>
+              </a14:hiddenFill>
+            </a:ext>
+          </a:extLst>
+        </p:spPr>
+      </p:pic>
+      <p:cxnSp>
+        <p:nvCxnSpPr>
+          <p:cNvPr id="41" name="Straight Connector 40">
+            <a:extLst>
+              <a:ext uri="{FF2B5EF4-FFF2-40B4-BE49-F238E27FC236}">
+                <a16:creationId xmlns:a16="http://schemas.microsoft.com/office/drawing/2014/main" id="{B4C33415-3217-A141-A546-56E43012C000}"/>
+              </a:ext>
+            </a:extLst>
+          </p:cNvPr>
+          <p:cNvCxnSpPr>
+            <a:cxnSpLocks/>
+          </p:cNvCxnSpPr>
+          <p:nvPr/>
+        </p:nvCxnSpPr>
+        <p:spPr>
+          <a:xfrm>
+            <a:off x="10950868" y="5595226"/>
+            <a:ext cx="304800" cy="0"/>
+          </a:xfrm>
+          <a:prstGeom prst="line">
+            <a:avLst/>
+          </a:prstGeom>
+          <a:ln w="28575">
+            <a:solidFill>
+              <a:srgbClr val="7030A0"/>
             </a:solidFill>
           </a:ln>
         </p:spPr>
@@ -6325,7 +6969,7 @@
           <p:cNvPr id="42" name="Straight Connector 41">
             <a:extLst>
               <a:ext uri="{FF2B5EF4-FFF2-40B4-BE49-F238E27FC236}">
-                <a16:creationId xmlns:a16="http://schemas.microsoft.com/office/drawing/2014/main" id="{09A1B0AD-8F05-9641-B8DE-DCF89D30FDB9}"/>
+                <a16:creationId xmlns:a16="http://schemas.microsoft.com/office/drawing/2014/main" id="{EAFAC102-6767-824C-836B-F3BEE7416F5F}"/>
               </a:ext>
             </a:extLst>
           </p:cNvPr>
@@ -6336,15 +6980,15 @@
         </p:nvCxnSpPr>
         <p:spPr>
           <a:xfrm>
-            <a:off x="7735614" y="4540153"/>
-            <a:ext cx="0" cy="1635172"/>
+            <a:off x="11255668" y="4278174"/>
+            <a:ext cx="0" cy="1309741"/>
           </a:xfrm>
           <a:prstGeom prst="line">
             <a:avLst/>
           </a:prstGeom>
           <a:ln w="28575">
             <a:solidFill>
-              <a:srgbClr val="FF0000"/>
+              <a:srgbClr val="7030A0"/>
             </a:solidFill>
           </a:ln>
         </p:spPr>
@@ -6365,10 +7009,10 @@
       </p:cxnSp>
       <p:cxnSp>
         <p:nvCxnSpPr>
-          <p:cNvPr id="45" name="Straight Connector 44">
-            <a:extLst>
-              <a:ext uri="{FF2B5EF4-FFF2-40B4-BE49-F238E27FC236}">
-                <a16:creationId xmlns:a16="http://schemas.microsoft.com/office/drawing/2014/main" id="{E52436DD-F824-EB47-B9DA-805D22CB6092}"/>
+          <p:cNvPr id="43" name="Straight Connector 42">
+            <a:extLst>
+              <a:ext uri="{FF2B5EF4-FFF2-40B4-BE49-F238E27FC236}">
+                <a16:creationId xmlns:a16="http://schemas.microsoft.com/office/drawing/2014/main" id="{7FA279B0-B5D4-8548-958B-96D69D6B68E9}"/>
               </a:ext>
             </a:extLst>
           </p:cNvPr>
@@ -6379,15 +7023,15 @@
         </p:nvCxnSpPr>
         <p:spPr>
           <a:xfrm>
-            <a:off x="7161233" y="4550663"/>
-            <a:ext cx="574381" cy="0"/>
+            <a:off x="10950868" y="4288580"/>
+            <a:ext cx="304800" cy="0"/>
           </a:xfrm>
           <a:prstGeom prst="line">
             <a:avLst/>
           </a:prstGeom>
           <a:ln w="28575">
             <a:solidFill>
-              <a:srgbClr val="FF0000"/>
+              <a:srgbClr val="7030A0"/>
             </a:solidFill>
           </a:ln>
         </p:spPr>
@@ -6406,184 +7050,12 @@
           </a:fontRef>
         </p:style>
       </p:cxnSp>
-      <p:cxnSp>
-        <p:nvCxnSpPr>
-          <p:cNvPr id="48" name="Straight Connector 47">
-            <a:extLst>
-              <a:ext uri="{FF2B5EF4-FFF2-40B4-BE49-F238E27FC236}">
-                <a16:creationId xmlns:a16="http://schemas.microsoft.com/office/drawing/2014/main" id="{CDB7032A-E691-A341-8776-A5A657B474D1}"/>
-              </a:ext>
-            </a:extLst>
-          </p:cNvPr>
-          <p:cNvCxnSpPr>
-            <a:cxnSpLocks/>
-          </p:cNvCxnSpPr>
-          <p:nvPr/>
-        </p:nvCxnSpPr>
-        <p:spPr>
-          <a:xfrm flipH="1">
-            <a:off x="7166488" y="4543931"/>
-            <a:ext cx="1" cy="182004"/>
-          </a:xfrm>
-          <a:prstGeom prst="line">
-            <a:avLst/>
-          </a:prstGeom>
-          <a:ln w="28575">
-            <a:solidFill>
-              <a:srgbClr val="FF0000"/>
-            </a:solidFill>
-          </a:ln>
-        </p:spPr>
-        <p:style>
-          <a:lnRef idx="1">
-            <a:schemeClr val="dk1"/>
-          </a:lnRef>
-          <a:fillRef idx="0">
-            <a:schemeClr val="dk1"/>
-          </a:fillRef>
-          <a:effectRef idx="0">
-            <a:schemeClr val="dk1"/>
-          </a:effectRef>
-          <a:fontRef idx="minor">
-            <a:schemeClr val="tx1"/>
-          </a:fontRef>
-        </p:style>
-      </p:cxnSp>
-      <p:cxnSp>
-        <p:nvCxnSpPr>
-          <p:cNvPr id="57" name="Straight Connector 56">
-            <a:extLst>
-              <a:ext uri="{FF2B5EF4-FFF2-40B4-BE49-F238E27FC236}">
-                <a16:creationId xmlns:a16="http://schemas.microsoft.com/office/drawing/2014/main" id="{142F1F87-335F-9E4C-9C85-25AE607D79A8}"/>
-              </a:ext>
-            </a:extLst>
-          </p:cNvPr>
-          <p:cNvCxnSpPr>
-            <a:cxnSpLocks/>
-          </p:cNvCxnSpPr>
-          <p:nvPr/>
-        </p:nvCxnSpPr>
-        <p:spPr>
-          <a:xfrm flipH="1">
-            <a:off x="5777952" y="4550663"/>
-            <a:ext cx="1217255" cy="0"/>
-          </a:xfrm>
-          <a:prstGeom prst="line">
-            <a:avLst/>
-          </a:prstGeom>
-          <a:ln>
-            <a:solidFill>
-              <a:srgbClr val="0D26E4"/>
-            </a:solidFill>
-          </a:ln>
-        </p:spPr>
-        <p:style>
-          <a:lnRef idx="3">
-            <a:schemeClr val="accent1"/>
-          </a:lnRef>
-          <a:fillRef idx="0">
-            <a:schemeClr val="accent1"/>
-          </a:fillRef>
-          <a:effectRef idx="2">
-            <a:schemeClr val="accent1"/>
-          </a:effectRef>
-          <a:fontRef idx="minor">
-            <a:schemeClr val="tx1"/>
-          </a:fontRef>
-        </p:style>
-      </p:cxnSp>
-      <p:cxnSp>
-        <p:nvCxnSpPr>
-          <p:cNvPr id="58" name="Straight Connector 57">
-            <a:extLst>
-              <a:ext uri="{FF2B5EF4-FFF2-40B4-BE49-F238E27FC236}">
-                <a16:creationId xmlns:a16="http://schemas.microsoft.com/office/drawing/2014/main" id="{AC74A0FE-9839-A044-B6A8-5A058BDAEF09}"/>
-              </a:ext>
-            </a:extLst>
-          </p:cNvPr>
-          <p:cNvCxnSpPr>
-            <a:cxnSpLocks/>
-          </p:cNvCxnSpPr>
-          <p:nvPr/>
-        </p:nvCxnSpPr>
-        <p:spPr>
-          <a:xfrm flipH="1">
-            <a:off x="7000462" y="4543931"/>
-            <a:ext cx="2" cy="182004"/>
-          </a:xfrm>
-          <a:prstGeom prst="line">
-            <a:avLst/>
-          </a:prstGeom>
-          <a:ln>
-            <a:solidFill>
-              <a:srgbClr val="0D26E4"/>
-            </a:solidFill>
-          </a:ln>
-        </p:spPr>
-        <p:style>
-          <a:lnRef idx="3">
-            <a:schemeClr val="accent1"/>
-          </a:lnRef>
-          <a:fillRef idx="0">
-            <a:schemeClr val="accent1"/>
-          </a:fillRef>
-          <a:effectRef idx="2">
-            <a:schemeClr val="accent1"/>
-          </a:effectRef>
-          <a:fontRef idx="minor">
-            <a:schemeClr val="tx1"/>
-          </a:fontRef>
-        </p:style>
-      </p:cxnSp>
-      <p:cxnSp>
-        <p:nvCxnSpPr>
-          <p:cNvPr id="61" name="Straight Connector 60">
-            <a:extLst>
-              <a:ext uri="{FF2B5EF4-FFF2-40B4-BE49-F238E27FC236}">
-                <a16:creationId xmlns:a16="http://schemas.microsoft.com/office/drawing/2014/main" id="{A64401E8-F0C0-E34E-A482-4B31AFA642E6}"/>
-              </a:ext>
-            </a:extLst>
-          </p:cNvPr>
-          <p:cNvCxnSpPr>
-            <a:cxnSpLocks/>
-          </p:cNvCxnSpPr>
-          <p:nvPr/>
-        </p:nvCxnSpPr>
-        <p:spPr>
-          <a:xfrm>
-            <a:off x="5777952" y="3794160"/>
-            <a:ext cx="0" cy="765036"/>
-          </a:xfrm>
-          <a:prstGeom prst="line">
-            <a:avLst/>
-          </a:prstGeom>
-          <a:ln>
-            <a:solidFill>
-              <a:srgbClr val="0D26E4"/>
-            </a:solidFill>
-          </a:ln>
-        </p:spPr>
-        <p:style>
-          <a:lnRef idx="3">
-            <a:schemeClr val="accent1"/>
-          </a:lnRef>
-          <a:fillRef idx="0">
-            <a:schemeClr val="accent1"/>
-          </a:fillRef>
-          <a:effectRef idx="2">
-            <a:schemeClr val="accent1"/>
-          </a:effectRef>
-          <a:fontRef idx="minor">
-            <a:schemeClr val="tx1"/>
-          </a:fontRef>
-        </p:style>
-      </p:cxnSp>
-      <p:sp>
-        <p:nvSpPr>
-          <p:cNvPr id="62" name="TextBox 61">
-            <a:extLst>
-              <a:ext uri="{FF2B5EF4-FFF2-40B4-BE49-F238E27FC236}">
-                <a16:creationId xmlns:a16="http://schemas.microsoft.com/office/drawing/2014/main" id="{C455291E-D8FD-734E-815C-A05BA2F7FA69}"/>
+      <p:sp>
+        <p:nvSpPr>
+          <p:cNvPr id="44" name="TextBox 43">
+            <a:extLst>
+              <a:ext uri="{FF2B5EF4-FFF2-40B4-BE49-F238E27FC236}">
+                <a16:creationId xmlns:a16="http://schemas.microsoft.com/office/drawing/2014/main" id="{4C5CC2BB-4707-7E47-A271-1C4905B19AE3}"/>
               </a:ext>
             </a:extLst>
           </p:cNvPr>
@@ -6591,9 +7063,9 @@
           <p:nvPr/>
         </p:nvSpPr>
         <p:spPr>
-          <a:xfrm>
-            <a:off x="9131424" y="6181330"/>
-            <a:ext cx="929293" cy="307777"/>
+          <a:xfrm rot="5400000">
+            <a:off x="10946937" y="4827643"/>
+            <a:ext cx="936475" cy="276999"/>
           </a:xfrm>
           <a:prstGeom prst="rect">
             <a:avLst/>
@@ -6607,18 +7079,21 @@
           <a:lstStyle/>
           <a:p>
             <a:r>
-              <a:rPr lang="en-US" sz="1400" dirty="0"/>
-              <a:t>CMOS TTL</a:t>
-            </a:r>
-          </a:p>
-        </p:txBody>
-      </p:sp>
-      <p:sp>
-        <p:nvSpPr>
-          <p:cNvPr id="69" name="TextBox 68">
-            <a:extLst>
-              <a:ext uri="{FF2B5EF4-FFF2-40B4-BE49-F238E27FC236}">
-                <a16:creationId xmlns:a16="http://schemas.microsoft.com/office/drawing/2014/main" id="{F1FC4EB1-EC1D-D04C-B37F-17D4EE553838}"/>
+              <a:rPr lang="en-US" sz="1200" dirty="0">
+                <a:latin typeface="Arial" panose="020B0604020202020204" pitchFamily="34" charset="0"/>
+                <a:cs typeface="Arial" panose="020B0604020202020204" pitchFamily="34" charset="0"/>
+              </a:rPr>
+              <a:t>READOUT</a:t>
+            </a:r>
+          </a:p>
+        </p:txBody>
+      </p:sp>
+      <p:sp>
+        <p:nvSpPr>
+          <p:cNvPr id="45" name="TextBox 44">
+            <a:extLst>
+              <a:ext uri="{FF2B5EF4-FFF2-40B4-BE49-F238E27FC236}">
+                <a16:creationId xmlns:a16="http://schemas.microsoft.com/office/drawing/2014/main" id="{2656C128-3204-8346-9C6F-FA50F315B2E7}"/>
               </a:ext>
             </a:extLst>
           </p:cNvPr>
@@ -6626,9 +7101,9 @@
           <p:nvPr/>
         </p:nvSpPr>
         <p:spPr>
-          <a:xfrm rot="16200000">
-            <a:off x="5206740" y="4033750"/>
-            <a:ext cx="828304" cy="307777"/>
+          <a:xfrm>
+            <a:off x="8166423" y="5702464"/>
+            <a:ext cx="356188" cy="338554"/>
           </a:xfrm>
           <a:prstGeom prst="rect">
             <a:avLst/>
@@ -6642,72 +7117,182 @@
           <a:lstStyle/>
           <a:p>
             <a:r>
-              <a:rPr lang="en-US" sz="1400" dirty="0"/>
-              <a:t>UNO TTL</a:t>
-            </a:r>
-          </a:p>
-        </p:txBody>
-      </p:sp>
-      <p:sp>
-        <p:nvSpPr>
-          <p:cNvPr id="70" name="Rectangle 69">
-            <a:extLst>
-              <a:ext uri="{FF2B5EF4-FFF2-40B4-BE49-F238E27FC236}">
-                <a16:creationId xmlns:a16="http://schemas.microsoft.com/office/drawing/2014/main" id="{F90ED13D-C661-8C4D-9816-B1F6FDCDD7BF}"/>
-              </a:ext>
-            </a:extLst>
-          </p:cNvPr>
-          <p:cNvSpPr/>
+              <a:rPr lang="en-US" sz="1600" dirty="0">
+                <a:latin typeface="Arial" panose="020B0604020202020204" pitchFamily="34" charset="0"/>
+                <a:cs typeface="Arial" panose="020B0604020202020204" pitchFamily="34" charset="0"/>
+              </a:rPr>
+              <a:t>M</a:t>
+            </a:r>
+          </a:p>
+        </p:txBody>
+      </p:sp>
+      <p:pic>
+        <p:nvPicPr>
+          <p:cNvPr id="48" name="Picture 47" descr="1.png">
+            <a:extLst>
+              <a:ext uri="{FF2B5EF4-FFF2-40B4-BE49-F238E27FC236}">
+                <a16:creationId xmlns:a16="http://schemas.microsoft.com/office/drawing/2014/main" id="{07B13CAB-9DD5-334D-B9CE-2DADB17D7959}"/>
+              </a:ext>
+            </a:extLst>
+          </p:cNvPr>
+          <p:cNvPicPr>
+            <a:picLocks noChangeAspect="1"/>
+          </p:cNvPicPr>
           <p:nvPr/>
-        </p:nvSpPr>
+        </p:nvPicPr>
+        <p:blipFill rotWithShape="1">
+          <a:blip r:embed="rId4">
+            <a:extLst>
+              <a:ext uri="{28A0092B-C50C-407E-A947-70E740481C1C}">
+                <a14:useLocalDpi xmlns:a14="http://schemas.microsoft.com/office/drawing/2010/main" val="0"/>
+              </a:ext>
+            </a:extLst>
+          </a:blip>
+          <a:srcRect t="17925" b="6704"/>
+          <a:stretch/>
+        </p:blipFill>
         <p:spPr>
           <a:xfrm>
-            <a:off x="8231107" y="354836"/>
-            <a:ext cx="719023" cy="346842"/>
+            <a:off x="480299" y="3276274"/>
+            <a:ext cx="4536566" cy="2416228"/>
           </a:xfrm>
           <a:prstGeom prst="rect">
             <a:avLst/>
           </a:prstGeom>
-          <a:ln>
-            <a:solidFill>
-              <a:srgbClr val="FFFF00"/>
-            </a:solidFill>
-          </a:ln>
-        </p:spPr>
-        <p:style>
-          <a:lnRef idx="2">
-            <a:schemeClr val="accent3">
-              <a:shade val="50000"/>
-            </a:schemeClr>
-          </a:lnRef>
-          <a:fillRef idx="1">
-            <a:schemeClr val="accent3"/>
-          </a:fillRef>
-          <a:effectRef idx="0">
-            <a:schemeClr val="accent3"/>
-          </a:effectRef>
-          <a:fontRef idx="minor">
-            <a:schemeClr val="lt1"/>
-          </a:fontRef>
-        </p:style>
-        <p:txBody>
-          <a:bodyPr rtlCol="0" anchor="ctr"/>
-          <a:lstStyle/>
-          <a:p>
-            <a:pPr algn="ctr"/>
-            <a:r>
-              <a:rPr lang="en-US" dirty="0"/>
-              <a:t>PD</a:t>
-            </a:r>
-          </a:p>
-        </p:txBody>
-      </p:sp>
-      <p:sp>
-        <p:nvSpPr>
-          <p:cNvPr id="72" name="Rectangle 71">
-            <a:extLst>
-              <a:ext uri="{FF2B5EF4-FFF2-40B4-BE49-F238E27FC236}">
-                <a16:creationId xmlns:a16="http://schemas.microsoft.com/office/drawing/2014/main" id="{64B228C5-A9DB-CA44-A692-844F2E6929F0}"/>
+        </p:spPr>
+      </p:pic>
+    </p:spTree>
+    <p:extLst>
+      <p:ext uri="{BB962C8B-B14F-4D97-AF65-F5344CB8AC3E}">
+        <p14:creationId xmlns:p14="http://schemas.microsoft.com/office/powerpoint/2010/main" val="14868327"/>
+      </p:ext>
+    </p:extLst>
+  </p:cSld>
+  <p:clrMapOvr>
+    <a:masterClrMapping/>
+  </p:clrMapOvr>
+</p:sld>
+</file>
+
+<file path=ppt/slides/slide4.xml><?xml version="1.0" encoding="utf-8"?>
+<p:sld xmlns:a="http://schemas.openxmlformats.org/drawingml/2006/main" xmlns:r="http://schemas.openxmlformats.org/officeDocument/2006/relationships" xmlns:p="http://schemas.openxmlformats.org/presentationml/2006/main">
+  <p:cSld>
+    <p:spTree>
+      <p:nvGrpSpPr>
+        <p:cNvPr id="1" name=""/>
+        <p:cNvGrpSpPr/>
+        <p:nvPr/>
+      </p:nvGrpSpPr>
+      <p:grpSpPr>
+        <a:xfrm>
+          <a:off x="0" y="0"/>
+          <a:ext cx="0" cy="0"/>
+          <a:chOff x="0" y="0"/>
+          <a:chExt cx="0" cy="0"/>
+        </a:xfrm>
+      </p:grpSpPr>
+      <p:pic>
+        <p:nvPicPr>
+          <p:cNvPr id="32" name="Picture 31" descr="A picture containing chart&#10;&#10;Description automatically generated">
+            <a:extLst>
+              <a:ext uri="{FF2B5EF4-FFF2-40B4-BE49-F238E27FC236}">
+                <a16:creationId xmlns:a16="http://schemas.microsoft.com/office/drawing/2014/main" id="{C9DE8445-0B2F-DC40-BA9C-4080D39AC3BB}"/>
+              </a:ext>
+            </a:extLst>
+          </p:cNvPr>
+          <p:cNvPicPr>
+            <a:picLocks noChangeAspect="1"/>
+          </p:cNvPicPr>
+          <p:nvPr/>
+        </p:nvPicPr>
+        <p:blipFill rotWithShape="1">
+          <a:blip r:embed="rId2"/>
+          <a:srcRect l="44912" r="3219" b="2820"/>
+          <a:stretch/>
+        </p:blipFill>
+        <p:spPr>
+          <a:xfrm>
+            <a:off x="7641771" y="1877587"/>
+            <a:ext cx="3222171" cy="4527687"/>
+          </a:xfrm>
+          <a:prstGeom prst="rect">
+            <a:avLst/>
+          </a:prstGeom>
+        </p:spPr>
+      </p:pic>
+      <p:pic>
+        <p:nvPicPr>
+          <p:cNvPr id="28" name="Picture 27" descr="A picture containing diagram&#10;&#10;Description automatically generated">
+            <a:extLst>
+              <a:ext uri="{FF2B5EF4-FFF2-40B4-BE49-F238E27FC236}">
+                <a16:creationId xmlns:a16="http://schemas.microsoft.com/office/drawing/2014/main" id="{0BD5B56B-287D-BE48-A49A-BC7ED36B37FC}"/>
+              </a:ext>
+            </a:extLst>
+          </p:cNvPr>
+          <p:cNvPicPr>
+            <a:picLocks noChangeAspect="1"/>
+          </p:cNvPicPr>
+          <p:nvPr/>
+        </p:nvPicPr>
+        <p:blipFill rotWithShape="1">
+          <a:blip r:embed="rId3"/>
+          <a:srcRect t="2824" b="2527"/>
+          <a:stretch/>
+        </p:blipFill>
+        <p:spPr>
+          <a:xfrm>
+            <a:off x="767440" y="2008405"/>
+            <a:ext cx="6193971" cy="4396869"/>
+          </a:xfrm>
+          <a:prstGeom prst="rect">
+            <a:avLst/>
+          </a:prstGeom>
+        </p:spPr>
+      </p:pic>
+      <p:sp>
+        <p:nvSpPr>
+          <p:cNvPr id="44" name="TextBox 43">
+            <a:extLst>
+              <a:ext uri="{FF2B5EF4-FFF2-40B4-BE49-F238E27FC236}">
+                <a16:creationId xmlns:a16="http://schemas.microsoft.com/office/drawing/2014/main" id="{80CFC23D-B828-0E41-9CD7-1248817C8D11}"/>
+              </a:ext>
+            </a:extLst>
+          </p:cNvPr>
+          <p:cNvSpPr txBox="1"/>
+          <p:nvPr/>
+        </p:nvSpPr>
+        <p:spPr>
+          <a:xfrm>
+            <a:off x="262974" y="142308"/>
+            <a:ext cx="9551846" cy="400110"/>
+          </a:xfrm>
+          <a:prstGeom prst="rect">
+            <a:avLst/>
+          </a:prstGeom>
+          <a:noFill/>
+        </p:spPr>
+        <p:txBody>
+          <a:bodyPr wrap="none" rtlCol="0">
+            <a:spAutoFit/>
+          </a:bodyPr>
+          <a:lstStyle/>
+          <a:p>
+            <a:r>
+              <a:rPr lang="en-US" sz="2000" b="1" dirty="0">
+                <a:latin typeface="Arial" panose="020B0604020202020204" pitchFamily="34" charset="0"/>
+                <a:cs typeface="Arial" panose="020B0604020202020204" pitchFamily="34" charset="0"/>
+              </a:rPr>
+              <a:t>Transistor-Transistor Logic (TTL) Allows Precisely-Timed Pulsatile Excitation</a:t>
+            </a:r>
+          </a:p>
+        </p:txBody>
+      </p:sp>
+      <p:sp>
+        <p:nvSpPr>
+          <p:cNvPr id="46" name="CustomShape 1">
+            <a:extLst>
+              <a:ext uri="{FF2B5EF4-FFF2-40B4-BE49-F238E27FC236}">
+                <a16:creationId xmlns:a16="http://schemas.microsoft.com/office/drawing/2014/main" id="{95399B69-E801-184E-9CFB-5ABCB4FFB9DE}"/>
               </a:ext>
             </a:extLst>
           </p:cNvPr>
@@ -6716,321 +7301,102 @@
         </p:nvSpPr>
         <p:spPr>
           <a:xfrm>
-            <a:off x="7710376" y="710307"/>
-            <a:ext cx="638798" cy="45719"/>
+            <a:off x="489959" y="849550"/>
+            <a:ext cx="9478079" cy="829543"/>
           </a:xfrm>
           <a:prstGeom prst="rect">
             <a:avLst/>
           </a:prstGeom>
           <a:noFill/>
           <a:ln>
-            <a:solidFill>
-              <a:schemeClr val="tx1"/>
-            </a:solidFill>
+            <a:noFill/>
           </a:ln>
         </p:spPr>
         <p:style>
-          <a:lnRef idx="2">
-            <a:schemeClr val="accent1">
-              <a:shade val="50000"/>
-            </a:schemeClr>
+          <a:lnRef idx="0">
+            <a:scrgbClr r="0" g="0" b="0"/>
           </a:lnRef>
-          <a:fillRef idx="1">
-            <a:schemeClr val="accent1"/>
+          <a:fillRef idx="0">
+            <a:scrgbClr r="0" g="0" b="0"/>
           </a:fillRef>
           <a:effectRef idx="0">
-            <a:schemeClr val="accent1"/>
+            <a:scrgbClr r="0" g="0" b="0"/>
           </a:effectRef>
-          <a:fontRef idx="minor">
-            <a:schemeClr val="lt1"/>
-          </a:fontRef>
+          <a:fontRef idx="minor"/>
         </p:style>
         <p:txBody>
-          <a:bodyPr rtlCol="0" anchor="ctr"/>
-          <a:lstStyle/>
-          <a:p>
-            <a:pPr algn="ctr"/>
-            <a:endParaRPr lang="en-US"/>
-          </a:p>
-        </p:txBody>
-      </p:sp>
-      <p:pic>
-        <p:nvPicPr>
-          <p:cNvPr id="1030" name="Picture 6" descr="PC Clip Art - ClipArt Best">
-            <a:extLst>
-              <a:ext uri="{FF2B5EF4-FFF2-40B4-BE49-F238E27FC236}">
-                <a16:creationId xmlns:a16="http://schemas.microsoft.com/office/drawing/2014/main" id="{A731EDC5-BA83-624F-8E9E-908BD58E570C}"/>
-              </a:ext>
-            </a:extLst>
-          </p:cNvPr>
-          <p:cNvPicPr>
-            <a:picLocks noChangeAspect="1" noChangeArrowheads="1"/>
-          </p:cNvPicPr>
-          <p:nvPr/>
-        </p:nvPicPr>
-        <p:blipFill>
-          <a:blip r:embed="rId5">
-            <a:extLst>
-              <a:ext uri="{28A0092B-C50C-407E-A947-70E740481C1C}">
-                <a14:useLocalDpi xmlns:a14="http://schemas.microsoft.com/office/drawing/2010/main" val="0"/>
-              </a:ext>
-            </a:extLst>
-          </a:blip>
-          <a:srcRect/>
-          <a:stretch>
-            <a:fillRect/>
-          </a:stretch>
-        </p:blipFill>
-        <p:spPr bwMode="auto">
-          <a:xfrm>
-            <a:off x="10265648" y="3632216"/>
-            <a:ext cx="948815" cy="948815"/>
-          </a:xfrm>
-          <a:prstGeom prst="rect">
-            <a:avLst/>
-          </a:prstGeom>
-          <a:noFill/>
-          <a:extLst>
-            <a:ext uri="{909E8E84-426E-40DD-AFC4-6F175D3DCCD1}">
-              <a14:hiddenFill xmlns:a14="http://schemas.microsoft.com/office/drawing/2010/main">
-                <a:solidFill>
-                  <a:srgbClr val="FFFFFF"/>
-                </a:solidFill>
-              </a14:hiddenFill>
-            </a:ext>
-          </a:extLst>
-        </p:spPr>
-      </p:pic>
-      <p:cxnSp>
-        <p:nvCxnSpPr>
-          <p:cNvPr id="77" name="Straight Connector 76">
-            <a:extLst>
-              <a:ext uri="{FF2B5EF4-FFF2-40B4-BE49-F238E27FC236}">
-                <a16:creationId xmlns:a16="http://schemas.microsoft.com/office/drawing/2014/main" id="{DA34575D-13EB-C94E-977B-1D96877AAA62}"/>
-              </a:ext>
-            </a:extLst>
-          </p:cNvPr>
-          <p:cNvCxnSpPr>
-            <a:cxnSpLocks/>
-          </p:cNvCxnSpPr>
-          <p:nvPr/>
-        </p:nvCxnSpPr>
-        <p:spPr>
-          <a:xfrm>
-            <a:off x="10975435" y="5413269"/>
-            <a:ext cx="304800" cy="0"/>
-          </a:xfrm>
-          <a:prstGeom prst="line">
-            <a:avLst/>
-          </a:prstGeom>
-          <a:ln w="28575">
-            <a:solidFill>
-              <a:srgbClr val="7030A0"/>
-            </a:solidFill>
-          </a:ln>
-        </p:spPr>
-        <p:style>
-          <a:lnRef idx="1">
-            <a:schemeClr val="dk1"/>
-          </a:lnRef>
-          <a:fillRef idx="0">
-            <a:schemeClr val="dk1"/>
-          </a:fillRef>
-          <a:effectRef idx="0">
-            <a:schemeClr val="dk1"/>
-          </a:effectRef>
-          <a:fontRef idx="minor">
-            <a:schemeClr val="tx1"/>
-          </a:fontRef>
-        </p:style>
-      </p:cxnSp>
-      <p:cxnSp>
-        <p:nvCxnSpPr>
-          <p:cNvPr id="78" name="Straight Connector 77">
-            <a:extLst>
-              <a:ext uri="{FF2B5EF4-FFF2-40B4-BE49-F238E27FC236}">
-                <a16:creationId xmlns:a16="http://schemas.microsoft.com/office/drawing/2014/main" id="{B83E9880-1EBF-1244-83A2-CA0077EC827F}"/>
-              </a:ext>
-            </a:extLst>
-          </p:cNvPr>
-          <p:cNvCxnSpPr>
-            <a:cxnSpLocks/>
-          </p:cNvCxnSpPr>
-          <p:nvPr/>
-        </p:nvCxnSpPr>
-        <p:spPr>
-          <a:xfrm>
-            <a:off x="11280235" y="4096217"/>
-            <a:ext cx="0" cy="1309741"/>
-          </a:xfrm>
-          <a:prstGeom prst="line">
-            <a:avLst/>
-          </a:prstGeom>
-          <a:ln w="28575">
-            <a:solidFill>
-              <a:srgbClr val="7030A0"/>
-            </a:solidFill>
-          </a:ln>
-        </p:spPr>
-        <p:style>
-          <a:lnRef idx="1">
-            <a:schemeClr val="dk1"/>
-          </a:lnRef>
-          <a:fillRef idx="0">
-            <a:schemeClr val="dk1"/>
-          </a:fillRef>
-          <a:effectRef idx="0">
-            <a:schemeClr val="dk1"/>
-          </a:effectRef>
-          <a:fontRef idx="minor">
-            <a:schemeClr val="tx1"/>
-          </a:fontRef>
-        </p:style>
-      </p:cxnSp>
-      <p:cxnSp>
-        <p:nvCxnSpPr>
-          <p:cNvPr id="82" name="Straight Connector 81">
-            <a:extLst>
-              <a:ext uri="{FF2B5EF4-FFF2-40B4-BE49-F238E27FC236}">
-                <a16:creationId xmlns:a16="http://schemas.microsoft.com/office/drawing/2014/main" id="{00C7894A-79C7-7C40-97EC-1EB18B0CAC82}"/>
-              </a:ext>
-            </a:extLst>
-          </p:cNvPr>
-          <p:cNvCxnSpPr>
-            <a:cxnSpLocks/>
-          </p:cNvCxnSpPr>
-          <p:nvPr/>
-        </p:nvCxnSpPr>
-        <p:spPr>
-          <a:xfrm>
-            <a:off x="10975435" y="4106623"/>
-            <a:ext cx="304800" cy="0"/>
-          </a:xfrm>
-          <a:prstGeom prst="line">
-            <a:avLst/>
-          </a:prstGeom>
-          <a:ln w="28575">
-            <a:solidFill>
-              <a:srgbClr val="7030A0"/>
-            </a:solidFill>
-          </a:ln>
-        </p:spPr>
-        <p:style>
-          <a:lnRef idx="1">
-            <a:schemeClr val="dk1"/>
-          </a:lnRef>
-          <a:fillRef idx="0">
-            <a:schemeClr val="dk1"/>
-          </a:fillRef>
-          <a:effectRef idx="0">
-            <a:schemeClr val="dk1"/>
-          </a:effectRef>
-          <a:fontRef idx="minor">
-            <a:schemeClr val="tx1"/>
-          </a:fontRef>
-        </p:style>
-      </p:cxnSp>
-      <p:sp>
-        <p:nvSpPr>
-          <p:cNvPr id="83" name="TextBox 82">
-            <a:extLst>
-              <a:ext uri="{FF2B5EF4-FFF2-40B4-BE49-F238E27FC236}">
-                <a16:creationId xmlns:a16="http://schemas.microsoft.com/office/drawing/2014/main" id="{C2559280-8B97-AA49-91A3-7B0BCF754556}"/>
-              </a:ext>
-            </a:extLst>
-          </p:cNvPr>
-          <p:cNvSpPr txBox="1"/>
-          <p:nvPr/>
-        </p:nvSpPr>
-        <p:spPr>
-          <a:xfrm rot="5400000">
-            <a:off x="10986893" y="4630297"/>
-            <a:ext cx="905697" cy="307777"/>
-          </a:xfrm>
-          <a:prstGeom prst="rect">
-            <a:avLst/>
-          </a:prstGeom>
-          <a:noFill/>
-        </p:spPr>
-        <p:txBody>
-          <a:bodyPr wrap="none" rtlCol="0">
+          <a:bodyPr wrap="square" lIns="90000" tIns="45000" rIns="90000" bIns="45000">
             <a:spAutoFit/>
           </a:bodyPr>
           <a:lstStyle/>
           <a:p>
-            <a:r>
-              <a:rPr lang="en-US" sz="1400" dirty="0"/>
-              <a:t>READOUT</a:t>
-            </a:r>
-          </a:p>
-        </p:txBody>
-      </p:sp>
-      <p:sp>
-        <p:nvSpPr>
-          <p:cNvPr id="14" name="TextBox 13">
-            <a:extLst>
-              <a:ext uri="{FF2B5EF4-FFF2-40B4-BE49-F238E27FC236}">
-                <a16:creationId xmlns:a16="http://schemas.microsoft.com/office/drawing/2014/main" id="{96AA41AD-1533-DF44-B5E9-3EACD7F2B04D}"/>
-              </a:ext>
-            </a:extLst>
-          </p:cNvPr>
-          <p:cNvSpPr txBox="1"/>
-          <p:nvPr/>
-        </p:nvSpPr>
-        <p:spPr>
-          <a:xfrm>
-            <a:off x="8190990" y="5520507"/>
-            <a:ext cx="381836" cy="369332"/>
-          </a:xfrm>
-          <a:prstGeom prst="rect">
-            <a:avLst/>
-          </a:prstGeom>
-          <a:noFill/>
-        </p:spPr>
-        <p:txBody>
-          <a:bodyPr wrap="none" rtlCol="0">
-            <a:spAutoFit/>
-          </a:bodyPr>
-          <a:lstStyle/>
-          <a:p>
-            <a:r>
-              <a:rPr lang="en-US" dirty="0"/>
-              <a:t>M</a:t>
-            </a:r>
-          </a:p>
-        </p:txBody>
-      </p:sp>
-      <p:sp>
-        <p:nvSpPr>
-          <p:cNvPr id="4" name="TextBox 3">
-            <a:extLst>
-              <a:ext uri="{FF2B5EF4-FFF2-40B4-BE49-F238E27FC236}">
-                <a16:creationId xmlns:a16="http://schemas.microsoft.com/office/drawing/2014/main" id="{AB7501D2-1C1B-FD4D-8503-0F29CFDF57C9}"/>
-              </a:ext>
-            </a:extLst>
-          </p:cNvPr>
-          <p:cNvSpPr txBox="1"/>
-          <p:nvPr/>
-        </p:nvSpPr>
-        <p:spPr>
-          <a:xfrm>
-            <a:off x="5769429" y="1632857"/>
-            <a:ext cx="1369157" cy="369332"/>
-          </a:xfrm>
-          <a:prstGeom prst="rect">
-            <a:avLst/>
-          </a:prstGeom>
-          <a:noFill/>
-        </p:spPr>
-        <p:txBody>
-          <a:bodyPr wrap="none" rtlCol="0">
-            <a:spAutoFit/>
-          </a:bodyPr>
-          <a:lstStyle/>
-          <a:p>
-            <a:r>
-              <a:rPr lang="en-US" dirty="0"/>
-              <a:t>Legend Here</a:t>
+            <a:pPr marL="285840" indent="-284760">
+              <a:buClr>
+                <a:srgbClr val="000000"/>
+              </a:buClr>
+              <a:buFont typeface="Arial"/>
+              <a:buChar char="•"/>
+            </a:pPr>
+            <a:r>
+              <a:rPr lang="en-US" sz="1600" spc="-1" dirty="0">
+                <a:solidFill>
+                  <a:srgbClr val="000000"/>
+                </a:solidFill>
+                <a:latin typeface="Arial"/>
+                <a:ea typeface="DejaVu Sans"/>
+              </a:rPr>
+              <a:t>Brief excitatory pulses during sensor exposure limits photobleaching at low frame rates </a:t>
+            </a:r>
+            <a:endParaRPr lang="en-US" sz="1600" spc="-1" dirty="0">
+              <a:solidFill>
+                <a:srgbClr val="000000"/>
+              </a:solidFill>
+              <a:latin typeface="Arial" panose="020B0604020202020204" pitchFamily="34" charset="0"/>
+              <a:ea typeface="DejaVu Sans"/>
+              <a:cs typeface="Arial" panose="020B0604020202020204" pitchFamily="34" charset="0"/>
+            </a:endParaRPr>
+          </a:p>
+          <a:p>
+            <a:pPr marL="285840" indent="-284760">
+              <a:lnSpc>
+                <a:spcPct val="100000"/>
+              </a:lnSpc>
+              <a:buClr>
+                <a:srgbClr val="000000"/>
+              </a:buClr>
+              <a:buFont typeface="Arial"/>
+              <a:buChar char="•"/>
+            </a:pPr>
+            <a:endParaRPr lang="en-US" sz="1600" spc="-1" dirty="0">
+              <a:solidFill>
+                <a:srgbClr val="000000"/>
+              </a:solidFill>
+              <a:latin typeface="Arial" panose="020B0604020202020204" pitchFamily="34" charset="0"/>
+              <a:ea typeface="DejaVu Sans"/>
+              <a:cs typeface="Arial" panose="020B0604020202020204" pitchFamily="34" charset="0"/>
+            </a:endParaRPr>
+          </a:p>
+          <a:p>
+            <a:pPr marL="285840" indent="-284760">
+              <a:lnSpc>
+                <a:spcPct val="100000"/>
+              </a:lnSpc>
+              <a:buClr>
+                <a:srgbClr val="000000"/>
+              </a:buClr>
+              <a:buFont typeface="Arial"/>
+              <a:buChar char="•"/>
+            </a:pPr>
+            <a:r>
+              <a:rPr lang="en-US" sz="1600" spc="-1" dirty="0">
+                <a:solidFill>
+                  <a:srgbClr val="000000"/>
+                </a:solidFill>
+                <a:latin typeface="Arial" panose="020B0604020202020204" pitchFamily="34" charset="0"/>
+                <a:ea typeface="DejaVu Sans"/>
+                <a:cs typeface="Arial" panose="020B0604020202020204" pitchFamily="34" charset="0"/>
+              </a:rPr>
+              <a:t>Global shuttering mechanism prevents collection bias over the CMOS sensor</a:t>
             </a:r>
           </a:p>
         </p:txBody>
@@ -7104,71 +7470,6 @@
     <p:extLst>
       <p:ext uri="{BB962C8B-B14F-4D97-AF65-F5344CB8AC3E}">
         <p14:creationId xmlns:p14="http://schemas.microsoft.com/office/powerpoint/2010/main" val="1680182837"/>
-      </p:ext>
-    </p:extLst>
-  </p:cSld>
-  <p:clrMapOvr>
-    <a:masterClrMapping/>
-  </p:clrMapOvr>
-</p:sld>
-</file>
-
-<file path=ppt/slides/slide6.xml><?xml version="1.0" encoding="utf-8"?>
-<p:sld xmlns:a="http://schemas.openxmlformats.org/drawingml/2006/main" xmlns:r="http://schemas.openxmlformats.org/officeDocument/2006/relationships" xmlns:p="http://schemas.openxmlformats.org/presentationml/2006/main">
-  <p:cSld>
-    <p:spTree>
-      <p:nvGrpSpPr>
-        <p:cNvPr id="1" name=""/>
-        <p:cNvGrpSpPr/>
-        <p:nvPr/>
-      </p:nvGrpSpPr>
-      <p:grpSpPr>
-        <a:xfrm>
-          <a:off x="0" y="0"/>
-          <a:ext cx="0" cy="0"/>
-          <a:chOff x="0" y="0"/>
-          <a:chExt cx="0" cy="0"/>
-        </a:xfrm>
-      </p:grpSpPr>
-      <p:sp>
-        <p:nvSpPr>
-          <p:cNvPr id="4" name="TextBox 3">
-            <a:extLst>
-              <a:ext uri="{FF2B5EF4-FFF2-40B4-BE49-F238E27FC236}">
-                <a16:creationId xmlns:a16="http://schemas.microsoft.com/office/drawing/2014/main" id="{A210EF17-F657-0948-8120-66CB782D774C}"/>
-              </a:ext>
-            </a:extLst>
-          </p:cNvPr>
-          <p:cNvSpPr txBox="1"/>
-          <p:nvPr/>
-        </p:nvSpPr>
-        <p:spPr>
-          <a:xfrm>
-            <a:off x="163285" y="87086"/>
-            <a:ext cx="2254207" cy="369332"/>
-          </a:xfrm>
-          <a:prstGeom prst="rect">
-            <a:avLst/>
-          </a:prstGeom>
-          <a:noFill/>
-        </p:spPr>
-        <p:txBody>
-          <a:bodyPr wrap="none" rtlCol="0">
-            <a:spAutoFit/>
-          </a:bodyPr>
-          <a:lstStyle/>
-          <a:p>
-            <a:r>
-              <a:rPr lang="en-US" b="1" dirty="0"/>
-              <a:t>Voltage Experiments?</a:t>
-            </a:r>
-          </a:p>
-        </p:txBody>
-      </p:sp>
-    </p:spTree>
-    <p:extLst>
-      <p:ext uri="{BB962C8B-B14F-4D97-AF65-F5344CB8AC3E}">
-        <p14:creationId xmlns:p14="http://schemas.microsoft.com/office/powerpoint/2010/main" val="2977995485"/>
       </p:ext>
     </p:extLst>
   </p:cSld>
